--- a/English/7.Power BI Services/3.Working with Dataflows.pptx
+++ b/English/7.Power BI Services/3.Working with Dataflows.pptx
@@ -28,7 +28,7 @@
   <p:notesSz cx="6858000" cy="9144000"/>
   <p:defaultTextStyle>
     <a:defPPr>
-      <a:defRPr lang="en-US"/>
+      <a:defRPr lang="en"/>
     </a:defPPr>
     <a:lvl1pPr marL="0" algn="l" defTabSz="914400" rtl="0" eaLnBrk="1" latinLnBrk="0" hangingPunct="1">
       <a:defRPr sz="1800" kern="1200">
@@ -211,7 +211,7 @@
           <a:p>
             <a:fld id="{056BA3B8-9F76-4D81-B71D-76CB85363062}" type="datetimeFigureOut">
               <a:rPr lang="en-US" smtClean="0"/>
-              <a:t>1/6/2025</a:t>
+              <a:t>2/27/2025</a:t>
             </a:fld>
             <a:endParaRPr lang="en-US"/>
           </a:p>
@@ -610,7 +610,7 @@
           <a:p>
             <a:fld id="{6F01DA4D-20EA-48D2-973C-0311EC3005D6}" type="datetimeFigureOut">
               <a:rPr lang="en-US" smtClean="0"/>
-              <a:t>1/6/2025</a:t>
+              <a:t>2/27/2025</a:t>
             </a:fld>
             <a:endParaRPr lang="en-US"/>
           </a:p>
@@ -780,7 +780,7 @@
           <a:p>
             <a:fld id="{6F01DA4D-20EA-48D2-973C-0311EC3005D6}" type="datetimeFigureOut">
               <a:rPr lang="en-US" smtClean="0"/>
-              <a:t>1/6/2025</a:t>
+              <a:t>2/27/2025</a:t>
             </a:fld>
             <a:endParaRPr lang="en-US"/>
           </a:p>
@@ -960,7 +960,7 @@
           <a:p>
             <a:fld id="{6F01DA4D-20EA-48D2-973C-0311EC3005D6}" type="datetimeFigureOut">
               <a:rPr lang="en-US" smtClean="0"/>
-              <a:t>1/6/2025</a:t>
+              <a:t>2/27/2025</a:t>
             </a:fld>
             <a:endParaRPr lang="en-US"/>
           </a:p>
@@ -1130,7 +1130,7 @@
           <a:p>
             <a:fld id="{6F01DA4D-20EA-48D2-973C-0311EC3005D6}" type="datetimeFigureOut">
               <a:rPr lang="en-US" smtClean="0"/>
-              <a:t>1/6/2025</a:t>
+              <a:t>2/27/2025</a:t>
             </a:fld>
             <a:endParaRPr lang="en-US"/>
           </a:p>
@@ -1376,7 +1376,7 @@
           <a:p>
             <a:fld id="{6F01DA4D-20EA-48D2-973C-0311EC3005D6}" type="datetimeFigureOut">
               <a:rPr lang="en-US" smtClean="0"/>
-              <a:t>1/6/2025</a:t>
+              <a:t>2/27/2025</a:t>
             </a:fld>
             <a:endParaRPr lang="en-US"/>
           </a:p>
@@ -1608,7 +1608,7 @@
           <a:p>
             <a:fld id="{6F01DA4D-20EA-48D2-973C-0311EC3005D6}" type="datetimeFigureOut">
               <a:rPr lang="en-US" smtClean="0"/>
-              <a:t>1/6/2025</a:t>
+              <a:t>2/27/2025</a:t>
             </a:fld>
             <a:endParaRPr lang="en-US"/>
           </a:p>
@@ -1975,7 +1975,7 @@
           <a:p>
             <a:fld id="{6F01DA4D-20EA-48D2-973C-0311EC3005D6}" type="datetimeFigureOut">
               <a:rPr lang="en-US" smtClean="0"/>
-              <a:t>1/6/2025</a:t>
+              <a:t>2/27/2025</a:t>
             </a:fld>
             <a:endParaRPr lang="en-US"/>
           </a:p>
@@ -2093,7 +2093,7 @@
           <a:p>
             <a:fld id="{6F01DA4D-20EA-48D2-973C-0311EC3005D6}" type="datetimeFigureOut">
               <a:rPr lang="en-US" smtClean="0"/>
-              <a:t>1/6/2025</a:t>
+              <a:t>2/27/2025</a:t>
             </a:fld>
             <a:endParaRPr lang="en-US"/>
           </a:p>
@@ -2188,7 +2188,7 @@
           <a:p>
             <a:fld id="{6F01DA4D-20EA-48D2-973C-0311EC3005D6}" type="datetimeFigureOut">
               <a:rPr lang="en-US" smtClean="0"/>
-              <a:t>1/6/2025</a:t>
+              <a:t>2/27/2025</a:t>
             </a:fld>
             <a:endParaRPr lang="en-US"/>
           </a:p>
@@ -2465,7 +2465,7 @@
           <a:p>
             <a:fld id="{6F01DA4D-20EA-48D2-973C-0311EC3005D6}" type="datetimeFigureOut">
               <a:rPr lang="en-US" smtClean="0"/>
-              <a:t>1/6/2025</a:t>
+              <a:t>2/27/2025</a:t>
             </a:fld>
             <a:endParaRPr lang="en-US"/>
           </a:p>
@@ -2718,7 +2718,7 @@
           <a:p>
             <a:fld id="{6F01DA4D-20EA-48D2-973C-0311EC3005D6}" type="datetimeFigureOut">
               <a:rPr lang="en-US" smtClean="0"/>
-              <a:t>1/6/2025</a:t>
+              <a:t>2/27/2025</a:t>
             </a:fld>
             <a:endParaRPr lang="en-US"/>
           </a:p>
@@ -2931,7 +2931,7 @@
           <a:p>
             <a:fld id="{6F01DA4D-20EA-48D2-973C-0311EC3005D6}" type="datetimeFigureOut">
               <a:rPr lang="en-US" smtClean="0"/>
-              <a:t>1/6/2025</a:t>
+              <a:t>2/27/2025</a:t>
             </a:fld>
             <a:endParaRPr lang="en-US"/>
           </a:p>
@@ -3352,7 +3352,7 @@
         </p:nvSpPr>
         <p:spPr>
           <a:xfrm>
-            <a:off x="2724878" y="2078426"/>
+            <a:off x="2724877" y="1879046"/>
             <a:ext cx="6515375" cy="2308324"/>
           </a:xfrm>
           <a:prstGeom prst="rect">
@@ -3366,9 +3366,9 @@
           </a:bodyPr>
           <a:lstStyle/>
           <a:p>
-            <a:pPr algn="ctr"/>
-            <a:r>
-              <a:rPr lang="fr-FR" sz="7200" b="1" dirty="0" err="1" smtClean="0">
+            <a:pPr xmlns:a="http://schemas.openxmlformats.org/drawingml/2006/main" algn="ctr"/>
+            <a:r xmlns:a="http://schemas.openxmlformats.org/drawingml/2006/main">
+              <a:rPr lang="en" sz="7200" b="1" dirty="0" smtClean="0">
                 <a:solidFill>
                   <a:srgbClr val="7030A0"/>
                 </a:solidFill>
@@ -3376,43 +3376,10 @@
                 <a:ea typeface="Verdana" panose="020B0604030504040204" pitchFamily="34" charset="0"/>
                 <a:cs typeface="Segoe UI" panose="020B0502040204020203" pitchFamily="34" charset="0"/>
               </a:rPr>
-              <a:t>Working</a:t>
-            </a:r>
-            <a:r>
-              <a:rPr lang="fr-FR" sz="7200" b="1" dirty="0" smtClean="0">
-                <a:solidFill>
-                  <a:srgbClr val="7030A0"/>
-                </a:solidFill>
-                <a:latin typeface="Segoe UI" panose="020B0502040204020203" pitchFamily="34" charset="0"/>
-                <a:ea typeface="Verdana" panose="020B0604030504040204" pitchFamily="34" charset="0"/>
-                <a:cs typeface="Segoe UI" panose="020B0502040204020203" pitchFamily="34" charset="0"/>
-              </a:rPr>
-              <a:t> </a:t>
-            </a:r>
-            <a:r>
-              <a:rPr lang="fr-FR" sz="7200" b="1" dirty="0" err="1" smtClean="0">
-                <a:solidFill>
-                  <a:srgbClr val="7030A0"/>
-                </a:solidFill>
-                <a:latin typeface="Segoe UI" panose="020B0502040204020203" pitchFamily="34" charset="0"/>
-                <a:ea typeface="Verdana" panose="020B0604030504040204" pitchFamily="34" charset="0"/>
-                <a:cs typeface="Segoe UI" panose="020B0502040204020203" pitchFamily="34" charset="0"/>
-              </a:rPr>
-              <a:t>with</a:t>
-            </a:r>
-            <a:r>
-              <a:rPr lang="fr-FR" sz="7200" b="1" dirty="0" smtClean="0">
-                <a:solidFill>
-                  <a:srgbClr val="7030A0"/>
-                </a:solidFill>
-                <a:latin typeface="Segoe UI" panose="020B0502040204020203" pitchFamily="34" charset="0"/>
-                <a:ea typeface="Verdana" panose="020B0604030504040204" pitchFamily="34" charset="0"/>
-                <a:cs typeface="Segoe UI" panose="020B0502040204020203" pitchFamily="34" charset="0"/>
-              </a:rPr>
-              <a:t> </a:t>
-            </a:r>
-            <a:r>
-              <a:rPr lang="fr-FR" sz="7200" b="1" dirty="0" err="1" smtClean="0">
+              <a:t>Working with </a:t>
+            </a:r>
+            <a:r xmlns:a="http://schemas.openxmlformats.org/drawingml/2006/main">
+              <a:rPr lang="en" sz="7200" b="1" dirty="0" err="1" smtClean="0">
                 <a:solidFill>
                   <a:srgbClr val="7030A0"/>
                 </a:solidFill>
@@ -3422,7 +3389,7 @@
               </a:rPr>
               <a:t>Dataflows</a:t>
             </a:r>
-            <a:endParaRPr lang="en-US" sz="7200" b="1" dirty="0">
+            <a:endParaRPr xmlns:a="http://schemas.openxmlformats.org/drawingml/2006/main" lang="en-US" sz="7200" b="1" dirty="0">
               <a:solidFill>
                 <a:srgbClr val="7030A0"/>
               </a:solidFill>
@@ -3441,7 +3408,7 @@
         </p:nvSpPr>
         <p:spPr>
           <a:xfrm>
-            <a:off x="2724877" y="2003945"/>
+            <a:off x="2642375" y="1818314"/>
             <a:ext cx="6515375" cy="2308324"/>
           </a:xfrm>
           <a:prstGeom prst="rect">
@@ -3455,9 +3422,9 @@
           </a:bodyPr>
           <a:lstStyle/>
           <a:p>
-            <a:pPr algn="ctr"/>
-            <a:r>
-              <a:rPr lang="fr-FR" sz="7200" b="1" dirty="0" err="1" smtClean="0">
+            <a:pPr xmlns:a="http://schemas.openxmlformats.org/drawingml/2006/main" algn="ctr"/>
+            <a:r xmlns:a="http://schemas.openxmlformats.org/drawingml/2006/main">
+              <a:rPr lang="en" sz="7200" b="1" dirty="0" smtClean="0">
                 <a:solidFill>
                   <a:schemeClr val="bg1"/>
                 </a:solidFill>
@@ -3465,43 +3432,10 @@
                 <a:ea typeface="Verdana" panose="020B0604030504040204" pitchFamily="34" charset="0"/>
                 <a:cs typeface="Segoe UI" panose="020B0502040204020203" pitchFamily="34" charset="0"/>
               </a:rPr>
-              <a:t>Working</a:t>
-            </a:r>
-            <a:r>
-              <a:rPr lang="fr-FR" sz="7200" b="1" dirty="0" smtClean="0">
-                <a:solidFill>
-                  <a:schemeClr val="bg1"/>
-                </a:solidFill>
-                <a:latin typeface="Segoe UI" panose="020B0502040204020203" pitchFamily="34" charset="0"/>
-                <a:ea typeface="Verdana" panose="020B0604030504040204" pitchFamily="34" charset="0"/>
-                <a:cs typeface="Segoe UI" panose="020B0502040204020203" pitchFamily="34" charset="0"/>
-              </a:rPr>
-              <a:t> </a:t>
-            </a:r>
-            <a:r>
-              <a:rPr lang="fr-FR" sz="7200" b="1" dirty="0" err="1" smtClean="0">
-                <a:solidFill>
-                  <a:schemeClr val="bg1"/>
-                </a:solidFill>
-                <a:latin typeface="Segoe UI" panose="020B0502040204020203" pitchFamily="34" charset="0"/>
-                <a:ea typeface="Verdana" panose="020B0604030504040204" pitchFamily="34" charset="0"/>
-                <a:cs typeface="Segoe UI" panose="020B0502040204020203" pitchFamily="34" charset="0"/>
-              </a:rPr>
-              <a:t>with</a:t>
-            </a:r>
-            <a:r>
-              <a:rPr lang="fr-FR" sz="7200" b="1" dirty="0" smtClean="0">
-                <a:solidFill>
-                  <a:schemeClr val="bg1"/>
-                </a:solidFill>
-                <a:latin typeface="Segoe UI" panose="020B0502040204020203" pitchFamily="34" charset="0"/>
-                <a:ea typeface="Verdana" panose="020B0604030504040204" pitchFamily="34" charset="0"/>
-                <a:cs typeface="Segoe UI" panose="020B0502040204020203" pitchFamily="34" charset="0"/>
-              </a:rPr>
-              <a:t> </a:t>
-            </a:r>
-            <a:r>
-              <a:rPr lang="fr-FR" sz="7200" b="1" dirty="0" err="1" smtClean="0">
+              <a:t>Working with </a:t>
+            </a:r>
+            <a:r xmlns:a="http://schemas.openxmlformats.org/drawingml/2006/main">
+              <a:rPr lang="en" sz="7200" b="1" dirty="0" err="1" smtClean="0">
                 <a:solidFill>
                   <a:schemeClr val="bg1"/>
                 </a:solidFill>
@@ -3511,7 +3445,7 @@
               </a:rPr>
               <a:t>Dataflows</a:t>
             </a:r>
-            <a:endParaRPr lang="en-US" sz="7200" b="1" dirty="0">
+            <a:endParaRPr xmlns:a="http://schemas.openxmlformats.org/drawingml/2006/main" lang="en-US" sz="7200" b="1" dirty="0">
               <a:solidFill>
                 <a:schemeClr val="bg1"/>
               </a:solidFill>
@@ -3561,7 +3495,7 @@
         <p:spPr>
           <a:xfrm>
             <a:off x="295632" y="275007"/>
-            <a:ext cx="3508333" cy="461665"/>
+            <a:ext cx="4250972" cy="461665"/>
           </a:xfrm>
           <a:prstGeom prst="rect">
             <a:avLst/>
@@ -3574,109 +3508,30 @@
           </a:bodyPr>
           <a:lstStyle/>
           <a:p>
-            <a:r>
-              <a:rPr lang="en-US" sz="2400" dirty="0" smtClean="0">
+            <a:r xmlns:a="http://schemas.openxmlformats.org/drawingml/2006/main">
+              <a:rPr lang="en" sz="2400" b="1" dirty="0" err="1" smtClean="0">
                 <a:latin typeface="Segoe UI" panose="020B0502040204020203" pitchFamily="34" charset="0"/>
                 <a:cs typeface="Segoe UI" panose="020B0502040204020203" pitchFamily="34" charset="0"/>
               </a:rPr>
-              <a:t>Working with Data flows</a:t>
-            </a:r>
-            <a:endParaRPr lang="en-US" sz="2400" dirty="0">
+              <a:t>Working </a:t>
+            </a:r>
+            <a:r xmlns:a="http://schemas.openxmlformats.org/drawingml/2006/main">
+              <a:rPr lang="en" sz="2400" b="1" dirty="0" smtClean="0">
+                <a:latin typeface="Segoe UI" panose="020B0502040204020203" pitchFamily="34" charset="0"/>
+                <a:cs typeface="Segoe UI" panose="020B0502040204020203" pitchFamily="34" charset="0"/>
+              </a:rPr>
+              <a:t>with </a:t>
+            </a:r>
+            <a:r xmlns:a="http://schemas.openxmlformats.org/drawingml/2006/main">
+              <a:rPr lang="en" sz="2400" b="1" dirty="0" err="1" smtClean="0">
+                <a:latin typeface="Segoe UI" panose="020B0502040204020203" pitchFamily="34" charset="0"/>
+                <a:cs typeface="Segoe UI" panose="020B0502040204020203" pitchFamily="34" charset="0"/>
+              </a:rPr>
+              <a:t>Dataflows</a:t>
+            </a:r>
+            <a:endParaRPr xmlns:a="http://schemas.openxmlformats.org/drawingml/2006/main" lang="en-US" sz="2400" b="1" dirty="0">
               <a:latin typeface="Segoe UI" panose="020B0502040204020203" pitchFamily="34" charset="0"/>
               <a:cs typeface="Segoe UI" panose="020B0502040204020203" pitchFamily="34" charset="0"/>
-            </a:endParaRPr>
-          </a:p>
-        </p:txBody>
-      </p:sp>
-      <p:sp>
-        <p:nvSpPr>
-          <p:cNvPr id="8" name="Rectangle 7"/>
-          <p:cNvSpPr/>
-          <p:nvPr/>
-        </p:nvSpPr>
-        <p:spPr>
-          <a:xfrm>
-            <a:off x="352926" y="937609"/>
-            <a:ext cx="11706154" cy="373692"/>
-          </a:xfrm>
-          <a:prstGeom prst="rect">
-            <a:avLst/>
-          </a:prstGeom>
-        </p:spPr>
-        <p:txBody>
-          <a:bodyPr wrap="square">
-            <a:spAutoFit/>
-          </a:bodyPr>
-          <a:lstStyle/>
-          <a:p>
-            <a:pPr lvl="0">
-              <a:lnSpc>
-                <a:spcPct val="107000"/>
-              </a:lnSpc>
-              <a:spcAft>
-                <a:spcPts val="800"/>
-              </a:spcAft>
-            </a:pPr>
-            <a:r>
-              <a:rPr lang="fr-FR" dirty="0" smtClean="0">
-                <a:latin typeface="Segoe UI" panose="020B0502040204020203" pitchFamily="34" charset="0"/>
-                <a:ea typeface="Calibri" panose="020F0502020204030204" pitchFamily="34" charset="0"/>
-                <a:cs typeface="Times New Roman" panose="02020603050405020304" pitchFamily="18" charset="0"/>
-              </a:rPr>
-              <a:t>Select </a:t>
-            </a:r>
-            <a:r>
-              <a:rPr lang="fr-FR" b="1" dirty="0" err="1">
-                <a:latin typeface="Segoe UI" panose="020B0502040204020203" pitchFamily="34" charset="0"/>
-                <a:ea typeface="Calibri" panose="020F0502020204030204" pitchFamily="34" charset="0"/>
-                <a:cs typeface="Times New Roman" panose="02020603050405020304" pitchFamily="18" charset="0"/>
-              </a:rPr>
-              <a:t>G</a:t>
-            </a:r>
-            <a:r>
-              <a:rPr lang="fr-FR" b="1" dirty="0" err="1" smtClean="0">
-                <a:latin typeface="Segoe UI" panose="020B0502040204020203" pitchFamily="34" charset="0"/>
-                <a:ea typeface="Calibri" panose="020F0502020204030204" pitchFamily="34" charset="0"/>
-                <a:cs typeface="Times New Roman" panose="02020603050405020304" pitchFamily="18" charset="0"/>
-              </a:rPr>
-              <a:t>et</a:t>
-            </a:r>
-            <a:r>
-              <a:rPr lang="fr-FR" b="1" dirty="0" smtClean="0">
-                <a:latin typeface="Segoe UI" panose="020B0502040204020203" pitchFamily="34" charset="0"/>
-                <a:ea typeface="Calibri" panose="020F0502020204030204" pitchFamily="34" charset="0"/>
-                <a:cs typeface="Times New Roman" panose="02020603050405020304" pitchFamily="18" charset="0"/>
-              </a:rPr>
-              <a:t> data </a:t>
-            </a:r>
-            <a:r>
-              <a:rPr lang="fr-FR" dirty="0" err="1" smtClean="0">
-                <a:latin typeface="Segoe UI" panose="020B0502040204020203" pitchFamily="34" charset="0"/>
-                <a:ea typeface="Calibri" panose="020F0502020204030204" pitchFamily="34" charset="0"/>
-                <a:cs typeface="Times New Roman" panose="02020603050405020304" pitchFamily="18" charset="0"/>
-              </a:rPr>
-              <a:t>then</a:t>
-            </a:r>
-            <a:r>
-              <a:rPr lang="fr-FR" dirty="0" smtClean="0">
-                <a:latin typeface="Segoe UI" panose="020B0502040204020203" pitchFamily="34" charset="0"/>
-                <a:ea typeface="Calibri" panose="020F0502020204030204" pitchFamily="34" charset="0"/>
-                <a:cs typeface="Times New Roman" panose="02020603050405020304" pitchFamily="18" charset="0"/>
-              </a:rPr>
-              <a:t> </a:t>
-            </a:r>
-            <a:r>
-              <a:rPr lang="fr-FR" b="1" dirty="0" smtClean="0">
-                <a:latin typeface="Segoe UI" panose="020B0502040204020203" pitchFamily="34" charset="0"/>
-                <a:ea typeface="Calibri" panose="020F0502020204030204" pitchFamily="34" charset="0"/>
-                <a:cs typeface="Times New Roman" panose="02020603050405020304" pitchFamily="18" charset="0"/>
-              </a:rPr>
-              <a:t>Web page </a:t>
-            </a:r>
-            <a:endParaRPr lang="en-US" b="1" dirty="0">
-              <a:latin typeface="Calibri" panose="020F0502020204030204" pitchFamily="34" charset="0"/>
-              <a:ea typeface="Calibri" panose="020F0502020204030204" pitchFamily="34" charset="0"/>
-              <a:cs typeface="Times New Roman" panose="02020603050405020304" pitchFamily="18" charset="0"/>
             </a:endParaRPr>
           </a:p>
         </p:txBody>
@@ -3808,6 +3663,55 @@
           <a:p>
             <a:pPr algn="ctr"/>
             <a:endParaRPr lang="en-US"/>
+          </a:p>
+        </p:txBody>
+      </p:sp>
+      <p:sp>
+        <p:nvSpPr>
+          <p:cNvPr id="5" name="Rectangle 4"/>
+          <p:cNvSpPr/>
+          <p:nvPr/>
+        </p:nvSpPr>
+        <p:spPr>
+          <a:xfrm>
+            <a:off x="319549" y="800652"/>
+            <a:ext cx="4227055" cy="400110"/>
+          </a:xfrm>
+          <a:prstGeom prst="rect">
+            <a:avLst/>
+          </a:prstGeom>
+        </p:spPr>
+        <p:txBody>
+          <a:bodyPr wrap="none">
+            <a:spAutoFit/>
+          </a:bodyPr>
+          <a:lstStyle/>
+          <a:p>
+            <a:r xmlns:a="http://schemas.openxmlformats.org/drawingml/2006/main">
+              <a:rPr lang="en" sz="2000" dirty="0"/>
+              <a:t>Select </a:t>
+            </a:r>
+            <a:r xmlns:a="http://schemas.openxmlformats.org/drawingml/2006/main">
+              <a:rPr lang="en" sz="2000" b="1" dirty="0" err="1"/>
+              <a:t>Get </a:t>
+            </a:r>
+            <a:r xmlns:a="http://schemas.openxmlformats.org/drawingml/2006/main">
+              <a:rPr lang="en" sz="2000" b="1" dirty="0"/>
+              <a:t>Data </a:t>
+            </a:r>
+            <a:r xmlns:a="http://schemas.openxmlformats.org/drawingml/2006/main">
+              <a:rPr lang="en" sz="2000" dirty="0"/>
+              <a:t>, then </a:t>
+            </a:r>
+            <a:r xmlns:a="http://schemas.openxmlformats.org/drawingml/2006/main">
+              <a:rPr lang="en" sz="2000" b="1" dirty="0"/>
+              <a:t>Web Page </a:t>
+            </a:r>
+            <a:r xmlns:a="http://schemas.openxmlformats.org/drawingml/2006/main">
+              <a:rPr lang="en" sz="2000" dirty="0"/>
+              <a:t>.</a:t>
+            </a:r>
+            <a:endParaRPr xmlns:a="http://schemas.openxmlformats.org/drawingml/2006/main" lang="en-US" sz="2000" dirty="0"/>
           </a:p>
         </p:txBody>
       </p:sp>
@@ -3850,7 +3754,7 @@
         <p:spPr>
           <a:xfrm>
             <a:off x="295632" y="275007"/>
-            <a:ext cx="3508333" cy="461665"/>
+            <a:ext cx="4250972" cy="461665"/>
           </a:xfrm>
           <a:prstGeom prst="rect">
             <a:avLst/>
@@ -3863,85 +3767,30 @@
           </a:bodyPr>
           <a:lstStyle/>
           <a:p>
-            <a:r>
-              <a:rPr lang="en-US" sz="2400" dirty="0" smtClean="0">
+            <a:r xmlns:a="http://schemas.openxmlformats.org/drawingml/2006/main">
+              <a:rPr lang="en" sz="2400" b="1" dirty="0" err="1" smtClean="0">
                 <a:latin typeface="Segoe UI" panose="020B0502040204020203" pitchFamily="34" charset="0"/>
                 <a:cs typeface="Segoe UI" panose="020B0502040204020203" pitchFamily="34" charset="0"/>
               </a:rPr>
-              <a:t>Working with Data flows</a:t>
-            </a:r>
-            <a:endParaRPr lang="en-US" sz="2400" dirty="0">
+              <a:t>Working </a:t>
+            </a:r>
+            <a:r xmlns:a="http://schemas.openxmlformats.org/drawingml/2006/main">
+              <a:rPr lang="en" sz="2400" b="1" dirty="0" smtClean="0">
+                <a:latin typeface="Segoe UI" panose="020B0502040204020203" pitchFamily="34" charset="0"/>
+                <a:cs typeface="Segoe UI" panose="020B0502040204020203" pitchFamily="34" charset="0"/>
+              </a:rPr>
+              <a:t>with </a:t>
+            </a:r>
+            <a:r xmlns:a="http://schemas.openxmlformats.org/drawingml/2006/main">
+              <a:rPr lang="en" sz="2400" b="1" dirty="0" err="1" smtClean="0">
+                <a:latin typeface="Segoe UI" panose="020B0502040204020203" pitchFamily="34" charset="0"/>
+                <a:cs typeface="Segoe UI" panose="020B0502040204020203" pitchFamily="34" charset="0"/>
+              </a:rPr>
+              <a:t>Dataflows</a:t>
+            </a:r>
+            <a:endParaRPr xmlns:a="http://schemas.openxmlformats.org/drawingml/2006/main" lang="en-US" sz="2400" b="1" dirty="0">
               <a:latin typeface="Segoe UI" panose="020B0502040204020203" pitchFamily="34" charset="0"/>
               <a:cs typeface="Segoe UI" panose="020B0502040204020203" pitchFamily="34" charset="0"/>
-            </a:endParaRPr>
-          </a:p>
-        </p:txBody>
-      </p:sp>
-      <p:sp>
-        <p:nvSpPr>
-          <p:cNvPr id="8" name="Rectangle 7"/>
-          <p:cNvSpPr/>
-          <p:nvPr/>
-        </p:nvSpPr>
-        <p:spPr>
-          <a:xfrm>
-            <a:off x="352926" y="937609"/>
-            <a:ext cx="4060324" cy="388696"/>
-          </a:xfrm>
-          <a:prstGeom prst="rect">
-            <a:avLst/>
-          </a:prstGeom>
-        </p:spPr>
-        <p:txBody>
-          <a:bodyPr wrap="square">
-            <a:spAutoFit/>
-          </a:bodyPr>
-          <a:lstStyle/>
-          <a:p>
-            <a:pPr lvl="0">
-              <a:lnSpc>
-                <a:spcPct val="107000"/>
-              </a:lnSpc>
-              <a:spcAft>
-                <a:spcPts val="800"/>
-              </a:spcAft>
-            </a:pPr>
-            <a:r>
-              <a:rPr lang="fr-FR" dirty="0" err="1" smtClean="0">
-                <a:latin typeface="Segoe UI" panose="020B0502040204020203" pitchFamily="34" charset="0"/>
-                <a:ea typeface="Calibri" panose="020F0502020204030204" pitchFamily="34" charset="0"/>
-                <a:cs typeface="Times New Roman" panose="02020603050405020304" pitchFamily="18" charset="0"/>
-              </a:rPr>
-              <a:t>Then</a:t>
-            </a:r>
-            <a:r>
-              <a:rPr lang="fr-FR" dirty="0" smtClean="0">
-                <a:latin typeface="Segoe UI" panose="020B0502040204020203" pitchFamily="34" charset="0"/>
-                <a:ea typeface="Calibri" panose="020F0502020204030204" pitchFamily="34" charset="0"/>
-                <a:cs typeface="Times New Roman" panose="02020603050405020304" pitchFamily="18" charset="0"/>
-              </a:rPr>
-              <a:t> configure the data source to </a:t>
-            </a:r>
-            <a:r>
-              <a:rPr lang="fr-FR" dirty="0" err="1" smtClean="0">
-                <a:latin typeface="Segoe UI" panose="020B0502040204020203" pitchFamily="34" charset="0"/>
-                <a:ea typeface="Calibri" panose="020F0502020204030204" pitchFamily="34" charset="0"/>
-                <a:cs typeface="Times New Roman" panose="02020603050405020304" pitchFamily="18" charset="0"/>
-              </a:rPr>
-              <a:t>be</a:t>
-            </a:r>
-            <a:r>
-              <a:rPr lang="fr-FR" dirty="0" smtClean="0">
-                <a:latin typeface="Segoe UI" panose="020B0502040204020203" pitchFamily="34" charset="0"/>
-                <a:ea typeface="Calibri" panose="020F0502020204030204" pitchFamily="34" charset="0"/>
-                <a:cs typeface="Times New Roman" panose="02020603050405020304" pitchFamily="18" charset="0"/>
-              </a:rPr>
-              <a:t> </a:t>
-            </a:r>
-            <a:endParaRPr lang="en-US" b="1" dirty="0">
-              <a:latin typeface="Calibri" panose="020F0502020204030204" pitchFamily="34" charset="0"/>
-              <a:ea typeface="Calibri" panose="020F0502020204030204" pitchFamily="34" charset="0"/>
-              <a:cs typeface="Times New Roman" panose="02020603050405020304" pitchFamily="18" charset="0"/>
             </a:endParaRPr>
           </a:p>
         </p:txBody>
@@ -3988,7 +3837,7 @@
         </p:nvSpPr>
         <p:spPr>
           <a:xfrm>
-            <a:off x="4230006" y="937609"/>
+            <a:off x="4649393" y="906831"/>
             <a:ext cx="5553508" cy="369332"/>
           </a:xfrm>
           <a:prstGeom prst="rect">
@@ -4001,8 +3850,8 @@
           </a:bodyPr>
           <a:lstStyle/>
           <a:p>
-            <a:r>
-              <a:rPr lang="en-US" b="1" u="sng" dirty="0">
+            <a:r xmlns:a="http://schemas.openxmlformats.org/drawingml/2006/main" xmlns:r="http://schemas.openxmlformats.org/officeDocument/2006/relationships">
+              <a:rPr lang="en" b="1" u="sng" dirty="0">
                 <a:solidFill>
                   <a:srgbClr val="0563C1"/>
                 </a:solidFill>
@@ -4012,14 +3861,43 @@
               </a:rPr>
               <a:t>https://www.w3schools.com/xml/cd_catalog.xml</a:t>
             </a:r>
-            <a:r>
-              <a:rPr lang="fr-FR" b="1" dirty="0">
+            <a:r xmlns:a="http://schemas.openxmlformats.org/drawingml/2006/main">
+              <a:rPr lang="en" b="1" dirty="0">
                 <a:latin typeface="Segoe UI" panose="020B0502040204020203" pitchFamily="34" charset="0"/>
                 <a:ea typeface="Calibri" panose="020F0502020204030204" pitchFamily="34" charset="0"/>
               </a:rPr>
               <a:t> </a:t>
             </a:r>
-            <a:endParaRPr lang="en-US" dirty="0"/>
+            <a:endParaRPr xmlns:a="http://schemas.openxmlformats.org/drawingml/2006/main" lang="en-US" dirty="0"/>
+          </a:p>
+        </p:txBody>
+      </p:sp>
+      <p:sp>
+        <p:nvSpPr>
+          <p:cNvPr id="3" name="Rectangle 2"/>
+          <p:cNvSpPr/>
+          <p:nvPr/>
+        </p:nvSpPr>
+        <p:spPr>
+          <a:xfrm>
+            <a:off x="348029" y="906831"/>
+            <a:ext cx="4388253" cy="400110"/>
+          </a:xfrm>
+          <a:prstGeom prst="rect">
+            <a:avLst/>
+          </a:prstGeom>
+        </p:spPr>
+        <p:txBody>
+          <a:bodyPr wrap="none">
+            <a:spAutoFit/>
+          </a:bodyPr>
+          <a:lstStyle/>
+          <a:p>
+            <a:r xmlns:a="http://schemas.openxmlformats.org/drawingml/2006/main">
+              <a:rPr lang="en" sz="2000" dirty="0"/>
+              <a:t>Then configure the data source</a:t>
+            </a:r>
+            <a:endParaRPr xmlns:a="http://schemas.openxmlformats.org/drawingml/2006/main" lang="en-US" sz="2000" dirty="0"/>
           </a:p>
         </p:txBody>
       </p:sp>
@@ -4062,7 +3940,7 @@
         <p:spPr>
           <a:xfrm>
             <a:off x="295632" y="275007"/>
-            <a:ext cx="3508333" cy="461665"/>
+            <a:ext cx="4250972" cy="461665"/>
           </a:xfrm>
           <a:prstGeom prst="rect">
             <a:avLst/>
@@ -4075,85 +3953,30 @@
           </a:bodyPr>
           <a:lstStyle/>
           <a:p>
-            <a:r>
-              <a:rPr lang="en-US" sz="2400" dirty="0" smtClean="0">
+            <a:r xmlns:a="http://schemas.openxmlformats.org/drawingml/2006/main">
+              <a:rPr lang="en" sz="2400" b="1" dirty="0" err="1" smtClean="0">
                 <a:latin typeface="Segoe UI" panose="020B0502040204020203" pitchFamily="34" charset="0"/>
                 <a:cs typeface="Segoe UI" panose="020B0502040204020203" pitchFamily="34" charset="0"/>
               </a:rPr>
-              <a:t>Working with Data flows</a:t>
-            </a:r>
-            <a:endParaRPr lang="en-US" sz="2400" dirty="0">
+              <a:t>Working </a:t>
+            </a:r>
+            <a:r xmlns:a="http://schemas.openxmlformats.org/drawingml/2006/main">
+              <a:rPr lang="en" sz="2400" b="1" dirty="0" smtClean="0">
+                <a:latin typeface="Segoe UI" panose="020B0502040204020203" pitchFamily="34" charset="0"/>
+                <a:cs typeface="Segoe UI" panose="020B0502040204020203" pitchFamily="34" charset="0"/>
+              </a:rPr>
+              <a:t>with </a:t>
+            </a:r>
+            <a:r xmlns:a="http://schemas.openxmlformats.org/drawingml/2006/main">
+              <a:rPr lang="en" sz="2400" b="1" dirty="0" err="1" smtClean="0">
+                <a:latin typeface="Segoe UI" panose="020B0502040204020203" pitchFamily="34" charset="0"/>
+                <a:cs typeface="Segoe UI" panose="020B0502040204020203" pitchFamily="34" charset="0"/>
+              </a:rPr>
+              <a:t>Dataflows</a:t>
+            </a:r>
+            <a:endParaRPr xmlns:a="http://schemas.openxmlformats.org/drawingml/2006/main" lang="en-US" sz="2400" b="1" dirty="0">
               <a:latin typeface="Segoe UI" panose="020B0502040204020203" pitchFamily="34" charset="0"/>
               <a:cs typeface="Segoe UI" panose="020B0502040204020203" pitchFamily="34" charset="0"/>
-            </a:endParaRPr>
-          </a:p>
-        </p:txBody>
-      </p:sp>
-      <p:sp>
-        <p:nvSpPr>
-          <p:cNvPr id="8" name="Rectangle 7"/>
-          <p:cNvSpPr/>
-          <p:nvPr/>
-        </p:nvSpPr>
-        <p:spPr>
-          <a:xfrm>
-            <a:off x="352926" y="736672"/>
-            <a:ext cx="7349624" cy="388696"/>
-          </a:xfrm>
-          <a:prstGeom prst="rect">
-            <a:avLst/>
-          </a:prstGeom>
-        </p:spPr>
-        <p:txBody>
-          <a:bodyPr wrap="square">
-            <a:spAutoFit/>
-          </a:bodyPr>
-          <a:lstStyle/>
-          <a:p>
-            <a:pPr lvl="0">
-              <a:lnSpc>
-                <a:spcPct val="107000"/>
-              </a:lnSpc>
-              <a:spcAft>
-                <a:spcPts val="800"/>
-              </a:spcAft>
-            </a:pPr>
-            <a:r>
-              <a:rPr lang="en-US" dirty="0" smtClean="0">
-                <a:latin typeface="Calibri" panose="020F0502020204030204" pitchFamily="34" charset="0"/>
-                <a:ea typeface="Calibri" panose="020F0502020204030204" pitchFamily="34" charset="0"/>
-                <a:cs typeface="Times New Roman" panose="02020603050405020304" pitchFamily="18" charset="0"/>
-              </a:rPr>
-              <a:t>Select </a:t>
-            </a:r>
-            <a:r>
-              <a:rPr lang="en-US" dirty="0">
-                <a:latin typeface="Calibri" panose="020F0502020204030204" pitchFamily="34" charset="0"/>
-                <a:ea typeface="Calibri" panose="020F0502020204030204" pitchFamily="34" charset="0"/>
-                <a:cs typeface="Times New Roman" panose="02020603050405020304" pitchFamily="18" charset="0"/>
-              </a:rPr>
-              <a:t>T</a:t>
-            </a:r>
-            <a:r>
-              <a:rPr lang="en-US" dirty="0" smtClean="0">
-                <a:latin typeface="Calibri" panose="020F0502020204030204" pitchFamily="34" charset="0"/>
-                <a:ea typeface="Calibri" panose="020F0502020204030204" pitchFamily="34" charset="0"/>
-                <a:cs typeface="Times New Roman" panose="02020603050405020304" pitchFamily="18" charset="0"/>
-              </a:rPr>
-              <a:t>able 01,it will be our data source and click </a:t>
-            </a:r>
-            <a:r>
-              <a:rPr lang="en-US" b="1" dirty="0" smtClean="0">
-                <a:latin typeface="Calibri" panose="020F0502020204030204" pitchFamily="34" charset="0"/>
-                <a:ea typeface="Calibri" panose="020F0502020204030204" pitchFamily="34" charset="0"/>
-                <a:cs typeface="Times New Roman" panose="02020603050405020304" pitchFamily="18" charset="0"/>
-              </a:rPr>
-              <a:t>Create</a:t>
-            </a:r>
-            <a:endParaRPr lang="en-US" b="1" dirty="0">
-              <a:latin typeface="Calibri" panose="020F0502020204030204" pitchFamily="34" charset="0"/>
-              <a:ea typeface="Calibri" panose="020F0502020204030204" pitchFamily="34" charset="0"/>
-              <a:cs typeface="Times New Roman" panose="02020603050405020304" pitchFamily="18" charset="0"/>
             </a:endParaRPr>
           </a:p>
         </p:txBody>
@@ -4192,75 +4015,6 @@
           </a:effectLst>
         </p:spPr>
       </p:pic>
-      <p:sp>
-        <p:nvSpPr>
-          <p:cNvPr id="7" name="Rectangle 6"/>
-          <p:cNvSpPr/>
-          <p:nvPr/>
-        </p:nvSpPr>
-        <p:spPr>
-          <a:xfrm>
-            <a:off x="352926" y="1125368"/>
-            <a:ext cx="7349624" cy="388696"/>
-          </a:xfrm>
-          <a:prstGeom prst="rect">
-            <a:avLst/>
-          </a:prstGeom>
-        </p:spPr>
-        <p:txBody>
-          <a:bodyPr wrap="square">
-            <a:spAutoFit/>
-          </a:bodyPr>
-          <a:lstStyle/>
-          <a:p>
-            <a:pPr lvl="0">
-              <a:lnSpc>
-                <a:spcPct val="107000"/>
-              </a:lnSpc>
-              <a:spcAft>
-                <a:spcPts val="800"/>
-              </a:spcAft>
-            </a:pPr>
-            <a:r>
-              <a:rPr lang="en-US" dirty="0" smtClean="0">
-                <a:latin typeface="Calibri" panose="020F0502020204030204" pitchFamily="34" charset="0"/>
-                <a:ea typeface="Calibri" panose="020F0502020204030204" pitchFamily="34" charset="0"/>
-                <a:cs typeface="Times New Roman" panose="02020603050405020304" pitchFamily="18" charset="0"/>
-              </a:rPr>
-              <a:t>Change the column headers to more </a:t>
-            </a:r>
-            <a:r>
-              <a:rPr lang="en-US" dirty="0" err="1" smtClean="0">
-                <a:latin typeface="Calibri" panose="020F0502020204030204" pitchFamily="34" charset="0"/>
-                <a:ea typeface="Calibri" panose="020F0502020204030204" pitchFamily="34" charset="0"/>
-                <a:cs typeface="Times New Roman" panose="02020603050405020304" pitchFamily="18" charset="0"/>
-              </a:rPr>
-              <a:t>significants</a:t>
-            </a:r>
-            <a:r>
-              <a:rPr lang="en-US" dirty="0" smtClean="0">
-                <a:latin typeface="Calibri" panose="020F0502020204030204" pitchFamily="34" charset="0"/>
-                <a:ea typeface="Calibri" panose="020F0502020204030204" pitchFamily="34" charset="0"/>
-                <a:cs typeface="Times New Roman" panose="02020603050405020304" pitchFamily="18" charset="0"/>
-              </a:rPr>
-              <a:t> names the click </a:t>
-            </a:r>
-            <a:r>
-              <a:rPr lang="en-US" b="1" dirty="0" smtClean="0">
-                <a:latin typeface="Calibri" panose="020F0502020204030204" pitchFamily="34" charset="0"/>
-                <a:ea typeface="Calibri" panose="020F0502020204030204" pitchFamily="34" charset="0"/>
-                <a:cs typeface="Times New Roman" panose="02020603050405020304" pitchFamily="18" charset="0"/>
-              </a:rPr>
-              <a:t>Publish</a:t>
-            </a:r>
-            <a:endParaRPr lang="en-US" b="1" dirty="0">
-              <a:latin typeface="Calibri" panose="020F0502020204030204" pitchFamily="34" charset="0"/>
-              <a:ea typeface="Calibri" panose="020F0502020204030204" pitchFamily="34" charset="0"/>
-              <a:cs typeface="Times New Roman" panose="02020603050405020304" pitchFamily="18" charset="0"/>
-            </a:endParaRPr>
-          </a:p>
-        </p:txBody>
-      </p:sp>
       <p:pic>
         <p:nvPicPr>
           <p:cNvPr id="4" name="Picture 3"/>
@@ -4295,6 +4049,88 @@
           </a:effectLst>
         </p:spPr>
       </p:pic>
+      <p:sp>
+        <p:nvSpPr>
+          <p:cNvPr id="5" name="Rectangle 4"/>
+          <p:cNvSpPr/>
+          <p:nvPr/>
+        </p:nvSpPr>
+        <p:spPr>
+          <a:xfrm>
+            <a:off x="352925" y="756036"/>
+            <a:ext cx="9457967" cy="400110"/>
+          </a:xfrm>
+          <a:prstGeom prst="rect">
+            <a:avLst/>
+          </a:prstGeom>
+        </p:spPr>
+        <p:txBody>
+          <a:bodyPr wrap="square">
+            <a:spAutoFit/>
+          </a:bodyPr>
+          <a:lstStyle/>
+          <a:p>
+            <a:r xmlns:a="http://schemas.openxmlformats.org/drawingml/2006/main">
+              <a:rPr lang="en" sz="2000" dirty="0"/>
+              <a:t>Select </a:t>
+            </a:r>
+            <a:r xmlns:a="http://schemas.openxmlformats.org/drawingml/2006/main">
+              <a:rPr lang="en" sz="2000" b="1" dirty="0"/>
+              <a:t>Table 01 </a:t>
+            </a:r>
+            <a:r xmlns:a="http://schemas.openxmlformats.org/drawingml/2006/main">
+              <a:rPr lang="en" sz="2000" dirty="0"/>
+              <a:t>, this will be our data source, then click </a:t>
+            </a:r>
+            <a:r xmlns:a="http://schemas.openxmlformats.org/drawingml/2006/main">
+              <a:rPr lang="en" sz="2000" b="1" dirty="0" err="1"/>
+              <a:t>Create </a:t>
+            </a:r>
+            <a:r xmlns:a="http://schemas.openxmlformats.org/drawingml/2006/main">
+              <a:rPr lang="en" sz="2000" dirty="0"/>
+              <a:t>.</a:t>
+            </a:r>
+            <a:endParaRPr xmlns:a="http://schemas.openxmlformats.org/drawingml/2006/main" lang="en-US" sz="2000" dirty="0"/>
+          </a:p>
+        </p:txBody>
+      </p:sp>
+      <p:sp>
+        <p:nvSpPr>
+          <p:cNvPr id="6" name="Rectangle 5"/>
+          <p:cNvSpPr/>
+          <p:nvPr/>
+        </p:nvSpPr>
+        <p:spPr>
+          <a:xfrm>
+            <a:off x="352925" y="1199835"/>
+            <a:ext cx="11025511" cy="400110"/>
+          </a:xfrm>
+          <a:prstGeom prst="rect">
+            <a:avLst/>
+          </a:prstGeom>
+        </p:spPr>
+        <p:txBody>
+          <a:bodyPr wrap="square">
+            <a:spAutoFit/>
+          </a:bodyPr>
+          <a:lstStyle/>
+          <a:p>
+            <a:r xmlns:a="http://schemas.openxmlformats.org/drawingml/2006/main">
+              <a:rPr lang="en" sz="2000" dirty="0"/>
+              <a:t>Edit the column headers to give them more meaningful names, then click </a:t>
+            </a:r>
+            <a:r xmlns:a="http://schemas.openxmlformats.org/drawingml/2006/main">
+              <a:rPr lang="en" sz="2000" b="1" dirty="0" err="1"/>
+              <a:t>Publish </a:t>
+            </a:r>
+            <a:r xmlns:a="http://schemas.openxmlformats.org/drawingml/2006/main">
+              <a:rPr lang="en" sz="2000" dirty="0"/>
+              <a:t>.</a:t>
+            </a:r>
+            <a:endParaRPr xmlns:a="http://schemas.openxmlformats.org/drawingml/2006/main" lang="en-US" sz="2000" dirty="0"/>
+          </a:p>
+        </p:txBody>
+      </p:sp>
     </p:spTree>
     <p:extLst>
       <p:ext uri="{BB962C8B-B14F-4D97-AF65-F5344CB8AC3E}">
@@ -4334,7 +4170,7 @@
         <p:spPr>
           <a:xfrm>
             <a:off x="295632" y="275007"/>
-            <a:ext cx="3508333" cy="461665"/>
+            <a:ext cx="4250972" cy="461665"/>
           </a:xfrm>
           <a:prstGeom prst="rect">
             <a:avLst/>
@@ -4347,146 +4183,30 @@
           </a:bodyPr>
           <a:lstStyle/>
           <a:p>
-            <a:r>
-              <a:rPr lang="en-US" sz="2400" dirty="0" smtClean="0">
+            <a:r xmlns:a="http://schemas.openxmlformats.org/drawingml/2006/main">
+              <a:rPr lang="en" sz="2400" b="1" dirty="0" err="1" smtClean="0">
                 <a:latin typeface="Segoe UI" panose="020B0502040204020203" pitchFamily="34" charset="0"/>
                 <a:cs typeface="Segoe UI" panose="020B0502040204020203" pitchFamily="34" charset="0"/>
               </a:rPr>
-              <a:t>Working with Data flows</a:t>
-            </a:r>
-            <a:endParaRPr lang="en-US" sz="2400" dirty="0">
+              <a:t>Working </a:t>
+            </a:r>
+            <a:r xmlns:a="http://schemas.openxmlformats.org/drawingml/2006/main">
+              <a:rPr lang="en" sz="2400" b="1" dirty="0" smtClean="0">
+                <a:latin typeface="Segoe UI" panose="020B0502040204020203" pitchFamily="34" charset="0"/>
+                <a:cs typeface="Segoe UI" panose="020B0502040204020203" pitchFamily="34" charset="0"/>
+              </a:rPr>
+              <a:t>with </a:t>
+            </a:r>
+            <a:r xmlns:a="http://schemas.openxmlformats.org/drawingml/2006/main">
+              <a:rPr lang="en" sz="2400" b="1" dirty="0" err="1" smtClean="0">
+                <a:latin typeface="Segoe UI" panose="020B0502040204020203" pitchFamily="34" charset="0"/>
+                <a:cs typeface="Segoe UI" panose="020B0502040204020203" pitchFamily="34" charset="0"/>
+              </a:rPr>
+              <a:t>Dataflows</a:t>
+            </a:r>
+            <a:endParaRPr xmlns:a="http://schemas.openxmlformats.org/drawingml/2006/main" lang="en-US" sz="2400" b="1" dirty="0">
               <a:latin typeface="Segoe UI" panose="020B0502040204020203" pitchFamily="34" charset="0"/>
               <a:cs typeface="Segoe UI" panose="020B0502040204020203" pitchFamily="34" charset="0"/>
-            </a:endParaRPr>
-          </a:p>
-        </p:txBody>
-      </p:sp>
-      <p:sp>
-        <p:nvSpPr>
-          <p:cNvPr id="8" name="Rectangle 7"/>
-          <p:cNvSpPr/>
-          <p:nvPr/>
-        </p:nvSpPr>
-        <p:spPr>
-          <a:xfrm>
-            <a:off x="352926" y="736672"/>
-            <a:ext cx="7349624" cy="388696"/>
-          </a:xfrm>
-          <a:prstGeom prst="rect">
-            <a:avLst/>
-          </a:prstGeom>
-        </p:spPr>
-        <p:txBody>
-          <a:bodyPr wrap="square">
-            <a:spAutoFit/>
-          </a:bodyPr>
-          <a:lstStyle/>
-          <a:p>
-            <a:pPr lvl="0">
-              <a:lnSpc>
-                <a:spcPct val="107000"/>
-              </a:lnSpc>
-              <a:spcAft>
-                <a:spcPts val="800"/>
-              </a:spcAft>
-            </a:pPr>
-            <a:r>
-              <a:rPr lang="en-US" dirty="0" smtClean="0">
-                <a:latin typeface="Calibri" panose="020F0502020204030204" pitchFamily="34" charset="0"/>
-                <a:ea typeface="Calibri" panose="020F0502020204030204" pitchFamily="34" charset="0"/>
-                <a:cs typeface="Times New Roman" panose="02020603050405020304" pitchFamily="18" charset="0"/>
-              </a:rPr>
-              <a:t>Select </a:t>
-            </a:r>
-            <a:r>
-              <a:rPr lang="en-US" dirty="0">
-                <a:latin typeface="Calibri" panose="020F0502020204030204" pitchFamily="34" charset="0"/>
-                <a:ea typeface="Calibri" panose="020F0502020204030204" pitchFamily="34" charset="0"/>
-                <a:cs typeface="Times New Roman" panose="02020603050405020304" pitchFamily="18" charset="0"/>
-              </a:rPr>
-              <a:t>T</a:t>
-            </a:r>
-            <a:r>
-              <a:rPr lang="en-US" dirty="0" smtClean="0">
-                <a:latin typeface="Calibri" panose="020F0502020204030204" pitchFamily="34" charset="0"/>
-                <a:ea typeface="Calibri" panose="020F0502020204030204" pitchFamily="34" charset="0"/>
-                <a:cs typeface="Times New Roman" panose="02020603050405020304" pitchFamily="18" charset="0"/>
-              </a:rPr>
-              <a:t>able 01,it will be our data source and click </a:t>
-            </a:r>
-            <a:r>
-              <a:rPr lang="en-US" b="1" dirty="0" smtClean="0">
-                <a:latin typeface="Calibri" panose="020F0502020204030204" pitchFamily="34" charset="0"/>
-                <a:ea typeface="Calibri" panose="020F0502020204030204" pitchFamily="34" charset="0"/>
-                <a:cs typeface="Times New Roman" panose="02020603050405020304" pitchFamily="18" charset="0"/>
-              </a:rPr>
-              <a:t>Create</a:t>
-            </a:r>
-            <a:endParaRPr lang="en-US" b="1" dirty="0">
-              <a:latin typeface="Calibri" panose="020F0502020204030204" pitchFamily="34" charset="0"/>
-              <a:ea typeface="Calibri" panose="020F0502020204030204" pitchFamily="34" charset="0"/>
-              <a:cs typeface="Times New Roman" panose="02020603050405020304" pitchFamily="18" charset="0"/>
-            </a:endParaRPr>
-          </a:p>
-        </p:txBody>
-      </p:sp>
-      <p:sp>
-        <p:nvSpPr>
-          <p:cNvPr id="7" name="Rectangle 6"/>
-          <p:cNvSpPr/>
-          <p:nvPr/>
-        </p:nvSpPr>
-        <p:spPr>
-          <a:xfrm>
-            <a:off x="352926" y="1125368"/>
-            <a:ext cx="11026274" cy="685059"/>
-          </a:xfrm>
-          <a:prstGeom prst="rect">
-            <a:avLst/>
-          </a:prstGeom>
-        </p:spPr>
-        <p:txBody>
-          <a:bodyPr wrap="square">
-            <a:spAutoFit/>
-          </a:bodyPr>
-          <a:lstStyle/>
-          <a:p>
-            <a:pPr lvl="0">
-              <a:lnSpc>
-                <a:spcPct val="107000"/>
-              </a:lnSpc>
-              <a:spcAft>
-                <a:spcPts val="800"/>
-              </a:spcAft>
-            </a:pPr>
-            <a:r>
-              <a:rPr lang="en-US" dirty="0" smtClean="0">
-                <a:latin typeface="Calibri" panose="020F0502020204030204" pitchFamily="34" charset="0"/>
-                <a:ea typeface="Calibri" panose="020F0502020204030204" pitchFamily="34" charset="0"/>
-                <a:cs typeface="Times New Roman" panose="02020603050405020304" pitchFamily="18" charset="0"/>
-              </a:rPr>
-              <a:t>Change the column headers to more significant names the click </a:t>
-            </a:r>
-            <a:r>
-              <a:rPr lang="en-US" b="1" dirty="0" smtClean="0">
-                <a:latin typeface="Calibri" panose="020F0502020204030204" pitchFamily="34" charset="0"/>
-                <a:ea typeface="Calibri" panose="020F0502020204030204" pitchFamily="34" charset="0"/>
-                <a:cs typeface="Times New Roman" panose="02020603050405020304" pitchFamily="18" charset="0"/>
-              </a:rPr>
-              <a:t>Publish, </a:t>
-            </a:r>
-            <a:r>
-              <a:rPr lang="en-US" dirty="0" smtClean="0">
-                <a:latin typeface="Calibri" panose="020F0502020204030204" pitchFamily="34" charset="0"/>
-                <a:ea typeface="Calibri" panose="020F0502020204030204" pitchFamily="34" charset="0"/>
-                <a:cs typeface="Times New Roman" panose="02020603050405020304" pitchFamily="18" charset="0"/>
-              </a:rPr>
-              <a:t>we should notice the presence of that newly created dataflow</a:t>
-            </a:r>
-            <a:endParaRPr lang="en-US" dirty="0">
-              <a:latin typeface="Calibri" panose="020F0502020204030204" pitchFamily="34" charset="0"/>
-              <a:ea typeface="Calibri" panose="020F0502020204030204" pitchFamily="34" charset="0"/>
-              <a:cs typeface="Times New Roman" panose="02020603050405020304" pitchFamily="18" charset="0"/>
             </a:endParaRPr>
           </a:p>
         </p:txBody>
@@ -4507,7 +4227,7 @@
         </p:blipFill>
         <p:spPr>
           <a:xfrm>
-            <a:off x="565150" y="1910916"/>
+            <a:off x="551399" y="1474988"/>
             <a:ext cx="8301425" cy="4235978"/>
           </a:xfrm>
           <a:prstGeom prst="rect">
@@ -4525,6 +4245,43 @@
           </a:effectLst>
         </p:spPr>
       </p:pic>
+      <p:sp>
+        <p:nvSpPr>
+          <p:cNvPr id="3" name="Rectangle 2"/>
+          <p:cNvSpPr/>
+          <p:nvPr/>
+        </p:nvSpPr>
+        <p:spPr>
+          <a:xfrm>
+            <a:off x="483555" y="905775"/>
+            <a:ext cx="8275434" cy="400110"/>
+          </a:xfrm>
+          <a:prstGeom prst="rect">
+            <a:avLst/>
+          </a:prstGeom>
+        </p:spPr>
+        <p:txBody>
+          <a:bodyPr wrap="square">
+            <a:spAutoFit/>
+          </a:bodyPr>
+          <a:lstStyle/>
+          <a:p>
+            <a:r xmlns:a="http://schemas.openxmlformats.org/drawingml/2006/main">
+              <a:rPr lang="en" sz="2000" dirty="0"/>
+              <a:t>We should note the presence of the </a:t>
+            </a:r>
+            <a:r xmlns:a="http://schemas.openxmlformats.org/drawingml/2006/main">
+              <a:rPr lang="en" sz="2000" dirty="0"/>
+              <a:t>newly created </a:t>
+            </a:r>
+            <a:endParaRPr xmlns:a="http://schemas.openxmlformats.org/drawingml/2006/main" lang="en-US" sz="2000" dirty="0"/>
+            <a:r xmlns:a="http://schemas.openxmlformats.org/drawingml/2006/main">
+              <a:rPr lang="en" sz="2000" b="1" dirty="0" err="1"/>
+              <a:t>DataFlow .</a:t>
+            </a:r>
+          </a:p>
+        </p:txBody>
+      </p:sp>
     </p:spTree>
     <p:extLst>
       <p:ext uri="{BB962C8B-B14F-4D97-AF65-F5344CB8AC3E}">
@@ -4564,7 +4321,7 @@
         <p:spPr>
           <a:xfrm>
             <a:off x="295632" y="275007"/>
-            <a:ext cx="3508333" cy="461665"/>
+            <a:ext cx="4250972" cy="461665"/>
           </a:xfrm>
           <a:prstGeom prst="rect">
             <a:avLst/>
@@ -4577,61 +4334,30 @@
           </a:bodyPr>
           <a:lstStyle/>
           <a:p>
-            <a:r>
-              <a:rPr lang="en-US" sz="2400" dirty="0" smtClean="0">
+            <a:r xmlns:a="http://schemas.openxmlformats.org/drawingml/2006/main">
+              <a:rPr lang="en" sz="2400" b="1" dirty="0" err="1" smtClean="0">
                 <a:latin typeface="Segoe UI" panose="020B0502040204020203" pitchFamily="34" charset="0"/>
                 <a:cs typeface="Segoe UI" panose="020B0502040204020203" pitchFamily="34" charset="0"/>
               </a:rPr>
-              <a:t>Working with Data flows</a:t>
-            </a:r>
-            <a:endParaRPr lang="en-US" sz="2400" dirty="0">
+              <a:t>Working </a:t>
+            </a:r>
+            <a:r xmlns:a="http://schemas.openxmlformats.org/drawingml/2006/main">
+              <a:rPr lang="en" sz="2400" b="1" dirty="0" smtClean="0">
+                <a:latin typeface="Segoe UI" panose="020B0502040204020203" pitchFamily="34" charset="0"/>
+                <a:cs typeface="Segoe UI" panose="020B0502040204020203" pitchFamily="34" charset="0"/>
+              </a:rPr>
+              <a:t>with </a:t>
+            </a:r>
+            <a:r xmlns:a="http://schemas.openxmlformats.org/drawingml/2006/main">
+              <a:rPr lang="en" sz="2400" b="1" dirty="0" err="1" smtClean="0">
+                <a:latin typeface="Segoe UI" panose="020B0502040204020203" pitchFamily="34" charset="0"/>
+                <a:cs typeface="Segoe UI" panose="020B0502040204020203" pitchFamily="34" charset="0"/>
+              </a:rPr>
+              <a:t>Dataflows</a:t>
+            </a:r>
+            <a:endParaRPr xmlns:a="http://schemas.openxmlformats.org/drawingml/2006/main" lang="en-US" sz="2400" b="1" dirty="0">
               <a:latin typeface="Segoe UI" panose="020B0502040204020203" pitchFamily="34" charset="0"/>
               <a:cs typeface="Segoe UI" panose="020B0502040204020203" pitchFamily="34" charset="0"/>
-            </a:endParaRPr>
-          </a:p>
-        </p:txBody>
-      </p:sp>
-      <p:sp>
-        <p:nvSpPr>
-          <p:cNvPr id="7" name="Rectangle 6"/>
-          <p:cNvSpPr/>
-          <p:nvPr/>
-        </p:nvSpPr>
-        <p:spPr>
-          <a:xfrm>
-            <a:off x="352926" y="852318"/>
-            <a:ext cx="11026274" cy="375552"/>
-          </a:xfrm>
-          <a:prstGeom prst="rect">
-            <a:avLst/>
-          </a:prstGeom>
-        </p:spPr>
-        <p:txBody>
-          <a:bodyPr wrap="square">
-            <a:spAutoFit/>
-          </a:bodyPr>
-          <a:lstStyle/>
-          <a:p>
-            <a:pPr lvl="0">
-              <a:lnSpc>
-                <a:spcPct val="107000"/>
-              </a:lnSpc>
-              <a:spcAft>
-                <a:spcPts val="800"/>
-              </a:spcAft>
-            </a:pPr>
-            <a:r>
-              <a:rPr lang="en-US" dirty="0" smtClean="0">
-                <a:latin typeface="Calibri" panose="020F0502020204030204" pitchFamily="34" charset="0"/>
-                <a:ea typeface="Calibri" panose="020F0502020204030204" pitchFamily="34" charset="0"/>
-                <a:cs typeface="Times New Roman" panose="02020603050405020304" pitchFamily="18" charset="0"/>
-              </a:rPr>
-              <a:t>Notice the presence of the dataflow now in Power BI Desktop, data is ready now to be used</a:t>
-            </a:r>
-            <a:endParaRPr lang="en-US" dirty="0">
-              <a:latin typeface="Calibri" panose="020F0502020204030204" pitchFamily="34" charset="0"/>
-              <a:ea typeface="Calibri" panose="020F0502020204030204" pitchFamily="34" charset="0"/>
-              <a:cs typeface="Times New Roman" panose="02020603050405020304" pitchFamily="18" charset="0"/>
             </a:endParaRPr>
           </a:p>
         </p:txBody>
@@ -4670,6 +4396,51 @@
           </a:effectLst>
         </p:spPr>
       </p:pic>
+      <p:sp>
+        <p:nvSpPr>
+          <p:cNvPr id="3" name="Rectangle 2"/>
+          <p:cNvSpPr/>
+          <p:nvPr/>
+        </p:nvSpPr>
+        <p:spPr>
+          <a:xfrm>
+            <a:off x="352925" y="736672"/>
+            <a:ext cx="10901757" cy="707886"/>
+          </a:xfrm>
+          <a:prstGeom prst="rect">
+            <a:avLst/>
+          </a:prstGeom>
+        </p:spPr>
+        <p:txBody>
+          <a:bodyPr wrap="square">
+            <a:spAutoFit/>
+          </a:bodyPr>
+          <a:lstStyle/>
+          <a:p>
+            <a:r xmlns:a="http://schemas.openxmlformats.org/drawingml/2006/main">
+              <a:rPr lang="en" sz="2000" dirty="0"/>
+              <a:t>Now notice the presence of the </a:t>
+            </a:r>
+            <a:r xmlns:a="http://schemas.openxmlformats.org/drawingml/2006/main">
+              <a:rPr lang="en" sz="2000" b="1" dirty="0" err="1"/>
+              <a:t>DataFlow </a:t>
+            </a:r>
+            <a:r xmlns:a="http://schemas.openxmlformats.org/drawingml/2006/main">
+              <a:rPr lang="en" sz="2000" dirty="0"/>
+              <a:t>in </a:t>
+            </a:r>
+            <a:r xmlns:a="http://schemas.openxmlformats.org/drawingml/2006/main">
+              <a:rPr lang="en" sz="2000" b="1" dirty="0"/>
+              <a:t>Power BI Desktop </a:t>
+            </a:r>
+            <a:r xmlns:a="http://schemas.openxmlformats.org/drawingml/2006/main">
+              <a:rPr lang="en" sz="2000" dirty="0"/>
+              <a:t>. The data is ready to be used.</a:t>
+            </a:r>
+            <a:endParaRPr xmlns:a="http://schemas.openxmlformats.org/drawingml/2006/main" lang="en-US" sz="2000" dirty="0"/>
+          </a:p>
+        </p:txBody>
+      </p:sp>
     </p:spTree>
     <p:extLst>
       <p:ext uri="{BB962C8B-B14F-4D97-AF65-F5344CB8AC3E}">
@@ -4755,8 +4526,8 @@
         </p:nvSpPr>
         <p:spPr>
           <a:xfrm>
-            <a:off x="2916199" y="2162433"/>
-            <a:ext cx="6230360" cy="1569660"/>
+            <a:off x="4091856" y="2616196"/>
+            <a:ext cx="3456395" cy="1569660"/>
           </a:xfrm>
           <a:prstGeom prst="rect">
             <a:avLst/>
@@ -4769,8 +4540,8 @@
           </a:bodyPr>
           <a:lstStyle/>
           <a:p>
-            <a:r>
-              <a:rPr lang="en-US" sz="9600" b="1" dirty="0" smtClean="0">
+            <a:r xmlns:a="http://schemas.openxmlformats.org/drawingml/2006/main">
+              <a:rPr lang="en" sz="9600" b="1" dirty="0" smtClean="0">
                 <a:solidFill>
                   <a:srgbClr val="7030A0"/>
                 </a:solidFill>
@@ -4778,9 +4549,9 @@
                 <a:ea typeface="Verdana" panose="020B0604030504040204" pitchFamily="34" charset="0"/>
                 <a:cs typeface="Segoe UI" panose="020B0502040204020203" pitchFamily="34" charset="0"/>
               </a:rPr>
-              <a:t>Thank you</a:t>
-            </a:r>
-            <a:endParaRPr lang="en-US" sz="9600" b="1" dirty="0">
+              <a:t>THANKS</a:t>
+            </a:r>
+            <a:endParaRPr xmlns:a="http://schemas.openxmlformats.org/drawingml/2006/main" lang="en-US" sz="9600" b="1" dirty="0">
               <a:solidFill>
                 <a:srgbClr val="7030A0"/>
               </a:solidFill>
@@ -4799,8 +4570,8 @@
         </p:nvSpPr>
         <p:spPr>
           <a:xfrm>
-            <a:off x="2990336" y="2217861"/>
-            <a:ext cx="6230360" cy="1569660"/>
+            <a:off x="4029979" y="2547870"/>
+            <a:ext cx="3456395" cy="1569660"/>
           </a:xfrm>
           <a:prstGeom prst="rect">
             <a:avLst/>
@@ -4813,8 +4584,8 @@
           </a:bodyPr>
           <a:lstStyle/>
           <a:p>
-            <a:r>
-              <a:rPr lang="en-US" sz="9600" b="1" dirty="0" smtClean="0">
+            <a:r xmlns:a="http://schemas.openxmlformats.org/drawingml/2006/main">
+              <a:rPr lang="en" sz="9600" b="1" dirty="0" smtClean="0">
                 <a:solidFill>
                   <a:schemeClr val="bg1"/>
                 </a:solidFill>
@@ -4822,9 +4593,9 @@
                 <a:ea typeface="Verdana" panose="020B0604030504040204" pitchFamily="34" charset="0"/>
                 <a:cs typeface="Segoe UI" panose="020B0502040204020203" pitchFamily="34" charset="0"/>
               </a:rPr>
-              <a:t>Thank you</a:t>
-            </a:r>
-            <a:endParaRPr lang="en-US" sz="9600" b="1" dirty="0">
+              <a:t>THANKS</a:t>
+            </a:r>
+            <a:endParaRPr xmlns:a="http://schemas.openxmlformats.org/drawingml/2006/main" lang="en-US" sz="9600" b="1" dirty="0">
               <a:solidFill>
                 <a:schemeClr val="bg1"/>
               </a:solidFill>
@@ -4874,7 +4645,7 @@
         <p:spPr>
           <a:xfrm>
             <a:off x="295632" y="275007"/>
-            <a:ext cx="3508333" cy="461665"/>
+            <a:ext cx="4250972" cy="461665"/>
           </a:xfrm>
           <a:prstGeom prst="rect">
             <a:avLst/>
@@ -4887,129 +4658,30 @@
           </a:bodyPr>
           <a:lstStyle/>
           <a:p>
-            <a:r>
-              <a:rPr lang="en-US" sz="2400" dirty="0" smtClean="0">
+            <a:r xmlns:a="http://schemas.openxmlformats.org/drawingml/2006/main">
+              <a:rPr lang="en" sz="2400" b="1" dirty="0" err="1" smtClean="0">
                 <a:latin typeface="Segoe UI" panose="020B0502040204020203" pitchFamily="34" charset="0"/>
                 <a:cs typeface="Segoe UI" panose="020B0502040204020203" pitchFamily="34" charset="0"/>
               </a:rPr>
-              <a:t>Working with Data flows</a:t>
-            </a:r>
-            <a:endParaRPr lang="en-US" sz="2400" dirty="0">
+              <a:t>Working </a:t>
+            </a:r>
+            <a:r xmlns:a="http://schemas.openxmlformats.org/drawingml/2006/main">
+              <a:rPr lang="en" sz="2400" b="1" dirty="0" smtClean="0">
+                <a:latin typeface="Segoe UI" panose="020B0502040204020203" pitchFamily="34" charset="0"/>
+                <a:cs typeface="Segoe UI" panose="020B0502040204020203" pitchFamily="34" charset="0"/>
+              </a:rPr>
+              <a:t>with </a:t>
+            </a:r>
+            <a:r xmlns:a="http://schemas.openxmlformats.org/drawingml/2006/main">
+              <a:rPr lang="en" sz="2400" b="1" dirty="0" err="1" smtClean="0">
+                <a:latin typeface="Segoe UI" panose="020B0502040204020203" pitchFamily="34" charset="0"/>
+                <a:cs typeface="Segoe UI" panose="020B0502040204020203" pitchFamily="34" charset="0"/>
+              </a:rPr>
+              <a:t>Dataflows</a:t>
+            </a:r>
+            <a:endParaRPr xmlns:a="http://schemas.openxmlformats.org/drawingml/2006/main" lang="en-US" sz="2400" b="1" dirty="0">
               <a:latin typeface="Segoe UI" panose="020B0502040204020203" pitchFamily="34" charset="0"/>
               <a:cs typeface="Segoe UI" panose="020B0502040204020203" pitchFamily="34" charset="0"/>
-            </a:endParaRPr>
-          </a:p>
-        </p:txBody>
-      </p:sp>
-      <p:sp>
-        <p:nvSpPr>
-          <p:cNvPr id="3" name="Rectangle 2"/>
-          <p:cNvSpPr/>
-          <p:nvPr/>
-        </p:nvSpPr>
-        <p:spPr>
-          <a:xfrm>
-            <a:off x="394176" y="878274"/>
-            <a:ext cx="10626749" cy="369332"/>
-          </a:xfrm>
-          <a:prstGeom prst="rect">
-            <a:avLst/>
-          </a:prstGeom>
-        </p:spPr>
-        <p:txBody>
-          <a:bodyPr wrap="square">
-            <a:spAutoFit/>
-          </a:bodyPr>
-          <a:lstStyle/>
-          <a:p>
-            <a:r>
-              <a:rPr lang="en-US" b="1" dirty="0" smtClean="0">
-                <a:latin typeface="Segoe UI" panose="020B0502040204020203" pitchFamily="34" charset="0"/>
-                <a:ea typeface="Calibri" panose="020F0502020204030204" pitchFamily="34" charset="0"/>
-                <a:cs typeface="Segoe UI" panose="020B0502040204020203" pitchFamily="34" charset="0"/>
-              </a:rPr>
-              <a:t>Note: </a:t>
-            </a:r>
-            <a:r>
-              <a:rPr lang="en-US" dirty="0" smtClean="0">
-                <a:latin typeface="Segoe UI" panose="020B0502040204020203" pitchFamily="34" charset="0"/>
-                <a:ea typeface="Calibri" panose="020F0502020204030204" pitchFamily="34" charset="0"/>
-                <a:cs typeface="Segoe UI" panose="020B0502040204020203" pitchFamily="34" charset="0"/>
-              </a:rPr>
-              <a:t>This lab requires a Power BI Services account with administrator privileges.</a:t>
-            </a:r>
-            <a:endParaRPr lang="en-US" dirty="0">
-              <a:latin typeface="Segoe UI" panose="020B0502040204020203" pitchFamily="34" charset="0"/>
-              <a:cs typeface="Segoe UI" panose="020B0502040204020203" pitchFamily="34" charset="0"/>
-            </a:endParaRPr>
-          </a:p>
-        </p:txBody>
-      </p:sp>
-      <p:sp>
-        <p:nvSpPr>
-          <p:cNvPr id="4" name="Rectangle 3"/>
-          <p:cNvSpPr/>
-          <p:nvPr/>
-        </p:nvSpPr>
-        <p:spPr>
-          <a:xfrm>
-            <a:off x="394175" y="1389208"/>
-            <a:ext cx="9581723" cy="388696"/>
-          </a:xfrm>
-          <a:prstGeom prst="rect">
-            <a:avLst/>
-          </a:prstGeom>
-        </p:spPr>
-        <p:txBody>
-          <a:bodyPr wrap="square">
-            <a:spAutoFit/>
-          </a:bodyPr>
-          <a:lstStyle/>
-          <a:p>
-            <a:pPr lvl="0">
-              <a:lnSpc>
-                <a:spcPct val="107000"/>
-              </a:lnSpc>
-              <a:spcAft>
-                <a:spcPts val="800"/>
-              </a:spcAft>
-            </a:pPr>
-            <a:r>
-              <a:rPr lang="en-US" dirty="0">
-                <a:latin typeface="Segoe UI" panose="020B0502040204020203" pitchFamily="34" charset="0"/>
-                <a:ea typeface="Calibri" panose="020F0502020204030204" pitchFamily="34" charset="0"/>
-                <a:cs typeface="Times New Roman" panose="02020603050405020304" pitchFamily="18" charset="0"/>
-              </a:rPr>
-              <a:t>Open </a:t>
-            </a:r>
-            <a:r>
-              <a:rPr lang="en-US" b="1" dirty="0">
-                <a:latin typeface="Segoe UI" panose="020B0502040204020203" pitchFamily="34" charset="0"/>
-                <a:ea typeface="Calibri" panose="020F0502020204030204" pitchFamily="34" charset="0"/>
-                <a:cs typeface="Times New Roman" panose="02020603050405020304" pitchFamily="18" charset="0"/>
-              </a:rPr>
-              <a:t>Power BI Desktop</a:t>
-            </a:r>
-            <a:r>
-              <a:rPr lang="en-US" dirty="0">
-                <a:latin typeface="Segoe UI" panose="020B0502040204020203" pitchFamily="34" charset="0"/>
-                <a:ea typeface="Calibri" panose="020F0502020204030204" pitchFamily="34" charset="0"/>
-                <a:cs typeface="Times New Roman" panose="02020603050405020304" pitchFamily="18" charset="0"/>
-              </a:rPr>
-              <a:t>, select </a:t>
-            </a:r>
-            <a:r>
-              <a:rPr lang="en-US" b="1" dirty="0" err="1" smtClean="0">
-                <a:latin typeface="Segoe UI" panose="020B0502040204020203" pitchFamily="34" charset="0"/>
-                <a:ea typeface="Calibri" panose="020F0502020204030204" pitchFamily="34" charset="0"/>
-                <a:cs typeface="Times New Roman" panose="02020603050405020304" pitchFamily="18" charset="0"/>
-              </a:rPr>
-              <a:t>Dataflows</a:t>
-            </a:r>
-            <a:endParaRPr lang="en-US" dirty="0">
-              <a:latin typeface="Calibri" panose="020F0502020204030204" pitchFamily="34" charset="0"/>
-              <a:ea typeface="Calibri" panose="020F0502020204030204" pitchFamily="34" charset="0"/>
-              <a:cs typeface="Times New Roman" panose="02020603050405020304" pitchFamily="18" charset="0"/>
             </a:endParaRPr>
           </a:p>
         </p:txBody>
@@ -5038,6 +4710,99 @@
           </a:prstGeom>
         </p:spPr>
       </p:pic>
+      <p:sp>
+        <p:nvSpPr>
+          <p:cNvPr id="6" name="Rectangle 5"/>
+          <p:cNvSpPr/>
+          <p:nvPr/>
+        </p:nvSpPr>
+        <p:spPr>
+          <a:xfrm>
+            <a:off x="295631" y="742877"/>
+            <a:ext cx="10718419" cy="400110"/>
+          </a:xfrm>
+          <a:prstGeom prst="rect">
+            <a:avLst/>
+          </a:prstGeom>
+        </p:spPr>
+        <p:txBody>
+          <a:bodyPr wrap="square">
+            <a:spAutoFit/>
+          </a:bodyPr>
+          <a:lstStyle/>
+          <a:p>
+            <a:r xmlns:a="http://schemas.openxmlformats.org/drawingml/2006/main">
+              <a:rPr lang="en" sz="2000" b="1" dirty="0" smtClean="0"/>
+              <a:t>Note </a:t>
+            </a:r>
+            <a:r xmlns:a="http://schemas.openxmlformats.org/drawingml/2006/main">
+              <a:rPr lang="en" sz="2000" b="1" dirty="0"/>
+              <a:t>: </a:t>
+            </a:r>
+            <a:r xmlns:a="http://schemas.openxmlformats.org/drawingml/2006/main">
+              <a:rPr lang="en" sz="2000" dirty="0"/>
+              <a:t>This lab requires a Power BI Services account with administrator privileges.</a:t>
+            </a:r>
+            <a:endParaRPr xmlns:a="http://schemas.openxmlformats.org/drawingml/2006/main" lang="en-US" sz="2000" dirty="0"/>
+          </a:p>
+        </p:txBody>
+      </p:sp>
+      <p:sp>
+        <p:nvSpPr>
+          <p:cNvPr id="7" name="Rectangle 6"/>
+          <p:cNvSpPr/>
+          <p:nvPr/>
+        </p:nvSpPr>
+        <p:spPr>
+          <a:xfrm>
+            <a:off x="295631" y="1161914"/>
+            <a:ext cx="5477910" cy="400110"/>
+          </a:xfrm>
+          <a:prstGeom prst="rect">
+            <a:avLst/>
+          </a:prstGeom>
+        </p:spPr>
+        <p:txBody>
+          <a:bodyPr wrap="none">
+            <a:spAutoFit/>
+          </a:bodyPr>
+          <a:lstStyle/>
+          <a:p>
+            <a:r xmlns:a="http://schemas.openxmlformats.org/drawingml/2006/main">
+              <a:rPr lang="en" sz="2000" dirty="0" err="1"/>
+              <a:t>Open</a:t>
+            </a:r>
+            <a:r xmlns:a="http://schemas.openxmlformats.org/drawingml/2006/main">
+              <a:rPr lang="en" sz="2000" dirty="0"/>
+              <a:t> </a:t>
+            </a:r>
+            <a:r xmlns:a="http://schemas.openxmlformats.org/drawingml/2006/main">
+              <a:rPr lang="en" sz="2000" b="1" dirty="0"/>
+              <a:t>Power BI Desktop </a:t>
+            </a:r>
+            <a:r xmlns:a="http://schemas.openxmlformats.org/drawingml/2006/main">
+              <a:rPr lang="en" sz="2000" dirty="0"/>
+              <a:t>, </a:t>
+            </a:r>
+            <a:r xmlns:a="http://schemas.openxmlformats.org/drawingml/2006/main">
+              <a:rPr lang="en" sz="2000" dirty="0" err="1"/>
+              <a:t>select</a:t>
+            </a:r>
+            <a:r xmlns:a="http://schemas.openxmlformats.org/drawingml/2006/main">
+              <a:rPr lang="en" sz="2000" dirty="0"/>
+              <a:t> </a:t>
+            </a:r>
+            <a:r xmlns:a="http://schemas.openxmlformats.org/drawingml/2006/main">
+              <a:rPr lang="en" sz="2000" b="1" dirty="0" err="1"/>
+              <a:t>Dataflows </a:t>
+            </a:r>
+            <a:r xmlns:a="http://schemas.openxmlformats.org/drawingml/2006/main">
+              <a:rPr lang="en" sz="2000" dirty="0"/>
+              <a:t>.</a:t>
+            </a:r>
+          </a:p>
+        </p:txBody>
+      </p:sp>
     </p:spTree>
     <p:extLst>
       <p:ext uri="{BB962C8B-B14F-4D97-AF65-F5344CB8AC3E}">
@@ -5077,7 +4842,7 @@
         <p:spPr>
           <a:xfrm>
             <a:off x="295632" y="275007"/>
-            <a:ext cx="3508333" cy="461665"/>
+            <a:ext cx="4250972" cy="461665"/>
           </a:xfrm>
           <a:prstGeom prst="rect">
             <a:avLst/>
@@ -5090,77 +4855,30 @@
           </a:bodyPr>
           <a:lstStyle/>
           <a:p>
-            <a:r>
-              <a:rPr lang="en-US" sz="2400" dirty="0" smtClean="0">
+            <a:r xmlns:a="http://schemas.openxmlformats.org/drawingml/2006/main">
+              <a:rPr lang="en" sz="2400" b="1" dirty="0" err="1" smtClean="0">
                 <a:latin typeface="Segoe UI" panose="020B0502040204020203" pitchFamily="34" charset="0"/>
                 <a:cs typeface="Segoe UI" panose="020B0502040204020203" pitchFamily="34" charset="0"/>
               </a:rPr>
-              <a:t>Working with Data flows</a:t>
-            </a:r>
-            <a:endParaRPr lang="en-US" sz="2400" dirty="0">
+              <a:t>Working </a:t>
+            </a:r>
+            <a:r xmlns:a="http://schemas.openxmlformats.org/drawingml/2006/main">
+              <a:rPr lang="en" sz="2400" b="1" dirty="0" smtClean="0">
+                <a:latin typeface="Segoe UI" panose="020B0502040204020203" pitchFamily="34" charset="0"/>
+                <a:cs typeface="Segoe UI" panose="020B0502040204020203" pitchFamily="34" charset="0"/>
+              </a:rPr>
+              <a:t>with </a:t>
+            </a:r>
+            <a:r xmlns:a="http://schemas.openxmlformats.org/drawingml/2006/main">
+              <a:rPr lang="en" sz="2400" b="1" dirty="0" err="1" smtClean="0">
+                <a:latin typeface="Segoe UI" panose="020B0502040204020203" pitchFamily="34" charset="0"/>
+                <a:cs typeface="Segoe UI" panose="020B0502040204020203" pitchFamily="34" charset="0"/>
+              </a:rPr>
+              <a:t>Dataflows</a:t>
+            </a:r>
+            <a:endParaRPr xmlns:a="http://schemas.openxmlformats.org/drawingml/2006/main" lang="en-US" sz="2400" b="1" dirty="0">
               <a:latin typeface="Segoe UI" panose="020B0502040204020203" pitchFamily="34" charset="0"/>
               <a:cs typeface="Segoe UI" panose="020B0502040204020203" pitchFamily="34" charset="0"/>
-            </a:endParaRPr>
-          </a:p>
-        </p:txBody>
-      </p:sp>
-      <p:sp>
-        <p:nvSpPr>
-          <p:cNvPr id="5" name="Rectangle 4"/>
-          <p:cNvSpPr/>
-          <p:nvPr/>
-        </p:nvSpPr>
-        <p:spPr>
-          <a:xfrm>
-            <a:off x="462929" y="968913"/>
-            <a:ext cx="9182959" cy="388696"/>
-          </a:xfrm>
-          <a:prstGeom prst="rect">
-            <a:avLst/>
-          </a:prstGeom>
-        </p:spPr>
-        <p:txBody>
-          <a:bodyPr wrap="square">
-            <a:spAutoFit/>
-          </a:bodyPr>
-          <a:lstStyle/>
-          <a:p>
-            <a:pPr lvl="0">
-              <a:lnSpc>
-                <a:spcPct val="107000"/>
-              </a:lnSpc>
-              <a:spcAft>
-                <a:spcPts val="800"/>
-              </a:spcAft>
-            </a:pPr>
-            <a:r>
-              <a:rPr lang="en-US" dirty="0">
-                <a:latin typeface="Segoe UI" panose="020B0502040204020203" pitchFamily="34" charset="0"/>
-                <a:ea typeface="Calibri" panose="020F0502020204030204" pitchFamily="34" charset="0"/>
-                <a:cs typeface="Times New Roman" panose="02020603050405020304" pitchFamily="18" charset="0"/>
-              </a:rPr>
-              <a:t>C</a:t>
-            </a:r>
-            <a:r>
-              <a:rPr lang="en-US" dirty="0" smtClean="0">
-                <a:latin typeface="Segoe UI" panose="020B0502040204020203" pitchFamily="34" charset="0"/>
-                <a:ea typeface="Calibri" panose="020F0502020204030204" pitchFamily="34" charset="0"/>
-                <a:cs typeface="Times New Roman" panose="02020603050405020304" pitchFamily="18" charset="0"/>
-              </a:rPr>
-              <a:t>lick </a:t>
-            </a:r>
-            <a:r>
-              <a:rPr lang="en-US" b="1" dirty="0">
-                <a:latin typeface="Segoe UI" panose="020B0502040204020203" pitchFamily="34" charset="0"/>
-                <a:ea typeface="Calibri" panose="020F0502020204030204" pitchFamily="34" charset="0"/>
-                <a:cs typeface="Times New Roman" panose="02020603050405020304" pitchFamily="18" charset="0"/>
-              </a:rPr>
-              <a:t>Connect</a:t>
-            </a:r>
-            <a:endParaRPr lang="en-US" dirty="0">
-              <a:latin typeface="Calibri" panose="020F0502020204030204" pitchFamily="34" charset="0"/>
-              <a:ea typeface="Calibri" panose="020F0502020204030204" pitchFamily="34" charset="0"/>
-              <a:cs typeface="Times New Roman" panose="02020603050405020304" pitchFamily="18" charset="0"/>
             </a:endParaRPr>
           </a:p>
         </p:txBody>
@@ -5201,14 +4919,54 @@
       </p:pic>
       <p:sp>
         <p:nvSpPr>
-          <p:cNvPr id="10" name="Rectangle 9"/>
+          <p:cNvPr id="3" name="Rectangle 2"/>
           <p:cNvSpPr/>
           <p:nvPr/>
         </p:nvSpPr>
         <p:spPr>
           <a:xfrm>
-            <a:off x="462929" y="1357609"/>
-            <a:ext cx="9182959" cy="373692"/>
+            <a:off x="462929" y="875882"/>
+            <a:ext cx="2315762" cy="400110"/>
+          </a:xfrm>
+          <a:prstGeom prst="rect">
+            <a:avLst/>
+          </a:prstGeom>
+        </p:spPr>
+        <p:txBody>
+          <a:bodyPr wrap="none">
+            <a:spAutoFit/>
+          </a:bodyPr>
+          <a:lstStyle/>
+          <a:p>
+            <a:r xmlns:a="http://schemas.openxmlformats.org/drawingml/2006/main">
+              <a:rPr lang="en" sz="2000" dirty="0" err="1"/>
+              <a:t>Click </a:t>
+            </a:r>
+            <a:r xmlns:a="http://schemas.openxmlformats.org/drawingml/2006/main">
+              <a:rPr lang="en" sz="2000" dirty="0"/>
+              <a:t>Connect </a:t>
+            </a:r>
+            <a:r xmlns:a="http://schemas.openxmlformats.org/drawingml/2006/main">
+              <a:rPr lang="en" sz="2000" dirty="0"/>
+              <a:t>.</a:t>
+            </a:r>
+            <a:r xmlns:a="http://schemas.openxmlformats.org/drawingml/2006/main">
+              <a:rPr lang="en" sz="2000" b="1" dirty="0"/>
+              <a:t>​</a:t>
+            </a:r>
+          </a:p>
+        </p:txBody>
+      </p:sp>
+      <p:sp>
+        <p:nvSpPr>
+          <p:cNvPr id="4" name="Rectangle 3"/>
+          <p:cNvSpPr/>
+          <p:nvPr/>
+        </p:nvSpPr>
+        <p:spPr>
+          <a:xfrm>
+            <a:off x="462929" y="1415202"/>
+            <a:ext cx="8784199" cy="400110"/>
           </a:xfrm>
           <a:prstGeom prst="rect">
             <a:avLst/>
@@ -5220,35 +4978,19 @@
           </a:bodyPr>
           <a:lstStyle/>
           <a:p>
-            <a:pPr lvl="0">
-              <a:lnSpc>
-                <a:spcPct val="107000"/>
-              </a:lnSpc>
-              <a:spcAft>
-                <a:spcPts val="800"/>
-              </a:spcAft>
-            </a:pPr>
-            <a:r>
-              <a:rPr lang="en-US" b="1" dirty="0" smtClean="0">
-                <a:latin typeface="Segoe UI" panose="020B0502040204020203" pitchFamily="34" charset="0"/>
-                <a:ea typeface="Calibri" panose="020F0502020204030204" pitchFamily="34" charset="0"/>
-                <a:cs typeface="Times New Roman" panose="02020603050405020304" pitchFamily="18" charset="0"/>
-              </a:rPr>
-              <a:t>Note: </a:t>
-            </a:r>
-            <a:r>
-              <a:rPr lang="en-US" dirty="0" smtClean="0">
-                <a:latin typeface="Segoe UI" panose="020B0502040204020203" pitchFamily="34" charset="0"/>
-                <a:ea typeface="Calibri" panose="020F0502020204030204" pitchFamily="34" charset="0"/>
-                <a:cs typeface="Times New Roman" panose="02020603050405020304" pitchFamily="18" charset="0"/>
-              </a:rPr>
-              <a:t>We must sign in with Power bi services account </a:t>
-            </a:r>
-            <a:endParaRPr lang="en-US" dirty="0">
-              <a:latin typeface="Calibri" panose="020F0502020204030204" pitchFamily="34" charset="0"/>
-              <a:ea typeface="Calibri" panose="020F0502020204030204" pitchFamily="34" charset="0"/>
-              <a:cs typeface="Times New Roman" panose="02020603050405020304" pitchFamily="18" charset="0"/>
-            </a:endParaRPr>
+            <a:r xmlns:a="http://schemas.openxmlformats.org/drawingml/2006/main">
+              <a:rPr lang="en" sz="2000" b="1" dirty="0" smtClean="0"/>
+              <a:t>Note </a:t>
+            </a:r>
+            <a:r xmlns:a="http://schemas.openxmlformats.org/drawingml/2006/main">
+              <a:rPr lang="en" sz="2000" b="1" dirty="0"/>
+              <a:t>: </a:t>
+            </a:r>
+            <a:r xmlns:a="http://schemas.openxmlformats.org/drawingml/2006/main">
+              <a:rPr lang="en" sz="2000" dirty="0"/>
+              <a:t>We need to log in with a Power BI Services account.</a:t>
+            </a:r>
+            <a:endParaRPr xmlns:a="http://schemas.openxmlformats.org/drawingml/2006/main" lang="en-US" sz="2000" dirty="0"/>
           </a:p>
         </p:txBody>
       </p:sp>
@@ -5291,7 +5033,7 @@
         <p:spPr>
           <a:xfrm>
             <a:off x="295632" y="275007"/>
-            <a:ext cx="3508333" cy="461665"/>
+            <a:ext cx="4250972" cy="461665"/>
           </a:xfrm>
           <a:prstGeom prst="rect">
             <a:avLst/>
@@ -5304,76 +5046,29 @@
           </a:bodyPr>
           <a:lstStyle/>
           <a:p>
-            <a:r>
-              <a:rPr lang="en-US" sz="2400" dirty="0" smtClean="0">
+            <a:r xmlns:a="http://schemas.openxmlformats.org/drawingml/2006/main">
+              <a:rPr lang="en" sz="2400" b="1" dirty="0" err="1" smtClean="0">
                 <a:latin typeface="Segoe UI" panose="020B0502040204020203" pitchFamily="34" charset="0"/>
                 <a:cs typeface="Segoe UI" panose="020B0502040204020203" pitchFamily="34" charset="0"/>
               </a:rPr>
-              <a:t>Working with Data flows</a:t>
-            </a:r>
-            <a:endParaRPr lang="en-US" sz="2400" dirty="0">
-              <a:latin typeface="Segoe UI" panose="020B0502040204020203" pitchFamily="34" charset="0"/>
-              <a:cs typeface="Segoe UI" panose="020B0502040204020203" pitchFamily="34" charset="0"/>
-            </a:endParaRPr>
-          </a:p>
-        </p:txBody>
-      </p:sp>
-      <p:sp>
-        <p:nvSpPr>
-          <p:cNvPr id="5" name="Rectangle 4"/>
-          <p:cNvSpPr/>
-          <p:nvPr/>
-        </p:nvSpPr>
-        <p:spPr>
-          <a:xfrm>
-            <a:off x="462929" y="968913"/>
-            <a:ext cx="9182959" cy="366895"/>
-          </a:xfrm>
-          <a:prstGeom prst="rect">
-            <a:avLst/>
-          </a:prstGeom>
-        </p:spPr>
-        <p:txBody>
-          <a:bodyPr wrap="square">
-            <a:spAutoFit/>
-          </a:bodyPr>
-          <a:lstStyle/>
-          <a:p>
-            <a:pPr lvl="0">
-              <a:lnSpc>
-                <a:spcPct val="107000"/>
-              </a:lnSpc>
-              <a:spcAft>
-                <a:spcPts val="800"/>
-              </a:spcAft>
-            </a:pPr>
-            <a:r>
-              <a:rPr lang="en-US" dirty="0" smtClean="0">
+              <a:t>Working </a:t>
+            </a:r>
+            <a:r xmlns:a="http://schemas.openxmlformats.org/drawingml/2006/main">
+              <a:rPr lang="en" sz="2400" b="1" dirty="0" smtClean="0">
                 <a:latin typeface="Segoe UI" panose="020B0502040204020203" pitchFamily="34" charset="0"/>
-                <a:ea typeface="Calibri" panose="020F0502020204030204" pitchFamily="34" charset="0"/>
                 <a:cs typeface="Segoe UI" panose="020B0502040204020203" pitchFamily="34" charset="0"/>
               </a:rPr>
-              <a:t>If Opened first time then there is not defined </a:t>
-            </a:r>
-            <a:r>
-              <a:rPr lang="en-US" dirty="0" err="1" smtClean="0">
+              <a:t>with </a:t>
+            </a:r>
+            <a:r xmlns:a="http://schemas.openxmlformats.org/drawingml/2006/main">
+              <a:rPr lang="en" sz="2400" b="1" dirty="0" err="1" smtClean="0">
                 <a:latin typeface="Segoe UI" panose="020B0502040204020203" pitchFamily="34" charset="0"/>
-                <a:ea typeface="Calibri" panose="020F0502020204030204" pitchFamily="34" charset="0"/>
                 <a:cs typeface="Segoe UI" panose="020B0502040204020203" pitchFamily="34" charset="0"/>
               </a:rPr>
               <a:t>Dataflows</a:t>
             </a:r>
-            <a:r>
-              <a:rPr lang="en-US" dirty="0" smtClean="0">
-                <a:latin typeface="Segoe UI" panose="020B0502040204020203" pitchFamily="34" charset="0"/>
-                <a:ea typeface="Calibri" panose="020F0502020204030204" pitchFamily="34" charset="0"/>
-                <a:cs typeface="Segoe UI" panose="020B0502040204020203" pitchFamily="34" charset="0"/>
-              </a:rPr>
-              <a:t> yet</a:t>
-            </a:r>
-            <a:endParaRPr lang="en-US" dirty="0">
+            <a:endParaRPr xmlns:a="http://schemas.openxmlformats.org/drawingml/2006/main" lang="en-US" sz="2400" b="1" dirty="0">
               <a:latin typeface="Segoe UI" panose="020B0502040204020203" pitchFamily="34" charset="0"/>
-              <a:ea typeface="Calibri" panose="020F0502020204030204" pitchFamily="34" charset="0"/>
               <a:cs typeface="Segoe UI" panose="020B0502040204020203" pitchFamily="34" charset="0"/>
             </a:endParaRPr>
           </a:p>
@@ -5413,6 +5108,43 @@
           </a:effectLst>
         </p:spPr>
       </p:pic>
+      <p:sp>
+        <p:nvSpPr>
+          <p:cNvPr id="4" name="Rectangle 3"/>
+          <p:cNvSpPr/>
+          <p:nvPr/>
+        </p:nvSpPr>
+        <p:spPr>
+          <a:xfrm>
+            <a:off x="352926" y="829195"/>
+            <a:ext cx="8454189" cy="400110"/>
+          </a:xfrm>
+          <a:prstGeom prst="rect">
+            <a:avLst/>
+          </a:prstGeom>
+        </p:spPr>
+        <p:txBody>
+          <a:bodyPr wrap="square">
+            <a:spAutoFit/>
+          </a:bodyPr>
+          <a:lstStyle/>
+          <a:p>
+            <a:r xmlns:a="http://schemas.openxmlformats.org/drawingml/2006/main">
+              <a:rPr lang="en" sz="2000" dirty="0"/>
+              <a:t>If this is the first opening, no </a:t>
+            </a:r>
+            <a:r xmlns:a="http://schemas.openxmlformats.org/drawingml/2006/main">
+              <a:rPr lang="en" sz="2000" b="1" dirty="0" err="1"/>
+              <a:t>Dataflow </a:t>
+            </a:r>
+            <a:r xmlns:a="http://schemas.openxmlformats.org/drawingml/2006/main">
+              <a:rPr lang="en" sz="2000" dirty="0"/>
+              <a:t>is defined yet.</a:t>
+            </a:r>
+            <a:endParaRPr xmlns:a="http://schemas.openxmlformats.org/drawingml/2006/main" lang="en-US" sz="2000" dirty="0"/>
+          </a:p>
+        </p:txBody>
+      </p:sp>
     </p:spTree>
     <p:extLst>
       <p:ext uri="{BB962C8B-B14F-4D97-AF65-F5344CB8AC3E}">
@@ -5445,6 +5177,59 @@
       </p:grpSpPr>
       <p:sp>
         <p:nvSpPr>
+          <p:cNvPr id="3" name="Rectangle 2"/>
+          <p:cNvSpPr/>
+          <p:nvPr/>
+        </p:nvSpPr>
+        <p:spPr>
+          <a:xfrm>
+            <a:off x="380427" y="771856"/>
+            <a:ext cx="9279212" cy="646331"/>
+          </a:xfrm>
+          <a:prstGeom prst="rect">
+            <a:avLst/>
+          </a:prstGeom>
+        </p:spPr>
+        <p:txBody>
+          <a:bodyPr wrap="square">
+            <a:spAutoFit/>
+          </a:bodyPr>
+          <a:lstStyle/>
+          <a:p>
+            <a:r xmlns:a="http://schemas.openxmlformats.org/drawingml/2006/main">
+              <a:rPr lang="en" b="1" dirty="0"/>
+              <a:t>Power BI Services </a:t>
+            </a:r>
+            <a:r xmlns:a="http://schemas.openxmlformats.org/drawingml/2006/main">
+              <a:rPr lang="en" dirty="0"/>
+              <a:t>session </a:t>
+            </a:r>
+            <a:r xmlns:a="http://schemas.openxmlformats.org/drawingml/2006/main">
+              <a:rPr lang="en" dirty="0"/>
+              <a:t>, navigate to the shared workspace, click </a:t>
+            </a:r>
+            <a:r xmlns:a="http://schemas.openxmlformats.org/drawingml/2006/main">
+              <a:rPr lang="en" b="1" dirty="0"/>
+              <a:t>... </a:t>
+            </a:r>
+            <a:r xmlns:a="http://schemas.openxmlformats.org/drawingml/2006/main">
+              <a:rPr lang="en" dirty="0"/>
+              <a:t>, and then choose </a:t>
+            </a:r>
+            <a:r xmlns:a="http://schemas.openxmlformats.org/drawingml/2006/main">
+              <a:rPr lang="en" b="1" dirty="0" err="1"/>
+              <a:t>DataFlow </a:t>
+            </a:r>
+            <a:r xmlns:a="http://schemas.openxmlformats.org/drawingml/2006/main">
+              <a:rPr lang="en" dirty="0"/>
+              <a:t>.</a:t>
+            </a:r>
+            <a:endParaRPr xmlns:a="http://schemas.openxmlformats.org/drawingml/2006/main" lang="en-US" dirty="0"/>
+          </a:p>
+        </p:txBody>
+      </p:sp>
+      <p:sp>
+        <p:nvSpPr>
           <p:cNvPr id="2" name="TextBox 1"/>
           <p:cNvSpPr txBox="1"/>
           <p:nvPr/>
@@ -5452,7 +5237,7 @@
         <p:spPr>
           <a:xfrm>
             <a:off x="295632" y="275007"/>
-            <a:ext cx="3508333" cy="461665"/>
+            <a:ext cx="4250972" cy="461665"/>
           </a:xfrm>
           <a:prstGeom prst="rect">
             <a:avLst/>
@@ -5465,159 +5250,30 @@
           </a:bodyPr>
           <a:lstStyle/>
           <a:p>
-            <a:r>
-              <a:rPr lang="en-US" sz="2400" dirty="0" smtClean="0">
+            <a:r xmlns:a="http://schemas.openxmlformats.org/drawingml/2006/main">
+              <a:rPr lang="en" sz="2400" b="1" dirty="0" err="1" smtClean="0">
                 <a:latin typeface="Segoe UI" panose="020B0502040204020203" pitchFamily="34" charset="0"/>
                 <a:cs typeface="Segoe UI" panose="020B0502040204020203" pitchFamily="34" charset="0"/>
               </a:rPr>
-              <a:t>Working with Data flows</a:t>
-            </a:r>
-            <a:endParaRPr lang="en-US" sz="2400" dirty="0">
+              <a:t>Working </a:t>
+            </a:r>
+            <a:r xmlns:a="http://schemas.openxmlformats.org/drawingml/2006/main">
+              <a:rPr lang="en" sz="2400" b="1" dirty="0" smtClean="0">
+                <a:latin typeface="Segoe UI" panose="020B0502040204020203" pitchFamily="34" charset="0"/>
+                <a:cs typeface="Segoe UI" panose="020B0502040204020203" pitchFamily="34" charset="0"/>
+              </a:rPr>
+              <a:t>with </a:t>
+            </a:r>
+            <a:r xmlns:a="http://schemas.openxmlformats.org/drawingml/2006/main">
+              <a:rPr lang="en" sz="2400" b="1" dirty="0" err="1" smtClean="0">
+                <a:latin typeface="Segoe UI" panose="020B0502040204020203" pitchFamily="34" charset="0"/>
+                <a:cs typeface="Segoe UI" panose="020B0502040204020203" pitchFamily="34" charset="0"/>
+              </a:rPr>
+              <a:t>Dataflows</a:t>
+            </a:r>
+            <a:endParaRPr xmlns:a="http://schemas.openxmlformats.org/drawingml/2006/main" lang="en-US" sz="2400" b="1" dirty="0">
               <a:latin typeface="Segoe UI" panose="020B0502040204020203" pitchFamily="34" charset="0"/>
               <a:cs typeface="Segoe UI" panose="020B0502040204020203" pitchFamily="34" charset="0"/>
-            </a:endParaRPr>
-          </a:p>
-        </p:txBody>
-      </p:sp>
-      <p:sp>
-        <p:nvSpPr>
-          <p:cNvPr id="6" name="Rectangle 5"/>
-          <p:cNvSpPr/>
-          <p:nvPr/>
-        </p:nvSpPr>
-        <p:spPr>
-          <a:xfrm>
-            <a:off x="352926" y="937609"/>
-            <a:ext cx="11706154" cy="787652"/>
-          </a:xfrm>
-          <a:prstGeom prst="rect">
-            <a:avLst/>
-          </a:prstGeom>
-        </p:spPr>
-        <p:txBody>
-          <a:bodyPr wrap="square">
-            <a:spAutoFit/>
-          </a:bodyPr>
-          <a:lstStyle/>
-          <a:p>
-            <a:pPr lvl="0">
-              <a:lnSpc>
-                <a:spcPct val="107000"/>
-              </a:lnSpc>
-              <a:spcAft>
-                <a:spcPts val="800"/>
-              </a:spcAft>
-            </a:pPr>
-            <a:r>
-              <a:rPr lang="en-US" dirty="0">
-                <a:latin typeface="Segoe UI" panose="020B0502040204020203" pitchFamily="34" charset="0"/>
-                <a:ea typeface="Calibri" panose="020F0502020204030204" pitchFamily="34" charset="0"/>
-                <a:cs typeface="Times New Roman" panose="02020603050405020304" pitchFamily="18" charset="0"/>
-              </a:rPr>
-              <a:t>Open a </a:t>
-            </a:r>
-            <a:r>
-              <a:rPr lang="en-US" b="1" dirty="0">
-                <a:latin typeface="Segoe UI" panose="020B0502040204020203" pitchFamily="34" charset="0"/>
-                <a:ea typeface="Calibri" panose="020F0502020204030204" pitchFamily="34" charset="0"/>
-                <a:cs typeface="Times New Roman" panose="02020603050405020304" pitchFamily="18" charset="0"/>
-              </a:rPr>
-              <a:t>Power BI Services session </a:t>
-            </a:r>
-            <a:r>
-              <a:rPr lang="en-US" dirty="0">
-                <a:latin typeface="Segoe UI" panose="020B0502040204020203" pitchFamily="34" charset="0"/>
-                <a:ea typeface="Calibri" panose="020F0502020204030204" pitchFamily="34" charset="0"/>
-                <a:cs typeface="Times New Roman" panose="02020603050405020304" pitchFamily="18" charset="0"/>
-              </a:rPr>
-              <a:t>and open </a:t>
-            </a:r>
-            <a:r>
-              <a:rPr lang="en-US" dirty="0" smtClean="0">
-                <a:latin typeface="Segoe UI" panose="020B0502040204020203" pitchFamily="34" charset="0"/>
-                <a:ea typeface="Calibri" panose="020F0502020204030204" pitchFamily="34" charset="0"/>
-                <a:cs typeface="Times New Roman" panose="02020603050405020304" pitchFamily="18" charset="0"/>
-              </a:rPr>
-              <a:t> the shared </a:t>
-            </a:r>
-            <a:r>
-              <a:rPr lang="en-US" dirty="0">
-                <a:latin typeface="Segoe UI" panose="020B0502040204020203" pitchFamily="34" charset="0"/>
-                <a:ea typeface="Calibri" panose="020F0502020204030204" pitchFamily="34" charset="0"/>
-                <a:cs typeface="Times New Roman" panose="02020603050405020304" pitchFamily="18" charset="0"/>
-              </a:rPr>
-              <a:t>workspace </a:t>
-            </a:r>
-            <a:r>
-              <a:rPr lang="en-US" dirty="0" smtClean="0">
-                <a:latin typeface="Segoe UI" panose="020B0502040204020203" pitchFamily="34" charset="0"/>
-                <a:ea typeface="Calibri" panose="020F0502020204030204" pitchFamily="34" charset="0"/>
-                <a:cs typeface="Times New Roman" panose="02020603050405020304" pitchFamily="18" charset="0"/>
-              </a:rPr>
-              <a:t>, </a:t>
-            </a:r>
-            <a:r>
-              <a:rPr lang="en-US" dirty="0">
-                <a:latin typeface="Segoe UI" panose="020B0502040204020203" pitchFamily="34" charset="0"/>
-                <a:ea typeface="Calibri" panose="020F0502020204030204" pitchFamily="34" charset="0"/>
-                <a:cs typeface="Times New Roman" panose="02020603050405020304" pitchFamily="18" charset="0"/>
-              </a:rPr>
-              <a:t>click </a:t>
-            </a:r>
-            <a:r>
-              <a:rPr lang="en-US" b="1" dirty="0" smtClean="0">
-                <a:latin typeface="Segoe UI" panose="020B0502040204020203" pitchFamily="34" charset="0"/>
-                <a:ea typeface="Calibri" panose="020F0502020204030204" pitchFamily="34" charset="0"/>
-                <a:cs typeface="Times New Roman" panose="02020603050405020304" pitchFamily="18" charset="0"/>
-              </a:rPr>
-              <a:t>                   </a:t>
-            </a:r>
-            <a:r>
-              <a:rPr lang="en-US" dirty="0" smtClean="0">
-                <a:latin typeface="Segoe UI" panose="020B0502040204020203" pitchFamily="34" charset="0"/>
-                <a:ea typeface="Calibri" panose="020F0502020204030204" pitchFamily="34" charset="0"/>
-                <a:cs typeface="Times New Roman" panose="02020603050405020304" pitchFamily="18" charset="0"/>
-              </a:rPr>
-              <a:t>and then</a:t>
-            </a:r>
-          </a:p>
-          <a:p>
-            <a:pPr lvl="0">
-              <a:lnSpc>
-                <a:spcPct val="107000"/>
-              </a:lnSpc>
-              <a:spcAft>
-                <a:spcPts val="800"/>
-              </a:spcAft>
-            </a:pPr>
-            <a:r>
-              <a:rPr lang="en-US" dirty="0" smtClean="0">
-                <a:latin typeface="Segoe UI" panose="020B0502040204020203" pitchFamily="34" charset="0"/>
-                <a:ea typeface="Calibri" panose="020F0502020204030204" pitchFamily="34" charset="0"/>
-                <a:cs typeface="Times New Roman" panose="02020603050405020304" pitchFamily="18" charset="0"/>
-              </a:rPr>
-              <a:t> </a:t>
-            </a:r>
-            <a:r>
-              <a:rPr lang="en-US" dirty="0">
-                <a:latin typeface="Segoe UI" panose="020B0502040204020203" pitchFamily="34" charset="0"/>
-                <a:ea typeface="Calibri" panose="020F0502020204030204" pitchFamily="34" charset="0"/>
-                <a:cs typeface="Times New Roman" panose="02020603050405020304" pitchFamily="18" charset="0"/>
-              </a:rPr>
-              <a:t>choose </a:t>
-            </a:r>
-            <a:r>
-              <a:rPr lang="en-US" b="1" dirty="0" err="1">
-                <a:latin typeface="Segoe UI" panose="020B0502040204020203" pitchFamily="34" charset="0"/>
-                <a:ea typeface="Calibri" panose="020F0502020204030204" pitchFamily="34" charset="0"/>
-                <a:cs typeface="Times New Roman" panose="02020603050405020304" pitchFamily="18" charset="0"/>
-              </a:rPr>
-              <a:t>DataFlow</a:t>
-            </a:r>
-            <a:endParaRPr lang="en-US" dirty="0">
-              <a:latin typeface="Calibri" panose="020F0502020204030204" pitchFamily="34" charset="0"/>
-              <a:ea typeface="Calibri" panose="020F0502020204030204" pitchFamily="34" charset="0"/>
-              <a:cs typeface="Times New Roman" panose="02020603050405020304" pitchFamily="18" charset="0"/>
             </a:endParaRPr>
           </a:p>
         </p:txBody>
@@ -5662,7 +5318,7 @@
         </p:blipFill>
         <p:spPr>
           <a:xfrm>
-            <a:off x="7990276" y="948814"/>
+            <a:off x="2517626" y="1125051"/>
             <a:ext cx="1105054" cy="352474"/>
           </a:xfrm>
           <a:prstGeom prst="rect">
@@ -5709,7 +5365,7 @@
         <p:spPr>
           <a:xfrm>
             <a:off x="295632" y="275007"/>
-            <a:ext cx="3508333" cy="461665"/>
+            <a:ext cx="4250972" cy="461665"/>
           </a:xfrm>
           <a:prstGeom prst="rect">
             <a:avLst/>
@@ -5722,61 +5378,30 @@
           </a:bodyPr>
           <a:lstStyle/>
           <a:p>
-            <a:r>
-              <a:rPr lang="en-US" sz="2400" dirty="0" smtClean="0">
+            <a:r xmlns:a="http://schemas.openxmlformats.org/drawingml/2006/main">
+              <a:rPr lang="en" sz="2400" b="1" dirty="0" err="1" smtClean="0">
                 <a:latin typeface="Segoe UI" panose="020B0502040204020203" pitchFamily="34" charset="0"/>
                 <a:cs typeface="Segoe UI" panose="020B0502040204020203" pitchFamily="34" charset="0"/>
               </a:rPr>
-              <a:t>Working with Data flows</a:t>
-            </a:r>
-            <a:endParaRPr lang="en-US" sz="2400" dirty="0">
+              <a:t>Working </a:t>
+            </a:r>
+            <a:r xmlns:a="http://schemas.openxmlformats.org/drawingml/2006/main">
+              <a:rPr lang="en" sz="2400" b="1" dirty="0" smtClean="0">
+                <a:latin typeface="Segoe UI" panose="020B0502040204020203" pitchFamily="34" charset="0"/>
+                <a:cs typeface="Segoe UI" panose="020B0502040204020203" pitchFamily="34" charset="0"/>
+              </a:rPr>
+              <a:t>with </a:t>
+            </a:r>
+            <a:r xmlns:a="http://schemas.openxmlformats.org/drawingml/2006/main">
+              <a:rPr lang="en" sz="2400" b="1" dirty="0" err="1" smtClean="0">
+                <a:latin typeface="Segoe UI" panose="020B0502040204020203" pitchFamily="34" charset="0"/>
+                <a:cs typeface="Segoe UI" panose="020B0502040204020203" pitchFamily="34" charset="0"/>
+              </a:rPr>
+              <a:t>Dataflows</a:t>
+            </a:r>
+            <a:endParaRPr xmlns:a="http://schemas.openxmlformats.org/drawingml/2006/main" lang="en-US" sz="2400" b="1" dirty="0">
               <a:latin typeface="Segoe UI" panose="020B0502040204020203" pitchFamily="34" charset="0"/>
               <a:cs typeface="Segoe UI" panose="020B0502040204020203" pitchFamily="34" charset="0"/>
-            </a:endParaRPr>
-          </a:p>
-        </p:txBody>
-      </p:sp>
-      <p:sp>
-        <p:nvSpPr>
-          <p:cNvPr id="6" name="Rectangle 5"/>
-          <p:cNvSpPr/>
-          <p:nvPr/>
-        </p:nvSpPr>
-        <p:spPr>
-          <a:xfrm>
-            <a:off x="352926" y="937609"/>
-            <a:ext cx="11706154" cy="373692"/>
-          </a:xfrm>
-          <a:prstGeom prst="rect">
-            <a:avLst/>
-          </a:prstGeom>
-        </p:spPr>
-        <p:txBody>
-          <a:bodyPr wrap="square">
-            <a:spAutoFit/>
-          </a:bodyPr>
-          <a:lstStyle/>
-          <a:p>
-            <a:pPr lvl="0">
-              <a:lnSpc>
-                <a:spcPct val="107000"/>
-              </a:lnSpc>
-              <a:spcAft>
-                <a:spcPts val="800"/>
-              </a:spcAft>
-            </a:pPr>
-            <a:r>
-              <a:rPr lang="en-US" dirty="0" smtClean="0">
-                <a:latin typeface="Segoe UI" panose="020B0502040204020203" pitchFamily="34" charset="0"/>
-                <a:ea typeface="Calibri" panose="020F0502020204030204" pitchFamily="34" charset="0"/>
-                <a:cs typeface="Times New Roman" panose="02020603050405020304" pitchFamily="18" charset="0"/>
-              </a:rPr>
-              <a:t>Here is some key differences between the both dataflow versions</a:t>
-            </a:r>
-            <a:endParaRPr lang="en-US" dirty="0">
-              <a:latin typeface="Calibri" panose="020F0502020204030204" pitchFamily="34" charset="0"/>
-              <a:ea typeface="Calibri" panose="020F0502020204030204" pitchFamily="34" charset="0"/>
-              <a:cs typeface="Times New Roman" panose="02020603050405020304" pitchFamily="18" charset="0"/>
             </a:endParaRPr>
           </a:p>
         </p:txBody>
@@ -5797,7 +5422,7 @@
         </p:blipFill>
         <p:spPr>
           <a:xfrm>
-            <a:off x="413619" y="1420547"/>
+            <a:off x="378134" y="1451211"/>
             <a:ext cx="9449954" cy="3488003"/>
           </a:xfrm>
           <a:prstGeom prst="rect">
@@ -5805,6 +5430,43 @@
           </a:prstGeom>
         </p:spPr>
       </p:pic>
+      <p:sp>
+        <p:nvSpPr>
+          <p:cNvPr id="4" name="Rectangle 3"/>
+          <p:cNvSpPr/>
+          <p:nvPr/>
+        </p:nvSpPr>
+        <p:spPr>
+          <a:xfrm>
+            <a:off x="378134" y="859621"/>
+            <a:ext cx="8600861" cy="400110"/>
+          </a:xfrm>
+          <a:prstGeom prst="rect">
+            <a:avLst/>
+          </a:prstGeom>
+        </p:spPr>
+        <p:txBody>
+          <a:bodyPr wrap="square">
+            <a:spAutoFit/>
+          </a:bodyPr>
+          <a:lstStyle/>
+          <a:p>
+            <a:r xmlns:a="http://schemas.openxmlformats.org/drawingml/2006/main">
+              <a:rPr lang="en" sz="2000" dirty="0"/>
+              <a:t>Here are some key differences between the two versions of </a:t>
+            </a:r>
+            <a:r xmlns:a="http://schemas.openxmlformats.org/drawingml/2006/main">
+              <a:rPr lang="en" sz="2000" b="1" dirty="0" err="1"/>
+              <a:t>DataFlow </a:t>
+            </a:r>
+            <a:r xmlns:a="http://schemas.openxmlformats.org/drawingml/2006/main">
+              <a:rPr lang="en" sz="2000" dirty="0"/>
+              <a:t>.</a:t>
+            </a:r>
+            <a:endParaRPr xmlns:a="http://schemas.openxmlformats.org/drawingml/2006/main" lang="en-US" sz="2000" dirty="0"/>
+          </a:p>
+        </p:txBody>
+      </p:sp>
     </p:spTree>
     <p:extLst>
       <p:ext uri="{BB962C8B-B14F-4D97-AF65-F5344CB8AC3E}">
@@ -5844,7 +5506,7 @@
         <p:spPr>
           <a:xfrm>
             <a:off x="295632" y="275007"/>
-            <a:ext cx="3508333" cy="461665"/>
+            <a:ext cx="4250972" cy="461665"/>
           </a:xfrm>
           <a:prstGeom prst="rect">
             <a:avLst/>
@@ -5857,159 +5519,30 @@
           </a:bodyPr>
           <a:lstStyle/>
           <a:p>
-            <a:r>
-              <a:rPr lang="en-US" sz="2400" dirty="0" smtClean="0">
+            <a:r xmlns:a="http://schemas.openxmlformats.org/drawingml/2006/main">
+              <a:rPr lang="en" sz="2400" b="1" dirty="0" err="1" smtClean="0">
                 <a:latin typeface="Segoe UI" panose="020B0502040204020203" pitchFamily="34" charset="0"/>
                 <a:cs typeface="Segoe UI" panose="020B0502040204020203" pitchFamily="34" charset="0"/>
               </a:rPr>
-              <a:t>Working with Data flows</a:t>
-            </a:r>
-            <a:endParaRPr lang="en-US" sz="2400" dirty="0">
+              <a:t>Working </a:t>
+            </a:r>
+            <a:r xmlns:a="http://schemas.openxmlformats.org/drawingml/2006/main">
+              <a:rPr lang="en" sz="2400" b="1" dirty="0" smtClean="0">
+                <a:latin typeface="Segoe UI" panose="020B0502040204020203" pitchFamily="34" charset="0"/>
+                <a:cs typeface="Segoe UI" panose="020B0502040204020203" pitchFamily="34" charset="0"/>
+              </a:rPr>
+              <a:t>with </a:t>
+            </a:r>
+            <a:r xmlns:a="http://schemas.openxmlformats.org/drawingml/2006/main">
+              <a:rPr lang="en" sz="2400" b="1" dirty="0" err="1" smtClean="0">
+                <a:latin typeface="Segoe UI" panose="020B0502040204020203" pitchFamily="34" charset="0"/>
+                <a:cs typeface="Segoe UI" panose="020B0502040204020203" pitchFamily="34" charset="0"/>
+              </a:rPr>
+              <a:t>Dataflows</a:t>
+            </a:r>
+            <a:endParaRPr xmlns:a="http://schemas.openxmlformats.org/drawingml/2006/main" lang="en-US" sz="2400" b="1" dirty="0">
               <a:latin typeface="Segoe UI" panose="020B0502040204020203" pitchFamily="34" charset="0"/>
               <a:cs typeface="Segoe UI" panose="020B0502040204020203" pitchFamily="34" charset="0"/>
-            </a:endParaRPr>
-          </a:p>
-        </p:txBody>
-      </p:sp>
-      <p:sp>
-        <p:nvSpPr>
-          <p:cNvPr id="6" name="Rectangle 5"/>
-          <p:cNvSpPr/>
-          <p:nvPr/>
-        </p:nvSpPr>
-        <p:spPr>
-          <a:xfrm>
-            <a:off x="352926" y="937609"/>
-            <a:ext cx="11706154" cy="787652"/>
-          </a:xfrm>
-          <a:prstGeom prst="rect">
-            <a:avLst/>
-          </a:prstGeom>
-        </p:spPr>
-        <p:txBody>
-          <a:bodyPr wrap="square">
-            <a:spAutoFit/>
-          </a:bodyPr>
-          <a:lstStyle/>
-          <a:p>
-            <a:pPr lvl="0">
-              <a:lnSpc>
-                <a:spcPct val="107000"/>
-              </a:lnSpc>
-              <a:spcAft>
-                <a:spcPts val="800"/>
-              </a:spcAft>
-            </a:pPr>
-            <a:r>
-              <a:rPr lang="en-US" dirty="0">
-                <a:latin typeface="Segoe UI" panose="020B0502040204020203" pitchFamily="34" charset="0"/>
-                <a:ea typeface="Calibri" panose="020F0502020204030204" pitchFamily="34" charset="0"/>
-                <a:cs typeface="Times New Roman" panose="02020603050405020304" pitchFamily="18" charset="0"/>
-              </a:rPr>
-              <a:t>Open a </a:t>
-            </a:r>
-            <a:r>
-              <a:rPr lang="en-US" b="1" dirty="0">
-                <a:latin typeface="Segoe UI" panose="020B0502040204020203" pitchFamily="34" charset="0"/>
-                <a:ea typeface="Calibri" panose="020F0502020204030204" pitchFamily="34" charset="0"/>
-                <a:cs typeface="Times New Roman" panose="02020603050405020304" pitchFamily="18" charset="0"/>
-              </a:rPr>
-              <a:t>Power BI Services session </a:t>
-            </a:r>
-            <a:r>
-              <a:rPr lang="en-US" dirty="0">
-                <a:latin typeface="Segoe UI" panose="020B0502040204020203" pitchFamily="34" charset="0"/>
-                <a:ea typeface="Calibri" panose="020F0502020204030204" pitchFamily="34" charset="0"/>
-                <a:cs typeface="Times New Roman" panose="02020603050405020304" pitchFamily="18" charset="0"/>
-              </a:rPr>
-              <a:t>and open </a:t>
-            </a:r>
-            <a:r>
-              <a:rPr lang="en-US" dirty="0" smtClean="0">
-                <a:latin typeface="Segoe UI" panose="020B0502040204020203" pitchFamily="34" charset="0"/>
-                <a:ea typeface="Calibri" panose="020F0502020204030204" pitchFamily="34" charset="0"/>
-                <a:cs typeface="Times New Roman" panose="02020603050405020304" pitchFamily="18" charset="0"/>
-              </a:rPr>
-              <a:t> the shared </a:t>
-            </a:r>
-            <a:r>
-              <a:rPr lang="en-US" dirty="0">
-                <a:latin typeface="Segoe UI" panose="020B0502040204020203" pitchFamily="34" charset="0"/>
-                <a:ea typeface="Calibri" panose="020F0502020204030204" pitchFamily="34" charset="0"/>
-                <a:cs typeface="Times New Roman" panose="02020603050405020304" pitchFamily="18" charset="0"/>
-              </a:rPr>
-              <a:t>workspace </a:t>
-            </a:r>
-            <a:r>
-              <a:rPr lang="en-US" dirty="0" smtClean="0">
-                <a:latin typeface="Segoe UI" panose="020B0502040204020203" pitchFamily="34" charset="0"/>
-                <a:ea typeface="Calibri" panose="020F0502020204030204" pitchFamily="34" charset="0"/>
-                <a:cs typeface="Times New Roman" panose="02020603050405020304" pitchFamily="18" charset="0"/>
-              </a:rPr>
-              <a:t>, </a:t>
-            </a:r>
-            <a:r>
-              <a:rPr lang="en-US" dirty="0">
-                <a:latin typeface="Segoe UI" panose="020B0502040204020203" pitchFamily="34" charset="0"/>
-                <a:ea typeface="Calibri" panose="020F0502020204030204" pitchFamily="34" charset="0"/>
-                <a:cs typeface="Times New Roman" panose="02020603050405020304" pitchFamily="18" charset="0"/>
-              </a:rPr>
-              <a:t>click </a:t>
-            </a:r>
-            <a:r>
-              <a:rPr lang="en-US" b="1" dirty="0" smtClean="0">
-                <a:latin typeface="Segoe UI" panose="020B0502040204020203" pitchFamily="34" charset="0"/>
-                <a:ea typeface="Calibri" panose="020F0502020204030204" pitchFamily="34" charset="0"/>
-                <a:cs typeface="Times New Roman" panose="02020603050405020304" pitchFamily="18" charset="0"/>
-              </a:rPr>
-              <a:t>                   </a:t>
-            </a:r>
-            <a:r>
-              <a:rPr lang="en-US" dirty="0" smtClean="0">
-                <a:latin typeface="Segoe UI" panose="020B0502040204020203" pitchFamily="34" charset="0"/>
-                <a:ea typeface="Calibri" panose="020F0502020204030204" pitchFamily="34" charset="0"/>
-                <a:cs typeface="Times New Roman" panose="02020603050405020304" pitchFamily="18" charset="0"/>
-              </a:rPr>
-              <a:t>and then</a:t>
-            </a:r>
-          </a:p>
-          <a:p>
-            <a:pPr lvl="0">
-              <a:lnSpc>
-                <a:spcPct val="107000"/>
-              </a:lnSpc>
-              <a:spcAft>
-                <a:spcPts val="800"/>
-              </a:spcAft>
-            </a:pPr>
-            <a:r>
-              <a:rPr lang="en-US" dirty="0" smtClean="0">
-                <a:latin typeface="Segoe UI" panose="020B0502040204020203" pitchFamily="34" charset="0"/>
-                <a:ea typeface="Calibri" panose="020F0502020204030204" pitchFamily="34" charset="0"/>
-                <a:cs typeface="Times New Roman" panose="02020603050405020304" pitchFamily="18" charset="0"/>
-              </a:rPr>
-              <a:t> </a:t>
-            </a:r>
-            <a:r>
-              <a:rPr lang="en-US" dirty="0">
-                <a:latin typeface="Segoe UI" panose="020B0502040204020203" pitchFamily="34" charset="0"/>
-                <a:ea typeface="Calibri" panose="020F0502020204030204" pitchFamily="34" charset="0"/>
-                <a:cs typeface="Times New Roman" panose="02020603050405020304" pitchFamily="18" charset="0"/>
-              </a:rPr>
-              <a:t>choose </a:t>
-            </a:r>
-            <a:r>
-              <a:rPr lang="en-US" b="1" dirty="0" err="1">
-                <a:latin typeface="Segoe UI" panose="020B0502040204020203" pitchFamily="34" charset="0"/>
-                <a:ea typeface="Calibri" panose="020F0502020204030204" pitchFamily="34" charset="0"/>
-                <a:cs typeface="Times New Roman" panose="02020603050405020304" pitchFamily="18" charset="0"/>
-              </a:rPr>
-              <a:t>DataFlow</a:t>
-            </a:r>
-            <a:endParaRPr lang="en-US" dirty="0">
-              <a:latin typeface="Calibri" panose="020F0502020204030204" pitchFamily="34" charset="0"/>
-              <a:ea typeface="Calibri" panose="020F0502020204030204" pitchFamily="34" charset="0"/>
-              <a:cs typeface="Times New Roman" panose="02020603050405020304" pitchFamily="18" charset="0"/>
             </a:endParaRPr>
           </a:p>
         </p:txBody>
@@ -6054,7 +5587,7 @@
         </p:blipFill>
         <p:spPr>
           <a:xfrm>
-            <a:off x="7990276" y="948814"/>
+            <a:off x="5508333" y="1255770"/>
             <a:ext cx="1105054" cy="352474"/>
           </a:xfrm>
           <a:prstGeom prst="rect">
@@ -6062,6 +5595,59 @@
           </a:prstGeom>
         </p:spPr>
       </p:pic>
+      <p:sp>
+        <p:nvSpPr>
+          <p:cNvPr id="3" name="Rectangle 2"/>
+          <p:cNvSpPr/>
+          <p:nvPr/>
+        </p:nvSpPr>
+        <p:spPr>
+          <a:xfrm>
+            <a:off x="295632" y="878274"/>
+            <a:ext cx="7694644" cy="707886"/>
+          </a:xfrm>
+          <a:prstGeom prst="rect">
+            <a:avLst/>
+          </a:prstGeom>
+        </p:spPr>
+        <p:txBody>
+          <a:bodyPr wrap="square">
+            <a:spAutoFit/>
+          </a:bodyPr>
+          <a:lstStyle/>
+          <a:p>
+            <a:r xmlns:a="http://schemas.openxmlformats.org/drawingml/2006/main">
+              <a:rPr lang="en" sz="2000" b="1" dirty="0"/>
+              <a:t>Power BI Services </a:t>
+            </a:r>
+            <a:r xmlns:a="http://schemas.openxmlformats.org/drawingml/2006/main">
+              <a:rPr lang="en" sz="2000" dirty="0"/>
+              <a:t>session </a:t>
+            </a:r>
+            <a:r xmlns:a="http://schemas.openxmlformats.org/drawingml/2006/main">
+              <a:rPr lang="en" sz="2000" dirty="0"/>
+              <a:t>, navigate to the shared workspace, click </a:t>
+            </a:r>
+            <a:r xmlns:a="http://schemas.openxmlformats.org/drawingml/2006/main">
+              <a:rPr lang="en" sz="2000" b="1" dirty="0"/>
+              <a:t>... </a:t>
+            </a:r>
+            <a:r xmlns:a="http://schemas.openxmlformats.org/drawingml/2006/main">
+              <a:rPr lang="en" sz="2000" dirty="0"/>
+              <a:t>, and then choose </a:t>
+            </a:r>
+            <a:r xmlns:a="http://schemas.openxmlformats.org/drawingml/2006/main">
+              <a:rPr lang="en" sz="2000" b="1" dirty="0" err="1"/>
+              <a:t>DataFlow </a:t>
+            </a:r>
+            <a:r xmlns:a="http://schemas.openxmlformats.org/drawingml/2006/main">
+              <a:rPr lang="en" sz="2000" dirty="0"/>
+              <a:t>.</a:t>
+            </a:r>
+            <a:endParaRPr xmlns:a="http://schemas.openxmlformats.org/drawingml/2006/main" lang="en-US" sz="2000" dirty="0"/>
+          </a:p>
+        </p:txBody>
+      </p:sp>
     </p:spTree>
     <p:extLst>
       <p:ext uri="{BB962C8B-B14F-4D97-AF65-F5344CB8AC3E}">
@@ -6101,7 +5687,7 @@
         <p:spPr>
           <a:xfrm>
             <a:off x="295632" y="275007"/>
-            <a:ext cx="3508333" cy="461665"/>
+            <a:ext cx="4250972" cy="461665"/>
           </a:xfrm>
           <a:prstGeom prst="rect">
             <a:avLst/>
@@ -6114,159 +5700,30 @@
           </a:bodyPr>
           <a:lstStyle/>
           <a:p>
-            <a:r>
-              <a:rPr lang="en-US" sz="2400" dirty="0" smtClean="0">
+            <a:r xmlns:a="http://schemas.openxmlformats.org/drawingml/2006/main">
+              <a:rPr lang="en" sz="2400" b="1" dirty="0" err="1" smtClean="0">
                 <a:latin typeface="Segoe UI" panose="020B0502040204020203" pitchFamily="34" charset="0"/>
                 <a:cs typeface="Segoe UI" panose="020B0502040204020203" pitchFamily="34" charset="0"/>
               </a:rPr>
-              <a:t>Working with Data flows</a:t>
-            </a:r>
-            <a:endParaRPr lang="en-US" sz="2400" dirty="0">
+              <a:t>Working </a:t>
+            </a:r>
+            <a:r xmlns:a="http://schemas.openxmlformats.org/drawingml/2006/main">
+              <a:rPr lang="en" sz="2400" b="1" dirty="0" smtClean="0">
+                <a:latin typeface="Segoe UI" panose="020B0502040204020203" pitchFamily="34" charset="0"/>
+                <a:cs typeface="Segoe UI" panose="020B0502040204020203" pitchFamily="34" charset="0"/>
+              </a:rPr>
+              <a:t>with </a:t>
+            </a:r>
+            <a:r xmlns:a="http://schemas.openxmlformats.org/drawingml/2006/main">
+              <a:rPr lang="en" sz="2400" b="1" dirty="0" err="1" smtClean="0">
+                <a:latin typeface="Segoe UI" panose="020B0502040204020203" pitchFamily="34" charset="0"/>
+                <a:cs typeface="Segoe UI" panose="020B0502040204020203" pitchFamily="34" charset="0"/>
+              </a:rPr>
+              <a:t>Dataflows</a:t>
+            </a:r>
+            <a:endParaRPr xmlns:a="http://schemas.openxmlformats.org/drawingml/2006/main" lang="en-US" sz="2400" b="1" dirty="0">
               <a:latin typeface="Segoe UI" panose="020B0502040204020203" pitchFamily="34" charset="0"/>
               <a:cs typeface="Segoe UI" panose="020B0502040204020203" pitchFamily="34" charset="0"/>
-            </a:endParaRPr>
-          </a:p>
-        </p:txBody>
-      </p:sp>
-      <p:sp>
-        <p:nvSpPr>
-          <p:cNvPr id="6" name="Rectangle 5"/>
-          <p:cNvSpPr/>
-          <p:nvPr/>
-        </p:nvSpPr>
-        <p:spPr>
-          <a:xfrm>
-            <a:off x="352926" y="937609"/>
-            <a:ext cx="11706154" cy="787652"/>
-          </a:xfrm>
-          <a:prstGeom prst="rect">
-            <a:avLst/>
-          </a:prstGeom>
-        </p:spPr>
-        <p:txBody>
-          <a:bodyPr wrap="square">
-            <a:spAutoFit/>
-          </a:bodyPr>
-          <a:lstStyle/>
-          <a:p>
-            <a:pPr lvl="0">
-              <a:lnSpc>
-                <a:spcPct val="107000"/>
-              </a:lnSpc>
-              <a:spcAft>
-                <a:spcPts val="800"/>
-              </a:spcAft>
-            </a:pPr>
-            <a:r>
-              <a:rPr lang="en-US" dirty="0">
-                <a:latin typeface="Segoe UI" panose="020B0502040204020203" pitchFamily="34" charset="0"/>
-                <a:ea typeface="Calibri" panose="020F0502020204030204" pitchFamily="34" charset="0"/>
-                <a:cs typeface="Times New Roman" panose="02020603050405020304" pitchFamily="18" charset="0"/>
-              </a:rPr>
-              <a:t>Open a </a:t>
-            </a:r>
-            <a:r>
-              <a:rPr lang="en-US" b="1" dirty="0">
-                <a:latin typeface="Segoe UI" panose="020B0502040204020203" pitchFamily="34" charset="0"/>
-                <a:ea typeface="Calibri" panose="020F0502020204030204" pitchFamily="34" charset="0"/>
-                <a:cs typeface="Times New Roman" panose="02020603050405020304" pitchFamily="18" charset="0"/>
-              </a:rPr>
-              <a:t>Power BI Services session </a:t>
-            </a:r>
-            <a:r>
-              <a:rPr lang="en-US" dirty="0">
-                <a:latin typeface="Segoe UI" panose="020B0502040204020203" pitchFamily="34" charset="0"/>
-                <a:ea typeface="Calibri" panose="020F0502020204030204" pitchFamily="34" charset="0"/>
-                <a:cs typeface="Times New Roman" panose="02020603050405020304" pitchFamily="18" charset="0"/>
-              </a:rPr>
-              <a:t>and open </a:t>
-            </a:r>
-            <a:r>
-              <a:rPr lang="en-US" dirty="0" smtClean="0">
-                <a:latin typeface="Segoe UI" panose="020B0502040204020203" pitchFamily="34" charset="0"/>
-                <a:ea typeface="Calibri" panose="020F0502020204030204" pitchFamily="34" charset="0"/>
-                <a:cs typeface="Times New Roman" panose="02020603050405020304" pitchFamily="18" charset="0"/>
-              </a:rPr>
-              <a:t> the shared </a:t>
-            </a:r>
-            <a:r>
-              <a:rPr lang="en-US" dirty="0">
-                <a:latin typeface="Segoe UI" panose="020B0502040204020203" pitchFamily="34" charset="0"/>
-                <a:ea typeface="Calibri" panose="020F0502020204030204" pitchFamily="34" charset="0"/>
-                <a:cs typeface="Times New Roman" panose="02020603050405020304" pitchFamily="18" charset="0"/>
-              </a:rPr>
-              <a:t>workspace </a:t>
-            </a:r>
-            <a:r>
-              <a:rPr lang="en-US" dirty="0" smtClean="0">
-                <a:latin typeface="Segoe UI" panose="020B0502040204020203" pitchFamily="34" charset="0"/>
-                <a:ea typeface="Calibri" panose="020F0502020204030204" pitchFamily="34" charset="0"/>
-                <a:cs typeface="Times New Roman" panose="02020603050405020304" pitchFamily="18" charset="0"/>
-              </a:rPr>
-              <a:t>, </a:t>
-            </a:r>
-            <a:r>
-              <a:rPr lang="en-US" dirty="0">
-                <a:latin typeface="Segoe UI" panose="020B0502040204020203" pitchFamily="34" charset="0"/>
-                <a:ea typeface="Calibri" panose="020F0502020204030204" pitchFamily="34" charset="0"/>
-                <a:cs typeface="Times New Roman" panose="02020603050405020304" pitchFamily="18" charset="0"/>
-              </a:rPr>
-              <a:t>click </a:t>
-            </a:r>
-            <a:r>
-              <a:rPr lang="en-US" b="1" dirty="0" smtClean="0">
-                <a:latin typeface="Segoe UI" panose="020B0502040204020203" pitchFamily="34" charset="0"/>
-                <a:ea typeface="Calibri" panose="020F0502020204030204" pitchFamily="34" charset="0"/>
-                <a:cs typeface="Times New Roman" panose="02020603050405020304" pitchFamily="18" charset="0"/>
-              </a:rPr>
-              <a:t>                   </a:t>
-            </a:r>
-            <a:r>
-              <a:rPr lang="en-US" dirty="0" smtClean="0">
-                <a:latin typeface="Segoe UI" panose="020B0502040204020203" pitchFamily="34" charset="0"/>
-                <a:ea typeface="Calibri" panose="020F0502020204030204" pitchFamily="34" charset="0"/>
-                <a:cs typeface="Times New Roman" panose="02020603050405020304" pitchFamily="18" charset="0"/>
-              </a:rPr>
-              <a:t>and then</a:t>
-            </a:r>
-          </a:p>
-          <a:p>
-            <a:pPr lvl="0">
-              <a:lnSpc>
-                <a:spcPct val="107000"/>
-              </a:lnSpc>
-              <a:spcAft>
-                <a:spcPts val="800"/>
-              </a:spcAft>
-            </a:pPr>
-            <a:r>
-              <a:rPr lang="en-US" dirty="0" smtClean="0">
-                <a:latin typeface="Segoe UI" panose="020B0502040204020203" pitchFamily="34" charset="0"/>
-                <a:ea typeface="Calibri" panose="020F0502020204030204" pitchFamily="34" charset="0"/>
-                <a:cs typeface="Times New Roman" panose="02020603050405020304" pitchFamily="18" charset="0"/>
-              </a:rPr>
-              <a:t> </a:t>
-            </a:r>
-            <a:r>
-              <a:rPr lang="en-US" dirty="0">
-                <a:latin typeface="Segoe UI" panose="020B0502040204020203" pitchFamily="34" charset="0"/>
-                <a:ea typeface="Calibri" panose="020F0502020204030204" pitchFamily="34" charset="0"/>
-                <a:cs typeface="Times New Roman" panose="02020603050405020304" pitchFamily="18" charset="0"/>
-              </a:rPr>
-              <a:t>choose </a:t>
-            </a:r>
-            <a:r>
-              <a:rPr lang="en-US" b="1" dirty="0" err="1">
-                <a:latin typeface="Segoe UI" panose="020B0502040204020203" pitchFamily="34" charset="0"/>
-                <a:ea typeface="Calibri" panose="020F0502020204030204" pitchFamily="34" charset="0"/>
-                <a:cs typeface="Times New Roman" panose="02020603050405020304" pitchFamily="18" charset="0"/>
-              </a:rPr>
-              <a:t>DataFlow</a:t>
-            </a:r>
-            <a:endParaRPr lang="en-US" dirty="0">
-              <a:latin typeface="Calibri" panose="020F0502020204030204" pitchFamily="34" charset="0"/>
-              <a:ea typeface="Calibri" panose="020F0502020204030204" pitchFamily="34" charset="0"/>
-              <a:cs typeface="Times New Roman" panose="02020603050405020304" pitchFamily="18" charset="0"/>
             </a:endParaRPr>
           </a:p>
         </p:txBody>
@@ -6287,7 +5744,7 @@
         </p:blipFill>
         <p:spPr>
           <a:xfrm>
-            <a:off x="7990276" y="948814"/>
+            <a:off x="2609696" y="1174407"/>
             <a:ext cx="1105054" cy="352474"/>
           </a:xfrm>
           <a:prstGeom prst="rect">
@@ -6363,6 +5820,59 @@
           </a:effectLst>
         </p:spPr>
       </p:pic>
+      <p:sp>
+        <p:nvSpPr>
+          <p:cNvPr id="5" name="Rectangle 4"/>
+          <p:cNvSpPr/>
+          <p:nvPr/>
+        </p:nvSpPr>
+        <p:spPr>
+          <a:xfrm>
+            <a:off x="295631" y="818995"/>
+            <a:ext cx="10986551" cy="707886"/>
+          </a:xfrm>
+          <a:prstGeom prst="rect">
+            <a:avLst/>
+          </a:prstGeom>
+        </p:spPr>
+        <p:txBody>
+          <a:bodyPr wrap="square">
+            <a:spAutoFit/>
+          </a:bodyPr>
+          <a:lstStyle/>
+          <a:p>
+            <a:r xmlns:a="http://schemas.openxmlformats.org/drawingml/2006/main">
+              <a:rPr lang="en" sz="2000" b="1" dirty="0"/>
+              <a:t>Power BI Services </a:t>
+            </a:r>
+            <a:r xmlns:a="http://schemas.openxmlformats.org/drawingml/2006/main">
+              <a:rPr lang="en" sz="2000" dirty="0"/>
+              <a:t>session </a:t>
+            </a:r>
+            <a:r xmlns:a="http://schemas.openxmlformats.org/drawingml/2006/main">
+              <a:rPr lang="en" sz="2000" dirty="0"/>
+              <a:t>, navigate to the shared workspace, click </a:t>
+            </a:r>
+            <a:r xmlns:a="http://schemas.openxmlformats.org/drawingml/2006/main">
+              <a:rPr lang="en" sz="2000" b="1" dirty="0"/>
+              <a:t>... </a:t>
+            </a:r>
+            <a:r xmlns:a="http://schemas.openxmlformats.org/drawingml/2006/main">
+              <a:rPr lang="en" sz="2000" dirty="0"/>
+              <a:t>, and then choose </a:t>
+            </a:r>
+            <a:r xmlns:a="http://schemas.openxmlformats.org/drawingml/2006/main">
+              <a:rPr lang="en" sz="2000" b="1" dirty="0" err="1"/>
+              <a:t>DataFlow </a:t>
+            </a:r>
+            <a:r xmlns:a="http://schemas.openxmlformats.org/drawingml/2006/main">
+              <a:rPr lang="en" sz="2000" dirty="0"/>
+              <a:t>.</a:t>
+            </a:r>
+            <a:endParaRPr xmlns:a="http://schemas.openxmlformats.org/drawingml/2006/main" lang="en-US" sz="2000" dirty="0"/>
+          </a:p>
+        </p:txBody>
+      </p:sp>
     </p:spTree>
     <p:extLst>
       <p:ext uri="{BB962C8B-B14F-4D97-AF65-F5344CB8AC3E}">
@@ -6402,7 +5912,7 @@
         <p:spPr>
           <a:xfrm>
             <a:off x="295632" y="275007"/>
-            <a:ext cx="3508333" cy="461665"/>
+            <a:ext cx="4250972" cy="461665"/>
           </a:xfrm>
           <a:prstGeom prst="rect">
             <a:avLst/>
@@ -6415,61 +5925,30 @@
           </a:bodyPr>
           <a:lstStyle/>
           <a:p>
-            <a:r>
-              <a:rPr lang="en-US" sz="2400" dirty="0" smtClean="0">
+            <a:r xmlns:a="http://schemas.openxmlformats.org/drawingml/2006/main">
+              <a:rPr lang="en" sz="2400" b="1" dirty="0" err="1" smtClean="0">
                 <a:latin typeface="Segoe UI" panose="020B0502040204020203" pitchFamily="34" charset="0"/>
                 <a:cs typeface="Segoe UI" panose="020B0502040204020203" pitchFamily="34" charset="0"/>
               </a:rPr>
-              <a:t>Working with Data flows</a:t>
-            </a:r>
-            <a:endParaRPr lang="en-US" sz="2400" dirty="0">
+              <a:t>Working </a:t>
+            </a:r>
+            <a:r xmlns:a="http://schemas.openxmlformats.org/drawingml/2006/main">
+              <a:rPr lang="en" sz="2400" b="1" dirty="0" smtClean="0">
+                <a:latin typeface="Segoe UI" panose="020B0502040204020203" pitchFamily="34" charset="0"/>
+                <a:cs typeface="Segoe UI" panose="020B0502040204020203" pitchFamily="34" charset="0"/>
+              </a:rPr>
+              <a:t>with </a:t>
+            </a:r>
+            <a:r xmlns:a="http://schemas.openxmlformats.org/drawingml/2006/main">
+              <a:rPr lang="en" sz="2400" b="1" dirty="0" err="1" smtClean="0">
+                <a:latin typeface="Segoe UI" panose="020B0502040204020203" pitchFamily="34" charset="0"/>
+                <a:cs typeface="Segoe UI" panose="020B0502040204020203" pitchFamily="34" charset="0"/>
+              </a:rPr>
+              <a:t>Dataflows</a:t>
+            </a:r>
+            <a:endParaRPr xmlns:a="http://schemas.openxmlformats.org/drawingml/2006/main" lang="en-US" sz="2400" b="1" dirty="0">
               <a:latin typeface="Segoe UI" panose="020B0502040204020203" pitchFamily="34" charset="0"/>
               <a:cs typeface="Segoe UI" panose="020B0502040204020203" pitchFamily="34" charset="0"/>
-            </a:endParaRPr>
-          </a:p>
-        </p:txBody>
-      </p:sp>
-      <p:sp>
-        <p:nvSpPr>
-          <p:cNvPr id="6" name="Rectangle 5"/>
-          <p:cNvSpPr/>
-          <p:nvPr/>
-        </p:nvSpPr>
-        <p:spPr>
-          <a:xfrm>
-            <a:off x="352926" y="937609"/>
-            <a:ext cx="11706154" cy="373692"/>
-          </a:xfrm>
-          <a:prstGeom prst="rect">
-            <a:avLst/>
-          </a:prstGeom>
-        </p:spPr>
-        <p:txBody>
-          <a:bodyPr wrap="square">
-            <a:spAutoFit/>
-          </a:bodyPr>
-          <a:lstStyle/>
-          <a:p>
-            <a:pPr lvl="0">
-              <a:lnSpc>
-                <a:spcPct val="107000"/>
-              </a:lnSpc>
-              <a:spcAft>
-                <a:spcPts val="800"/>
-              </a:spcAft>
-            </a:pPr>
-            <a:r>
-              <a:rPr lang="en-US" dirty="0" smtClean="0">
-                <a:latin typeface="Segoe UI" panose="020B0502040204020203" pitchFamily="34" charset="0"/>
-                <a:ea typeface="Calibri" panose="020F0502020204030204" pitchFamily="34" charset="0"/>
-                <a:cs typeface="Times New Roman" panose="02020603050405020304" pitchFamily="18" charset="0"/>
-              </a:rPr>
-              <a:t>Note that we have  a similar to Power BI Desktop environment</a:t>
-            </a:r>
-            <a:endParaRPr lang="en-US" dirty="0">
-              <a:latin typeface="Calibri" panose="020F0502020204030204" pitchFamily="34" charset="0"/>
-              <a:ea typeface="Calibri" panose="020F0502020204030204" pitchFamily="34" charset="0"/>
-              <a:cs typeface="Times New Roman" panose="02020603050405020304" pitchFamily="18" charset="0"/>
             </a:endParaRPr>
           </a:p>
         </p:txBody>
@@ -6566,6 +6045,43 @@
           </a:effectLst>
         </p:spPr>
       </p:pic>
+      <p:sp>
+        <p:nvSpPr>
+          <p:cNvPr id="3" name="Rectangle 2"/>
+          <p:cNvSpPr/>
+          <p:nvPr/>
+        </p:nvSpPr>
+        <p:spPr>
+          <a:xfrm>
+            <a:off x="295632" y="762956"/>
+            <a:ext cx="6515438" cy="400110"/>
+          </a:xfrm>
+          <a:prstGeom prst="rect">
+            <a:avLst/>
+          </a:prstGeom>
+        </p:spPr>
+        <p:txBody>
+          <a:bodyPr wrap="none">
+            <a:spAutoFit/>
+          </a:bodyPr>
+          <a:lstStyle/>
+          <a:p>
+            <a:r xmlns:a="http://schemas.openxmlformats.org/drawingml/2006/main">
+              <a:rPr lang="en" sz="2000" dirty="0"/>
+              <a:t>Note that the environment is similar to </a:t>
+            </a:r>
+            <a:r xmlns:a="http://schemas.openxmlformats.org/drawingml/2006/main">
+              <a:rPr lang="en" sz="2000" b="1" dirty="0"/>
+              <a:t>Power BI Desktop </a:t>
+            </a:r>
+            <a:r xmlns:a="http://schemas.openxmlformats.org/drawingml/2006/main">
+              <a:rPr lang="en" sz="2000" dirty="0"/>
+              <a:t>.</a:t>
+            </a:r>
+            <a:endParaRPr xmlns:a="http://schemas.openxmlformats.org/drawingml/2006/main" lang="en-US" sz="2000" dirty="0"/>
+          </a:p>
+        </p:txBody>
+      </p:sp>
     </p:spTree>
     <p:extLst>
       <p:ext uri="{BB962C8B-B14F-4D97-AF65-F5344CB8AC3E}">

--- a/English/7.Power BI Services/3.Working with Dataflows.pptx
+++ b/English/7.Power BI Services/3.Working with Dataflows.pptx
@@ -211,7 +211,7 @@
           <a:p>
             <a:fld id="{056BA3B8-9F76-4D81-B71D-76CB85363062}" type="datetimeFigureOut">
               <a:rPr lang="en-US" smtClean="0"/>
-              <a:t>2/27/2025</a:t>
+              <a:t>4/3/2025</a:t>
             </a:fld>
             <a:endParaRPr lang="en-US"/>
           </a:p>
@@ -610,7 +610,7 @@
           <a:p>
             <a:fld id="{6F01DA4D-20EA-48D2-973C-0311EC3005D6}" type="datetimeFigureOut">
               <a:rPr lang="en-US" smtClean="0"/>
-              <a:t>2/27/2025</a:t>
+              <a:t>4/3/2025</a:t>
             </a:fld>
             <a:endParaRPr lang="en-US"/>
           </a:p>
@@ -780,7 +780,7 @@
           <a:p>
             <a:fld id="{6F01DA4D-20EA-48D2-973C-0311EC3005D6}" type="datetimeFigureOut">
               <a:rPr lang="en-US" smtClean="0"/>
-              <a:t>2/27/2025</a:t>
+              <a:t>4/3/2025</a:t>
             </a:fld>
             <a:endParaRPr lang="en-US"/>
           </a:p>
@@ -960,7 +960,7 @@
           <a:p>
             <a:fld id="{6F01DA4D-20EA-48D2-973C-0311EC3005D6}" type="datetimeFigureOut">
               <a:rPr lang="en-US" smtClean="0"/>
-              <a:t>2/27/2025</a:t>
+              <a:t>4/3/2025</a:t>
             </a:fld>
             <a:endParaRPr lang="en-US"/>
           </a:p>
@@ -1130,7 +1130,7 @@
           <a:p>
             <a:fld id="{6F01DA4D-20EA-48D2-973C-0311EC3005D6}" type="datetimeFigureOut">
               <a:rPr lang="en-US" smtClean="0"/>
-              <a:t>2/27/2025</a:t>
+              <a:t>4/3/2025</a:t>
             </a:fld>
             <a:endParaRPr lang="en-US"/>
           </a:p>
@@ -1376,7 +1376,7 @@
           <a:p>
             <a:fld id="{6F01DA4D-20EA-48D2-973C-0311EC3005D6}" type="datetimeFigureOut">
               <a:rPr lang="en-US" smtClean="0"/>
-              <a:t>2/27/2025</a:t>
+              <a:t>4/3/2025</a:t>
             </a:fld>
             <a:endParaRPr lang="en-US"/>
           </a:p>
@@ -1608,7 +1608,7 @@
           <a:p>
             <a:fld id="{6F01DA4D-20EA-48D2-973C-0311EC3005D6}" type="datetimeFigureOut">
               <a:rPr lang="en-US" smtClean="0"/>
-              <a:t>2/27/2025</a:t>
+              <a:t>4/3/2025</a:t>
             </a:fld>
             <a:endParaRPr lang="en-US"/>
           </a:p>
@@ -1975,7 +1975,7 @@
           <a:p>
             <a:fld id="{6F01DA4D-20EA-48D2-973C-0311EC3005D6}" type="datetimeFigureOut">
               <a:rPr lang="en-US" smtClean="0"/>
-              <a:t>2/27/2025</a:t>
+              <a:t>4/3/2025</a:t>
             </a:fld>
             <a:endParaRPr lang="en-US"/>
           </a:p>
@@ -2093,7 +2093,7 @@
           <a:p>
             <a:fld id="{6F01DA4D-20EA-48D2-973C-0311EC3005D6}" type="datetimeFigureOut">
               <a:rPr lang="en-US" smtClean="0"/>
-              <a:t>2/27/2025</a:t>
+              <a:t>4/3/2025</a:t>
             </a:fld>
             <a:endParaRPr lang="en-US"/>
           </a:p>
@@ -2188,7 +2188,7 @@
           <a:p>
             <a:fld id="{6F01DA4D-20EA-48D2-973C-0311EC3005D6}" type="datetimeFigureOut">
               <a:rPr lang="en-US" smtClean="0"/>
-              <a:t>2/27/2025</a:t>
+              <a:t>4/3/2025</a:t>
             </a:fld>
             <a:endParaRPr lang="en-US"/>
           </a:p>
@@ -2465,7 +2465,7 @@
           <a:p>
             <a:fld id="{6F01DA4D-20EA-48D2-973C-0311EC3005D6}" type="datetimeFigureOut">
               <a:rPr lang="en-US" smtClean="0"/>
-              <a:t>2/27/2025</a:t>
+              <a:t>4/3/2025</a:t>
             </a:fld>
             <a:endParaRPr lang="en-US"/>
           </a:p>
@@ -2718,7 +2718,7 @@
           <a:p>
             <a:fld id="{6F01DA4D-20EA-48D2-973C-0311EC3005D6}" type="datetimeFigureOut">
               <a:rPr lang="en-US" smtClean="0"/>
-              <a:t>2/27/2025</a:t>
+              <a:t>4/3/2025</a:t>
             </a:fld>
             <a:endParaRPr lang="en-US"/>
           </a:p>
@@ -2931,7 +2931,7 @@
           <a:p>
             <a:fld id="{6F01DA4D-20EA-48D2-973C-0311EC3005D6}" type="datetimeFigureOut">
               <a:rPr lang="en-US" smtClean="0"/>
-              <a:t>2/27/2025</a:t>
+              <a:t>4/3/2025</a:t>
             </a:fld>
             <a:endParaRPr lang="en-US"/>
           </a:p>
@@ -3366,8 +3366,8 @@
           </a:bodyPr>
           <a:lstStyle/>
           <a:p>
-            <a:pPr xmlns:a="http://schemas.openxmlformats.org/drawingml/2006/main" algn="ctr"/>
-            <a:r xmlns:a="http://schemas.openxmlformats.org/drawingml/2006/main">
+            <a:pPr algn="ctr"/>
+            <a:r>
               <a:rPr lang="en" sz="7200" b="1" dirty="0" smtClean="0">
                 <a:solidFill>
                   <a:srgbClr val="7030A0"/>
@@ -3378,7 +3378,7 @@
               </a:rPr>
               <a:t>Working with </a:t>
             </a:r>
-            <a:r xmlns:a="http://schemas.openxmlformats.org/drawingml/2006/main">
+            <a:r>
               <a:rPr lang="en" sz="7200" b="1" dirty="0" err="1" smtClean="0">
                 <a:solidFill>
                   <a:srgbClr val="7030A0"/>
@@ -3389,7 +3389,7 @@
               </a:rPr>
               <a:t>Dataflows</a:t>
             </a:r>
-            <a:endParaRPr xmlns:a="http://schemas.openxmlformats.org/drawingml/2006/main" lang="en-US" sz="7200" b="1" dirty="0">
+            <a:endParaRPr lang="en-US" sz="7200" b="1" dirty="0">
               <a:solidFill>
                 <a:srgbClr val="7030A0"/>
               </a:solidFill>
@@ -3422,8 +3422,8 @@
           </a:bodyPr>
           <a:lstStyle/>
           <a:p>
-            <a:pPr xmlns:a="http://schemas.openxmlformats.org/drawingml/2006/main" algn="ctr"/>
-            <a:r xmlns:a="http://schemas.openxmlformats.org/drawingml/2006/main">
+            <a:pPr algn="ctr"/>
+            <a:r>
               <a:rPr lang="en" sz="7200" b="1" dirty="0" smtClean="0">
                 <a:solidFill>
                   <a:schemeClr val="bg1"/>
@@ -3434,7 +3434,7 @@
               </a:rPr>
               <a:t>Working with </a:t>
             </a:r>
-            <a:r xmlns:a="http://schemas.openxmlformats.org/drawingml/2006/main">
+            <a:r>
               <a:rPr lang="en" sz="7200" b="1" dirty="0" err="1" smtClean="0">
                 <a:solidFill>
                   <a:schemeClr val="bg1"/>
@@ -3445,7 +3445,7 @@
               </a:rPr>
               <a:t>Dataflows</a:t>
             </a:r>
-            <a:endParaRPr xmlns:a="http://schemas.openxmlformats.org/drawingml/2006/main" lang="en-US" sz="7200" b="1" dirty="0">
+            <a:endParaRPr lang="en-US" sz="7200" b="1" dirty="0">
               <a:solidFill>
                 <a:schemeClr val="bg1"/>
               </a:solidFill>
@@ -3508,28 +3508,28 @@
           </a:bodyPr>
           <a:lstStyle/>
           <a:p>
-            <a:r xmlns:a="http://schemas.openxmlformats.org/drawingml/2006/main">
+            <a:r>
               <a:rPr lang="en" sz="2400" b="1" dirty="0" err="1" smtClean="0">
                 <a:latin typeface="Segoe UI" panose="020B0502040204020203" pitchFamily="34" charset="0"/>
                 <a:cs typeface="Segoe UI" panose="020B0502040204020203" pitchFamily="34" charset="0"/>
               </a:rPr>
               <a:t>Working </a:t>
             </a:r>
-            <a:r xmlns:a="http://schemas.openxmlformats.org/drawingml/2006/main">
+            <a:r>
               <a:rPr lang="en" sz="2400" b="1" dirty="0" smtClean="0">
                 <a:latin typeface="Segoe UI" panose="020B0502040204020203" pitchFamily="34" charset="0"/>
                 <a:cs typeface="Segoe UI" panose="020B0502040204020203" pitchFamily="34" charset="0"/>
               </a:rPr>
               <a:t>with </a:t>
             </a:r>
-            <a:r xmlns:a="http://schemas.openxmlformats.org/drawingml/2006/main">
+            <a:r>
               <a:rPr lang="en" sz="2400" b="1" dirty="0" err="1" smtClean="0">
                 <a:latin typeface="Segoe UI" panose="020B0502040204020203" pitchFamily="34" charset="0"/>
                 <a:cs typeface="Segoe UI" panose="020B0502040204020203" pitchFamily="34" charset="0"/>
               </a:rPr>
               <a:t>Dataflows</a:t>
             </a:r>
-            <a:endParaRPr xmlns:a="http://schemas.openxmlformats.org/drawingml/2006/main" lang="en-US" sz="2400" b="1" dirty="0">
+            <a:endParaRPr lang="en-US" sz="2400" b="1" dirty="0">
               <a:latin typeface="Segoe UI" panose="020B0502040204020203" pitchFamily="34" charset="0"/>
               <a:cs typeface="Segoe UI" panose="020B0502040204020203" pitchFamily="34" charset="0"/>
             </a:endParaRPr>
@@ -3687,31 +3687,31 @@
           </a:bodyPr>
           <a:lstStyle/>
           <a:p>
-            <a:r xmlns:a="http://schemas.openxmlformats.org/drawingml/2006/main">
+            <a:r>
               <a:rPr lang="en" sz="2000" dirty="0"/>
               <a:t>Select </a:t>
             </a:r>
-            <a:r xmlns:a="http://schemas.openxmlformats.org/drawingml/2006/main">
+            <a:r>
               <a:rPr lang="en" sz="2000" b="1" dirty="0" err="1"/>
               <a:t>Get </a:t>
             </a:r>
-            <a:r xmlns:a="http://schemas.openxmlformats.org/drawingml/2006/main">
+            <a:r>
               <a:rPr lang="en" sz="2000" b="1" dirty="0"/>
               <a:t>Data </a:t>
             </a:r>
-            <a:r xmlns:a="http://schemas.openxmlformats.org/drawingml/2006/main">
+            <a:r>
               <a:rPr lang="en" sz="2000" dirty="0"/>
               <a:t>, then </a:t>
             </a:r>
-            <a:r xmlns:a="http://schemas.openxmlformats.org/drawingml/2006/main">
+            <a:r>
               <a:rPr lang="en" sz="2000" b="1" dirty="0"/>
               <a:t>Web Page </a:t>
             </a:r>
-            <a:r xmlns:a="http://schemas.openxmlformats.org/drawingml/2006/main">
+            <a:r>
               <a:rPr lang="en" sz="2000" dirty="0"/>
               <a:t>.</a:t>
             </a:r>
-            <a:endParaRPr xmlns:a="http://schemas.openxmlformats.org/drawingml/2006/main" lang="en-US" sz="2000" dirty="0"/>
+            <a:endParaRPr lang="en-US" sz="2000" dirty="0"/>
           </a:p>
         </p:txBody>
       </p:sp>
@@ -3767,28 +3767,28 @@
           </a:bodyPr>
           <a:lstStyle/>
           <a:p>
-            <a:r xmlns:a="http://schemas.openxmlformats.org/drawingml/2006/main">
+            <a:r>
               <a:rPr lang="en" sz="2400" b="1" dirty="0" err="1" smtClean="0">
                 <a:latin typeface="Segoe UI" panose="020B0502040204020203" pitchFamily="34" charset="0"/>
                 <a:cs typeface="Segoe UI" panose="020B0502040204020203" pitchFamily="34" charset="0"/>
               </a:rPr>
               <a:t>Working </a:t>
             </a:r>
-            <a:r xmlns:a="http://schemas.openxmlformats.org/drawingml/2006/main">
+            <a:r>
               <a:rPr lang="en" sz="2400" b="1" dirty="0" smtClean="0">
                 <a:latin typeface="Segoe UI" panose="020B0502040204020203" pitchFamily="34" charset="0"/>
                 <a:cs typeface="Segoe UI" panose="020B0502040204020203" pitchFamily="34" charset="0"/>
               </a:rPr>
               <a:t>with </a:t>
             </a:r>
-            <a:r xmlns:a="http://schemas.openxmlformats.org/drawingml/2006/main">
+            <a:r>
               <a:rPr lang="en" sz="2400" b="1" dirty="0" err="1" smtClean="0">
                 <a:latin typeface="Segoe UI" panose="020B0502040204020203" pitchFamily="34" charset="0"/>
                 <a:cs typeface="Segoe UI" panose="020B0502040204020203" pitchFamily="34" charset="0"/>
               </a:rPr>
               <a:t>Dataflows</a:t>
             </a:r>
-            <a:endParaRPr xmlns:a="http://schemas.openxmlformats.org/drawingml/2006/main" lang="en-US" sz="2400" b="1" dirty="0">
+            <a:endParaRPr lang="en-US" sz="2400" b="1" dirty="0">
               <a:latin typeface="Segoe UI" panose="020B0502040204020203" pitchFamily="34" charset="0"/>
               <a:cs typeface="Segoe UI" panose="020B0502040204020203" pitchFamily="34" charset="0"/>
             </a:endParaRPr>
@@ -3850,7 +3850,7 @@
           </a:bodyPr>
           <a:lstStyle/>
           <a:p>
-            <a:r xmlns:a="http://schemas.openxmlformats.org/drawingml/2006/main" xmlns:r="http://schemas.openxmlformats.org/officeDocument/2006/relationships">
+            <a:r>
               <a:rPr lang="en" b="1" u="sng" dirty="0">
                 <a:solidFill>
                   <a:srgbClr val="0563C1"/>
@@ -3861,14 +3861,14 @@
               </a:rPr>
               <a:t>https://www.w3schools.com/xml/cd_catalog.xml</a:t>
             </a:r>
-            <a:r xmlns:a="http://schemas.openxmlformats.org/drawingml/2006/main">
+            <a:r>
               <a:rPr lang="en" b="1" dirty="0">
                 <a:latin typeface="Segoe UI" panose="020B0502040204020203" pitchFamily="34" charset="0"/>
                 <a:ea typeface="Calibri" panose="020F0502020204030204" pitchFamily="34" charset="0"/>
               </a:rPr>
               <a:t> </a:t>
             </a:r>
-            <a:endParaRPr xmlns:a="http://schemas.openxmlformats.org/drawingml/2006/main" lang="en-US" dirty="0"/>
+            <a:endParaRPr lang="en-US" dirty="0"/>
           </a:p>
         </p:txBody>
       </p:sp>
@@ -3893,11 +3893,11 @@
           </a:bodyPr>
           <a:lstStyle/>
           <a:p>
-            <a:r xmlns:a="http://schemas.openxmlformats.org/drawingml/2006/main">
+            <a:r>
               <a:rPr lang="en" sz="2000" dirty="0"/>
               <a:t>Then configure the data source</a:t>
             </a:r>
-            <a:endParaRPr xmlns:a="http://schemas.openxmlformats.org/drawingml/2006/main" lang="en-US" sz="2000" dirty="0"/>
+            <a:endParaRPr lang="en-US" sz="2000" dirty="0"/>
           </a:p>
         </p:txBody>
       </p:sp>
@@ -3953,28 +3953,28 @@
           </a:bodyPr>
           <a:lstStyle/>
           <a:p>
-            <a:r xmlns:a="http://schemas.openxmlformats.org/drawingml/2006/main">
+            <a:r>
               <a:rPr lang="en" sz="2400" b="1" dirty="0" err="1" smtClean="0">
                 <a:latin typeface="Segoe UI" panose="020B0502040204020203" pitchFamily="34" charset="0"/>
                 <a:cs typeface="Segoe UI" panose="020B0502040204020203" pitchFamily="34" charset="0"/>
               </a:rPr>
               <a:t>Working </a:t>
             </a:r>
-            <a:r xmlns:a="http://schemas.openxmlformats.org/drawingml/2006/main">
+            <a:r>
               <a:rPr lang="en" sz="2400" b="1" dirty="0" smtClean="0">
                 <a:latin typeface="Segoe UI" panose="020B0502040204020203" pitchFamily="34" charset="0"/>
                 <a:cs typeface="Segoe UI" panose="020B0502040204020203" pitchFamily="34" charset="0"/>
               </a:rPr>
               <a:t>with </a:t>
             </a:r>
-            <a:r xmlns:a="http://schemas.openxmlformats.org/drawingml/2006/main">
+            <a:r>
               <a:rPr lang="en" sz="2400" b="1" dirty="0" err="1" smtClean="0">
                 <a:latin typeface="Segoe UI" panose="020B0502040204020203" pitchFamily="34" charset="0"/>
                 <a:cs typeface="Segoe UI" panose="020B0502040204020203" pitchFamily="34" charset="0"/>
               </a:rPr>
               <a:t>Dataflows</a:t>
             </a:r>
-            <a:endParaRPr xmlns:a="http://schemas.openxmlformats.org/drawingml/2006/main" lang="en-US" sz="2400" b="1" dirty="0">
+            <a:endParaRPr lang="en-US" sz="2400" b="1" dirty="0">
               <a:latin typeface="Segoe UI" panose="020B0502040204020203" pitchFamily="34" charset="0"/>
               <a:cs typeface="Segoe UI" panose="020B0502040204020203" pitchFamily="34" charset="0"/>
             </a:endParaRPr>
@@ -4070,27 +4070,27 @@
           </a:bodyPr>
           <a:lstStyle/>
           <a:p>
-            <a:r xmlns:a="http://schemas.openxmlformats.org/drawingml/2006/main">
+            <a:r>
               <a:rPr lang="en" sz="2000" dirty="0"/>
               <a:t>Select </a:t>
             </a:r>
-            <a:r xmlns:a="http://schemas.openxmlformats.org/drawingml/2006/main">
+            <a:r>
               <a:rPr lang="en" sz="2000" b="1" dirty="0"/>
               <a:t>Table 01 </a:t>
             </a:r>
-            <a:r xmlns:a="http://schemas.openxmlformats.org/drawingml/2006/main">
+            <a:r>
               <a:rPr lang="en" sz="2000" dirty="0"/>
               <a:t>, this will be our data source, then click </a:t>
             </a:r>
-            <a:r xmlns:a="http://schemas.openxmlformats.org/drawingml/2006/main">
+            <a:r>
               <a:rPr lang="en" sz="2000" b="1" dirty="0" err="1"/>
               <a:t>Create </a:t>
             </a:r>
-            <a:r xmlns:a="http://schemas.openxmlformats.org/drawingml/2006/main">
+            <a:r>
               <a:rPr lang="en" sz="2000" dirty="0"/>
               <a:t>.</a:t>
             </a:r>
-            <a:endParaRPr xmlns:a="http://schemas.openxmlformats.org/drawingml/2006/main" lang="en-US" sz="2000" dirty="0"/>
+            <a:endParaRPr lang="en-US" sz="2000" dirty="0"/>
           </a:p>
         </p:txBody>
       </p:sp>
@@ -4115,19 +4115,19 @@
           </a:bodyPr>
           <a:lstStyle/>
           <a:p>
-            <a:r xmlns:a="http://schemas.openxmlformats.org/drawingml/2006/main">
+            <a:r>
               <a:rPr lang="en" sz="2000" dirty="0"/>
               <a:t>Edit the column headers to give them more meaningful names, then click </a:t>
             </a:r>
-            <a:r xmlns:a="http://schemas.openxmlformats.org/drawingml/2006/main">
+            <a:r>
               <a:rPr lang="en" sz="2000" b="1" dirty="0" err="1"/>
               <a:t>Publish </a:t>
             </a:r>
-            <a:r xmlns:a="http://schemas.openxmlformats.org/drawingml/2006/main">
+            <a:r>
               <a:rPr lang="en" sz="2000" dirty="0"/>
               <a:t>.</a:t>
             </a:r>
-            <a:endParaRPr xmlns:a="http://schemas.openxmlformats.org/drawingml/2006/main" lang="en-US" sz="2000" dirty="0"/>
+            <a:endParaRPr lang="en-US" sz="2000" dirty="0"/>
           </a:p>
         </p:txBody>
       </p:sp>
@@ -4183,28 +4183,28 @@
           </a:bodyPr>
           <a:lstStyle/>
           <a:p>
-            <a:r xmlns:a="http://schemas.openxmlformats.org/drawingml/2006/main">
+            <a:r>
               <a:rPr lang="en" sz="2400" b="1" dirty="0" err="1" smtClean="0">
                 <a:latin typeface="Segoe UI" panose="020B0502040204020203" pitchFamily="34" charset="0"/>
                 <a:cs typeface="Segoe UI" panose="020B0502040204020203" pitchFamily="34" charset="0"/>
               </a:rPr>
               <a:t>Working </a:t>
             </a:r>
-            <a:r xmlns:a="http://schemas.openxmlformats.org/drawingml/2006/main">
+            <a:r>
               <a:rPr lang="en" sz="2400" b="1" dirty="0" smtClean="0">
                 <a:latin typeface="Segoe UI" panose="020B0502040204020203" pitchFamily="34" charset="0"/>
                 <a:cs typeface="Segoe UI" panose="020B0502040204020203" pitchFamily="34" charset="0"/>
               </a:rPr>
               <a:t>with </a:t>
             </a:r>
-            <a:r xmlns:a="http://schemas.openxmlformats.org/drawingml/2006/main">
+            <a:r>
               <a:rPr lang="en" sz="2400" b="1" dirty="0" err="1" smtClean="0">
                 <a:latin typeface="Segoe UI" panose="020B0502040204020203" pitchFamily="34" charset="0"/>
                 <a:cs typeface="Segoe UI" panose="020B0502040204020203" pitchFamily="34" charset="0"/>
               </a:rPr>
               <a:t>Dataflows</a:t>
             </a:r>
-            <a:endParaRPr xmlns:a="http://schemas.openxmlformats.org/drawingml/2006/main" lang="en-US" sz="2400" b="1" dirty="0">
+            <a:endParaRPr lang="en-US" sz="2400" b="1" dirty="0">
               <a:latin typeface="Segoe UI" panose="020B0502040204020203" pitchFamily="34" charset="0"/>
               <a:cs typeface="Segoe UI" panose="020B0502040204020203" pitchFamily="34" charset="0"/>
             </a:endParaRPr>
@@ -4266,19 +4266,11 @@
           </a:bodyPr>
           <a:lstStyle/>
           <a:p>
-            <a:r xmlns:a="http://schemas.openxmlformats.org/drawingml/2006/main">
+            <a:r>
               <a:rPr lang="en" sz="2000" dirty="0"/>
-              <a:t>We should note the presence of the </a:t>
-            </a:r>
-            <a:r xmlns:a="http://schemas.openxmlformats.org/drawingml/2006/main">
-              <a:rPr lang="en" sz="2000" dirty="0"/>
-              <a:t>newly created </a:t>
-            </a:r>
-            <a:endParaRPr xmlns:a="http://schemas.openxmlformats.org/drawingml/2006/main" lang="en-US" sz="2000" dirty="0"/>
-            <a:r xmlns:a="http://schemas.openxmlformats.org/drawingml/2006/main">
-              <a:rPr lang="en" sz="2000" b="1" dirty="0" err="1"/>
-              <a:t>DataFlow .</a:t>
-            </a:r>
+              <a:t>We should note the presence of the newly created </a:t>
+            </a:r>
+            <a:endParaRPr lang="en-US" sz="2000" dirty="0"/>
           </a:p>
         </p:txBody>
       </p:sp>
@@ -4334,28 +4326,28 @@
           </a:bodyPr>
           <a:lstStyle/>
           <a:p>
-            <a:r xmlns:a="http://schemas.openxmlformats.org/drawingml/2006/main">
+            <a:r>
               <a:rPr lang="en" sz="2400" b="1" dirty="0" err="1" smtClean="0">
                 <a:latin typeface="Segoe UI" panose="020B0502040204020203" pitchFamily="34" charset="0"/>
                 <a:cs typeface="Segoe UI" panose="020B0502040204020203" pitchFamily="34" charset="0"/>
               </a:rPr>
               <a:t>Working </a:t>
             </a:r>
-            <a:r xmlns:a="http://schemas.openxmlformats.org/drawingml/2006/main">
+            <a:r>
               <a:rPr lang="en" sz="2400" b="1" dirty="0" smtClean="0">
                 <a:latin typeface="Segoe UI" panose="020B0502040204020203" pitchFamily="34" charset="0"/>
                 <a:cs typeface="Segoe UI" panose="020B0502040204020203" pitchFamily="34" charset="0"/>
               </a:rPr>
               <a:t>with </a:t>
             </a:r>
-            <a:r xmlns:a="http://schemas.openxmlformats.org/drawingml/2006/main">
+            <a:r>
               <a:rPr lang="en" sz="2400" b="1" dirty="0" err="1" smtClean="0">
                 <a:latin typeface="Segoe UI" panose="020B0502040204020203" pitchFamily="34" charset="0"/>
                 <a:cs typeface="Segoe UI" panose="020B0502040204020203" pitchFamily="34" charset="0"/>
               </a:rPr>
               <a:t>Dataflows</a:t>
             </a:r>
-            <a:endParaRPr xmlns:a="http://schemas.openxmlformats.org/drawingml/2006/main" lang="en-US" sz="2400" b="1" dirty="0">
+            <a:endParaRPr lang="en-US" sz="2400" b="1" dirty="0">
               <a:latin typeface="Segoe UI" panose="020B0502040204020203" pitchFamily="34" charset="0"/>
               <a:cs typeface="Segoe UI" panose="020B0502040204020203" pitchFamily="34" charset="0"/>
             </a:endParaRPr>
@@ -4417,27 +4409,27 @@
           </a:bodyPr>
           <a:lstStyle/>
           <a:p>
-            <a:r xmlns:a="http://schemas.openxmlformats.org/drawingml/2006/main">
+            <a:r>
               <a:rPr lang="en" sz="2000" dirty="0"/>
               <a:t>Now notice the presence of the </a:t>
             </a:r>
-            <a:r xmlns:a="http://schemas.openxmlformats.org/drawingml/2006/main">
+            <a:r>
               <a:rPr lang="en" sz="2000" b="1" dirty="0" err="1"/>
               <a:t>DataFlow </a:t>
             </a:r>
-            <a:r xmlns:a="http://schemas.openxmlformats.org/drawingml/2006/main">
+            <a:r>
               <a:rPr lang="en" sz="2000" dirty="0"/>
               <a:t>in </a:t>
             </a:r>
-            <a:r xmlns:a="http://schemas.openxmlformats.org/drawingml/2006/main">
+            <a:r>
               <a:rPr lang="en" sz="2000" b="1" dirty="0"/>
               <a:t>Power BI Desktop </a:t>
             </a:r>
-            <a:r xmlns:a="http://schemas.openxmlformats.org/drawingml/2006/main">
+            <a:r>
               <a:rPr lang="en" sz="2000" dirty="0"/>
               <a:t>. The data is ready to be used.</a:t>
             </a:r>
-            <a:endParaRPr xmlns:a="http://schemas.openxmlformats.org/drawingml/2006/main" lang="en-US" sz="2000" dirty="0"/>
+            <a:endParaRPr lang="en-US" sz="2000" dirty="0"/>
           </a:p>
         </p:txBody>
       </p:sp>
@@ -4526,8 +4518,8 @@
         </p:nvSpPr>
         <p:spPr>
           <a:xfrm>
-            <a:off x="4091856" y="2616196"/>
-            <a:ext cx="3456395" cy="1569660"/>
+            <a:off x="2854322" y="2423691"/>
+            <a:ext cx="6230360" cy="1569660"/>
           </a:xfrm>
           <a:prstGeom prst="rect">
             <a:avLst/>
@@ -4540,8 +4532,8 @@
           </a:bodyPr>
           <a:lstStyle/>
           <a:p>
-            <a:r xmlns:a="http://schemas.openxmlformats.org/drawingml/2006/main">
-              <a:rPr lang="en" sz="9600" b="1" dirty="0" smtClean="0">
+            <a:r>
+              <a:rPr lang="en-US" sz="9600" b="1" dirty="0" smtClean="0">
                 <a:solidFill>
                   <a:srgbClr val="7030A0"/>
                 </a:solidFill>
@@ -4549,9 +4541,9 @@
                 <a:ea typeface="Verdana" panose="020B0604030504040204" pitchFamily="34" charset="0"/>
                 <a:cs typeface="Segoe UI" panose="020B0502040204020203" pitchFamily="34" charset="0"/>
               </a:rPr>
-              <a:t>THANKS</a:t>
-            </a:r>
-            <a:endParaRPr xmlns:a="http://schemas.openxmlformats.org/drawingml/2006/main" lang="en-US" sz="9600" b="1" dirty="0">
+              <a:t>Thank you</a:t>
+            </a:r>
+            <a:endParaRPr lang="en-US" sz="9600" b="1" dirty="0">
               <a:solidFill>
                 <a:srgbClr val="7030A0"/>
               </a:solidFill>
@@ -4570,8 +4562,8 @@
         </p:nvSpPr>
         <p:spPr>
           <a:xfrm>
-            <a:off x="4029979" y="2547870"/>
-            <a:ext cx="3456395" cy="1569660"/>
+            <a:off x="2792445" y="2355365"/>
+            <a:ext cx="6230360" cy="1569660"/>
           </a:xfrm>
           <a:prstGeom prst="rect">
             <a:avLst/>
@@ -4584,8 +4576,8 @@
           </a:bodyPr>
           <a:lstStyle/>
           <a:p>
-            <a:r xmlns:a="http://schemas.openxmlformats.org/drawingml/2006/main">
-              <a:rPr lang="en" sz="9600" b="1" dirty="0" smtClean="0">
+            <a:r>
+              <a:rPr lang="en-US" sz="9600" b="1" dirty="0" smtClean="0">
                 <a:solidFill>
                   <a:schemeClr val="bg1"/>
                 </a:solidFill>
@@ -4593,9 +4585,9 @@
                 <a:ea typeface="Verdana" panose="020B0604030504040204" pitchFamily="34" charset="0"/>
                 <a:cs typeface="Segoe UI" panose="020B0502040204020203" pitchFamily="34" charset="0"/>
               </a:rPr>
-              <a:t>THANKS</a:t>
-            </a:r>
-            <a:endParaRPr xmlns:a="http://schemas.openxmlformats.org/drawingml/2006/main" lang="en-US" sz="9600" b="1" dirty="0">
+              <a:t>Thank you</a:t>
+            </a:r>
+            <a:endParaRPr lang="en-US" sz="9600" b="1" dirty="0">
               <a:solidFill>
                 <a:schemeClr val="bg1"/>
               </a:solidFill>
@@ -4658,28 +4650,28 @@
           </a:bodyPr>
           <a:lstStyle/>
           <a:p>
-            <a:r xmlns:a="http://schemas.openxmlformats.org/drawingml/2006/main">
+            <a:r>
               <a:rPr lang="en" sz="2400" b="1" dirty="0" err="1" smtClean="0">
                 <a:latin typeface="Segoe UI" panose="020B0502040204020203" pitchFamily="34" charset="0"/>
                 <a:cs typeface="Segoe UI" panose="020B0502040204020203" pitchFamily="34" charset="0"/>
               </a:rPr>
               <a:t>Working </a:t>
             </a:r>
-            <a:r xmlns:a="http://schemas.openxmlformats.org/drawingml/2006/main">
+            <a:r>
               <a:rPr lang="en" sz="2400" b="1" dirty="0" smtClean="0">
                 <a:latin typeface="Segoe UI" panose="020B0502040204020203" pitchFamily="34" charset="0"/>
                 <a:cs typeface="Segoe UI" panose="020B0502040204020203" pitchFamily="34" charset="0"/>
               </a:rPr>
               <a:t>with </a:t>
             </a:r>
-            <a:r xmlns:a="http://schemas.openxmlformats.org/drawingml/2006/main">
+            <a:r>
               <a:rPr lang="en" sz="2400" b="1" dirty="0" err="1" smtClean="0">
                 <a:latin typeface="Segoe UI" panose="020B0502040204020203" pitchFamily="34" charset="0"/>
                 <a:cs typeface="Segoe UI" panose="020B0502040204020203" pitchFamily="34" charset="0"/>
               </a:rPr>
               <a:t>Dataflows</a:t>
             </a:r>
-            <a:endParaRPr xmlns:a="http://schemas.openxmlformats.org/drawingml/2006/main" lang="en-US" sz="2400" b="1" dirty="0">
+            <a:endParaRPr lang="en-US" sz="2400" b="1" dirty="0">
               <a:latin typeface="Segoe UI" panose="020B0502040204020203" pitchFamily="34" charset="0"/>
               <a:cs typeface="Segoe UI" panose="020B0502040204020203" pitchFamily="34" charset="0"/>
             </a:endParaRPr>
@@ -4731,19 +4723,19 @@
           </a:bodyPr>
           <a:lstStyle/>
           <a:p>
-            <a:r xmlns:a="http://schemas.openxmlformats.org/drawingml/2006/main">
+            <a:r>
               <a:rPr lang="en" sz="2000" b="1" dirty="0" smtClean="0"/>
               <a:t>Note </a:t>
             </a:r>
-            <a:r xmlns:a="http://schemas.openxmlformats.org/drawingml/2006/main">
+            <a:r>
               <a:rPr lang="en" sz="2000" b="1" dirty="0"/>
               <a:t>: </a:t>
             </a:r>
-            <a:r xmlns:a="http://schemas.openxmlformats.org/drawingml/2006/main">
+            <a:r>
               <a:rPr lang="en" sz="2000" dirty="0"/>
               <a:t>This lab requires a Power BI Services account with administrator privileges.</a:t>
             </a:r>
-            <a:endParaRPr xmlns:a="http://schemas.openxmlformats.org/drawingml/2006/main" lang="en-US" sz="2000" dirty="0"/>
+            <a:endParaRPr lang="en-US" sz="2000" dirty="0"/>
           </a:p>
         </p:txBody>
       </p:sp>
@@ -4768,35 +4760,35 @@
           </a:bodyPr>
           <a:lstStyle/>
           <a:p>
-            <a:r xmlns:a="http://schemas.openxmlformats.org/drawingml/2006/main">
+            <a:r>
               <a:rPr lang="en" sz="2000" dirty="0" err="1"/>
               <a:t>Open</a:t>
             </a:r>
-            <a:r xmlns:a="http://schemas.openxmlformats.org/drawingml/2006/main">
+            <a:r>
               <a:rPr lang="en" sz="2000" dirty="0"/>
               <a:t> </a:t>
             </a:r>
-            <a:r xmlns:a="http://schemas.openxmlformats.org/drawingml/2006/main">
+            <a:r>
               <a:rPr lang="en" sz="2000" b="1" dirty="0"/>
               <a:t>Power BI Desktop </a:t>
             </a:r>
-            <a:r xmlns:a="http://schemas.openxmlformats.org/drawingml/2006/main">
+            <a:r>
               <a:rPr lang="en" sz="2000" dirty="0"/>
               <a:t>, </a:t>
             </a:r>
-            <a:r xmlns:a="http://schemas.openxmlformats.org/drawingml/2006/main">
+            <a:r>
               <a:rPr lang="en" sz="2000" dirty="0" err="1"/>
               <a:t>select</a:t>
             </a:r>
-            <a:r xmlns:a="http://schemas.openxmlformats.org/drawingml/2006/main">
+            <a:r>
               <a:rPr lang="en" sz="2000" dirty="0"/>
               <a:t> </a:t>
             </a:r>
-            <a:r xmlns:a="http://schemas.openxmlformats.org/drawingml/2006/main">
+            <a:r>
               <a:rPr lang="en" sz="2000" b="1" dirty="0" err="1"/>
               <a:t>Dataflows </a:t>
             </a:r>
-            <a:r xmlns:a="http://schemas.openxmlformats.org/drawingml/2006/main">
+            <a:r>
               <a:rPr lang="en" sz="2000" dirty="0"/>
               <a:t>.</a:t>
             </a:r>
@@ -4855,28 +4847,28 @@
           </a:bodyPr>
           <a:lstStyle/>
           <a:p>
-            <a:r xmlns:a="http://schemas.openxmlformats.org/drawingml/2006/main">
+            <a:r>
               <a:rPr lang="en" sz="2400" b="1" dirty="0" err="1" smtClean="0">
                 <a:latin typeface="Segoe UI" panose="020B0502040204020203" pitchFamily="34" charset="0"/>
                 <a:cs typeface="Segoe UI" panose="020B0502040204020203" pitchFamily="34" charset="0"/>
               </a:rPr>
               <a:t>Working </a:t>
             </a:r>
-            <a:r xmlns:a="http://schemas.openxmlformats.org/drawingml/2006/main">
+            <a:r>
               <a:rPr lang="en" sz="2400" b="1" dirty="0" smtClean="0">
                 <a:latin typeface="Segoe UI" panose="020B0502040204020203" pitchFamily="34" charset="0"/>
                 <a:cs typeface="Segoe UI" panose="020B0502040204020203" pitchFamily="34" charset="0"/>
               </a:rPr>
               <a:t>with </a:t>
             </a:r>
-            <a:r xmlns:a="http://schemas.openxmlformats.org/drawingml/2006/main">
+            <a:r>
               <a:rPr lang="en" sz="2400" b="1" dirty="0" err="1" smtClean="0">
                 <a:latin typeface="Segoe UI" panose="020B0502040204020203" pitchFamily="34" charset="0"/>
                 <a:cs typeface="Segoe UI" panose="020B0502040204020203" pitchFamily="34" charset="0"/>
               </a:rPr>
               <a:t>Dataflows</a:t>
             </a:r>
-            <a:endParaRPr xmlns:a="http://schemas.openxmlformats.org/drawingml/2006/main" lang="en-US" sz="2400" b="1" dirty="0">
+            <a:endParaRPr lang="en-US" sz="2400" b="1" dirty="0">
               <a:latin typeface="Segoe UI" panose="020B0502040204020203" pitchFamily="34" charset="0"/>
               <a:cs typeface="Segoe UI" panose="020B0502040204020203" pitchFamily="34" charset="0"/>
             </a:endParaRPr>
@@ -4938,19 +4930,15 @@
           </a:bodyPr>
           <a:lstStyle/>
           <a:p>
-            <a:r xmlns:a="http://schemas.openxmlformats.org/drawingml/2006/main">
+            <a:r>
               <a:rPr lang="en" sz="2000" dirty="0" err="1"/>
               <a:t>Click </a:t>
             </a:r>
-            <a:r xmlns:a="http://schemas.openxmlformats.org/drawingml/2006/main">
+            <a:r>
               <a:rPr lang="en" sz="2000" dirty="0"/>
-              <a:t>Connect </a:t>
-            </a:r>
-            <a:r xmlns:a="http://schemas.openxmlformats.org/drawingml/2006/main">
-              <a:rPr lang="en" sz="2000" dirty="0"/>
-              <a:t>.</a:t>
-            </a:r>
-            <a:r xmlns:a="http://schemas.openxmlformats.org/drawingml/2006/main">
+              <a:t>Connect .</a:t>
+            </a:r>
+            <a:r>
               <a:rPr lang="en" sz="2000" b="1" dirty="0"/>
               <a:t>​</a:t>
             </a:r>
@@ -4978,19 +4966,19 @@
           </a:bodyPr>
           <a:lstStyle/>
           <a:p>
-            <a:r xmlns:a="http://schemas.openxmlformats.org/drawingml/2006/main">
+            <a:r>
               <a:rPr lang="en" sz="2000" b="1" dirty="0" smtClean="0"/>
               <a:t>Note </a:t>
             </a:r>
-            <a:r xmlns:a="http://schemas.openxmlformats.org/drawingml/2006/main">
+            <a:r>
               <a:rPr lang="en" sz="2000" b="1" dirty="0"/>
               <a:t>: </a:t>
             </a:r>
-            <a:r xmlns:a="http://schemas.openxmlformats.org/drawingml/2006/main">
+            <a:r>
               <a:rPr lang="en" sz="2000" dirty="0"/>
               <a:t>We need to log in with a Power BI Services account.</a:t>
             </a:r>
-            <a:endParaRPr xmlns:a="http://schemas.openxmlformats.org/drawingml/2006/main" lang="en-US" sz="2000" dirty="0"/>
+            <a:endParaRPr lang="en-US" sz="2000" dirty="0"/>
           </a:p>
         </p:txBody>
       </p:sp>
@@ -5046,28 +5034,28 @@
           </a:bodyPr>
           <a:lstStyle/>
           <a:p>
-            <a:r xmlns:a="http://schemas.openxmlformats.org/drawingml/2006/main">
+            <a:r>
               <a:rPr lang="en" sz="2400" b="1" dirty="0" err="1" smtClean="0">
                 <a:latin typeface="Segoe UI" panose="020B0502040204020203" pitchFamily="34" charset="0"/>
                 <a:cs typeface="Segoe UI" panose="020B0502040204020203" pitchFamily="34" charset="0"/>
               </a:rPr>
               <a:t>Working </a:t>
             </a:r>
-            <a:r xmlns:a="http://schemas.openxmlformats.org/drawingml/2006/main">
+            <a:r>
               <a:rPr lang="en" sz="2400" b="1" dirty="0" smtClean="0">
                 <a:latin typeface="Segoe UI" panose="020B0502040204020203" pitchFamily="34" charset="0"/>
                 <a:cs typeface="Segoe UI" panose="020B0502040204020203" pitchFamily="34" charset="0"/>
               </a:rPr>
               <a:t>with </a:t>
             </a:r>
-            <a:r xmlns:a="http://schemas.openxmlformats.org/drawingml/2006/main">
+            <a:r>
               <a:rPr lang="en" sz="2400" b="1" dirty="0" err="1" smtClean="0">
                 <a:latin typeface="Segoe UI" panose="020B0502040204020203" pitchFamily="34" charset="0"/>
                 <a:cs typeface="Segoe UI" panose="020B0502040204020203" pitchFamily="34" charset="0"/>
               </a:rPr>
               <a:t>Dataflows</a:t>
             </a:r>
-            <a:endParaRPr xmlns:a="http://schemas.openxmlformats.org/drawingml/2006/main" lang="en-US" sz="2400" b="1" dirty="0">
+            <a:endParaRPr lang="en-US" sz="2400" b="1" dirty="0">
               <a:latin typeface="Segoe UI" panose="020B0502040204020203" pitchFamily="34" charset="0"/>
               <a:cs typeface="Segoe UI" panose="020B0502040204020203" pitchFamily="34" charset="0"/>
             </a:endParaRPr>
@@ -5129,19 +5117,19 @@
           </a:bodyPr>
           <a:lstStyle/>
           <a:p>
-            <a:r xmlns:a="http://schemas.openxmlformats.org/drawingml/2006/main">
+            <a:r>
               <a:rPr lang="en" sz="2000" dirty="0"/>
               <a:t>If this is the first opening, no </a:t>
             </a:r>
-            <a:r xmlns:a="http://schemas.openxmlformats.org/drawingml/2006/main">
+            <a:r>
               <a:rPr lang="en" sz="2000" b="1" dirty="0" err="1"/>
               <a:t>Dataflow </a:t>
             </a:r>
-            <a:r xmlns:a="http://schemas.openxmlformats.org/drawingml/2006/main">
+            <a:r>
               <a:rPr lang="en" sz="2000" dirty="0"/>
               <a:t>is defined yet.</a:t>
             </a:r>
-            <a:endParaRPr xmlns:a="http://schemas.openxmlformats.org/drawingml/2006/main" lang="en-US" sz="2000" dirty="0"/>
+            <a:endParaRPr lang="en-US" sz="2000" dirty="0"/>
           </a:p>
         </p:txBody>
       </p:sp>
@@ -5196,35 +5184,31 @@
           </a:bodyPr>
           <a:lstStyle/>
           <a:p>
-            <a:r xmlns:a="http://schemas.openxmlformats.org/drawingml/2006/main">
+            <a:r>
               <a:rPr lang="en" b="1" dirty="0"/>
               <a:t>Power BI Services </a:t>
             </a:r>
-            <a:r xmlns:a="http://schemas.openxmlformats.org/drawingml/2006/main">
+            <a:r>
               <a:rPr lang="en" dirty="0"/>
-              <a:t>session </a:t>
-            </a:r>
-            <a:r xmlns:a="http://schemas.openxmlformats.org/drawingml/2006/main">
-              <a:rPr lang="en" dirty="0"/>
-              <a:t>, navigate to the shared workspace, click </a:t>
-            </a:r>
-            <a:r xmlns:a="http://schemas.openxmlformats.org/drawingml/2006/main">
+              <a:t>session , navigate to the shared workspace, click </a:t>
+            </a:r>
+            <a:r>
               <a:rPr lang="en" b="1" dirty="0"/>
               <a:t>... </a:t>
             </a:r>
-            <a:r xmlns:a="http://schemas.openxmlformats.org/drawingml/2006/main">
+            <a:r>
               <a:rPr lang="en" dirty="0"/>
               <a:t>, and then choose </a:t>
             </a:r>
-            <a:r xmlns:a="http://schemas.openxmlformats.org/drawingml/2006/main">
+            <a:r>
               <a:rPr lang="en" b="1" dirty="0" err="1"/>
               <a:t>DataFlow </a:t>
             </a:r>
-            <a:r xmlns:a="http://schemas.openxmlformats.org/drawingml/2006/main">
+            <a:r>
               <a:rPr lang="en" dirty="0"/>
               <a:t>.</a:t>
             </a:r>
-            <a:endParaRPr xmlns:a="http://schemas.openxmlformats.org/drawingml/2006/main" lang="en-US" dirty="0"/>
+            <a:endParaRPr lang="en-US" dirty="0"/>
           </a:p>
         </p:txBody>
       </p:sp>
@@ -5250,28 +5234,28 @@
           </a:bodyPr>
           <a:lstStyle/>
           <a:p>
-            <a:r xmlns:a="http://schemas.openxmlformats.org/drawingml/2006/main">
+            <a:r>
               <a:rPr lang="en" sz="2400" b="1" dirty="0" err="1" smtClean="0">
                 <a:latin typeface="Segoe UI" panose="020B0502040204020203" pitchFamily="34" charset="0"/>
                 <a:cs typeface="Segoe UI" panose="020B0502040204020203" pitchFamily="34" charset="0"/>
               </a:rPr>
               <a:t>Working </a:t>
             </a:r>
-            <a:r xmlns:a="http://schemas.openxmlformats.org/drawingml/2006/main">
+            <a:r>
               <a:rPr lang="en" sz="2400" b="1" dirty="0" smtClean="0">
                 <a:latin typeface="Segoe UI" panose="020B0502040204020203" pitchFamily="34" charset="0"/>
                 <a:cs typeface="Segoe UI" panose="020B0502040204020203" pitchFamily="34" charset="0"/>
               </a:rPr>
               <a:t>with </a:t>
             </a:r>
-            <a:r xmlns:a="http://schemas.openxmlformats.org/drawingml/2006/main">
+            <a:r>
               <a:rPr lang="en" sz="2400" b="1" dirty="0" err="1" smtClean="0">
                 <a:latin typeface="Segoe UI" panose="020B0502040204020203" pitchFamily="34" charset="0"/>
                 <a:cs typeface="Segoe UI" panose="020B0502040204020203" pitchFamily="34" charset="0"/>
               </a:rPr>
               <a:t>Dataflows</a:t>
             </a:r>
-            <a:endParaRPr xmlns:a="http://schemas.openxmlformats.org/drawingml/2006/main" lang="en-US" sz="2400" b="1" dirty="0">
+            <a:endParaRPr lang="en-US" sz="2400" b="1" dirty="0">
               <a:latin typeface="Segoe UI" panose="020B0502040204020203" pitchFamily="34" charset="0"/>
               <a:cs typeface="Segoe UI" panose="020B0502040204020203" pitchFamily="34" charset="0"/>
             </a:endParaRPr>
@@ -5378,28 +5362,28 @@
           </a:bodyPr>
           <a:lstStyle/>
           <a:p>
-            <a:r xmlns:a="http://schemas.openxmlformats.org/drawingml/2006/main">
+            <a:r>
               <a:rPr lang="en" sz="2400" b="1" dirty="0" err="1" smtClean="0">
                 <a:latin typeface="Segoe UI" panose="020B0502040204020203" pitchFamily="34" charset="0"/>
                 <a:cs typeface="Segoe UI" panose="020B0502040204020203" pitchFamily="34" charset="0"/>
               </a:rPr>
               <a:t>Working </a:t>
             </a:r>
-            <a:r xmlns:a="http://schemas.openxmlformats.org/drawingml/2006/main">
+            <a:r>
               <a:rPr lang="en" sz="2400" b="1" dirty="0" smtClean="0">
                 <a:latin typeface="Segoe UI" panose="020B0502040204020203" pitchFamily="34" charset="0"/>
                 <a:cs typeface="Segoe UI" panose="020B0502040204020203" pitchFamily="34" charset="0"/>
               </a:rPr>
               <a:t>with </a:t>
             </a:r>
-            <a:r xmlns:a="http://schemas.openxmlformats.org/drawingml/2006/main">
+            <a:r>
               <a:rPr lang="en" sz="2400" b="1" dirty="0" err="1" smtClean="0">
                 <a:latin typeface="Segoe UI" panose="020B0502040204020203" pitchFamily="34" charset="0"/>
                 <a:cs typeface="Segoe UI" panose="020B0502040204020203" pitchFamily="34" charset="0"/>
               </a:rPr>
               <a:t>Dataflows</a:t>
             </a:r>
-            <a:endParaRPr xmlns:a="http://schemas.openxmlformats.org/drawingml/2006/main" lang="en-US" sz="2400" b="1" dirty="0">
+            <a:endParaRPr lang="en-US" sz="2400" b="1" dirty="0">
               <a:latin typeface="Segoe UI" panose="020B0502040204020203" pitchFamily="34" charset="0"/>
               <a:cs typeface="Segoe UI" panose="020B0502040204020203" pitchFamily="34" charset="0"/>
             </a:endParaRPr>
@@ -5451,19 +5435,19 @@
           </a:bodyPr>
           <a:lstStyle/>
           <a:p>
-            <a:r xmlns:a="http://schemas.openxmlformats.org/drawingml/2006/main">
+            <a:r>
               <a:rPr lang="en" sz="2000" dirty="0"/>
               <a:t>Here are some key differences between the two versions of </a:t>
             </a:r>
-            <a:r xmlns:a="http://schemas.openxmlformats.org/drawingml/2006/main">
+            <a:r>
               <a:rPr lang="en" sz="2000" b="1" dirty="0" err="1"/>
               <a:t>DataFlow </a:t>
             </a:r>
-            <a:r xmlns:a="http://schemas.openxmlformats.org/drawingml/2006/main">
+            <a:r>
               <a:rPr lang="en" sz="2000" dirty="0"/>
               <a:t>.</a:t>
             </a:r>
-            <a:endParaRPr xmlns:a="http://schemas.openxmlformats.org/drawingml/2006/main" lang="en-US" sz="2000" dirty="0"/>
+            <a:endParaRPr lang="en-US" sz="2000" dirty="0"/>
           </a:p>
         </p:txBody>
       </p:sp>
@@ -5519,28 +5503,28 @@
           </a:bodyPr>
           <a:lstStyle/>
           <a:p>
-            <a:r xmlns:a="http://schemas.openxmlformats.org/drawingml/2006/main">
+            <a:r>
               <a:rPr lang="en" sz="2400" b="1" dirty="0" err="1" smtClean="0">
                 <a:latin typeface="Segoe UI" panose="020B0502040204020203" pitchFamily="34" charset="0"/>
                 <a:cs typeface="Segoe UI" panose="020B0502040204020203" pitchFamily="34" charset="0"/>
               </a:rPr>
               <a:t>Working </a:t>
             </a:r>
-            <a:r xmlns:a="http://schemas.openxmlformats.org/drawingml/2006/main">
+            <a:r>
               <a:rPr lang="en" sz="2400" b="1" dirty="0" smtClean="0">
                 <a:latin typeface="Segoe UI" panose="020B0502040204020203" pitchFamily="34" charset="0"/>
                 <a:cs typeface="Segoe UI" panose="020B0502040204020203" pitchFamily="34" charset="0"/>
               </a:rPr>
               <a:t>with </a:t>
             </a:r>
-            <a:r xmlns:a="http://schemas.openxmlformats.org/drawingml/2006/main">
+            <a:r>
               <a:rPr lang="en" sz="2400" b="1" dirty="0" err="1" smtClean="0">
                 <a:latin typeface="Segoe UI" panose="020B0502040204020203" pitchFamily="34" charset="0"/>
                 <a:cs typeface="Segoe UI" panose="020B0502040204020203" pitchFamily="34" charset="0"/>
               </a:rPr>
               <a:t>Dataflows</a:t>
             </a:r>
-            <a:endParaRPr xmlns:a="http://schemas.openxmlformats.org/drawingml/2006/main" lang="en-US" sz="2400" b="1" dirty="0">
+            <a:endParaRPr lang="en-US" sz="2400" b="1" dirty="0">
               <a:latin typeface="Segoe UI" panose="020B0502040204020203" pitchFamily="34" charset="0"/>
               <a:cs typeface="Segoe UI" panose="020B0502040204020203" pitchFamily="34" charset="0"/>
             </a:endParaRPr>
@@ -5616,35 +5600,31 @@
           </a:bodyPr>
           <a:lstStyle/>
           <a:p>
-            <a:r xmlns:a="http://schemas.openxmlformats.org/drawingml/2006/main">
+            <a:r>
               <a:rPr lang="en" sz="2000" b="1" dirty="0"/>
               <a:t>Power BI Services </a:t>
             </a:r>
-            <a:r xmlns:a="http://schemas.openxmlformats.org/drawingml/2006/main">
+            <a:r>
               <a:rPr lang="en" sz="2000" dirty="0"/>
-              <a:t>session </a:t>
-            </a:r>
-            <a:r xmlns:a="http://schemas.openxmlformats.org/drawingml/2006/main">
-              <a:rPr lang="en" sz="2000" dirty="0"/>
-              <a:t>, navigate to the shared workspace, click </a:t>
-            </a:r>
-            <a:r xmlns:a="http://schemas.openxmlformats.org/drawingml/2006/main">
+              <a:t>session , navigate to the shared workspace, click </a:t>
+            </a:r>
+            <a:r>
               <a:rPr lang="en" sz="2000" b="1" dirty="0"/>
               <a:t>... </a:t>
             </a:r>
-            <a:r xmlns:a="http://schemas.openxmlformats.org/drawingml/2006/main">
+            <a:r>
               <a:rPr lang="en" sz="2000" dirty="0"/>
               <a:t>, and then choose </a:t>
             </a:r>
-            <a:r xmlns:a="http://schemas.openxmlformats.org/drawingml/2006/main">
+            <a:r>
               <a:rPr lang="en" sz="2000" b="1" dirty="0" err="1"/>
               <a:t>DataFlow </a:t>
             </a:r>
-            <a:r xmlns:a="http://schemas.openxmlformats.org/drawingml/2006/main">
+            <a:r>
               <a:rPr lang="en" sz="2000" dirty="0"/>
               <a:t>.</a:t>
             </a:r>
-            <a:endParaRPr xmlns:a="http://schemas.openxmlformats.org/drawingml/2006/main" lang="en-US" sz="2000" dirty="0"/>
+            <a:endParaRPr lang="en-US" sz="2000" dirty="0"/>
           </a:p>
         </p:txBody>
       </p:sp>
@@ -5700,28 +5680,28 @@
           </a:bodyPr>
           <a:lstStyle/>
           <a:p>
-            <a:r xmlns:a="http://schemas.openxmlformats.org/drawingml/2006/main">
+            <a:r>
               <a:rPr lang="en" sz="2400" b="1" dirty="0" err="1" smtClean="0">
                 <a:latin typeface="Segoe UI" panose="020B0502040204020203" pitchFamily="34" charset="0"/>
                 <a:cs typeface="Segoe UI" panose="020B0502040204020203" pitchFamily="34" charset="0"/>
               </a:rPr>
               <a:t>Working </a:t>
             </a:r>
-            <a:r xmlns:a="http://schemas.openxmlformats.org/drawingml/2006/main">
+            <a:r>
               <a:rPr lang="en" sz="2400" b="1" dirty="0" smtClean="0">
                 <a:latin typeface="Segoe UI" panose="020B0502040204020203" pitchFamily="34" charset="0"/>
                 <a:cs typeface="Segoe UI" panose="020B0502040204020203" pitchFamily="34" charset="0"/>
               </a:rPr>
               <a:t>with </a:t>
             </a:r>
-            <a:r xmlns:a="http://schemas.openxmlformats.org/drawingml/2006/main">
+            <a:r>
               <a:rPr lang="en" sz="2400" b="1" dirty="0" err="1" smtClean="0">
                 <a:latin typeface="Segoe UI" panose="020B0502040204020203" pitchFamily="34" charset="0"/>
                 <a:cs typeface="Segoe UI" panose="020B0502040204020203" pitchFamily="34" charset="0"/>
               </a:rPr>
               <a:t>Dataflows</a:t>
             </a:r>
-            <a:endParaRPr xmlns:a="http://schemas.openxmlformats.org/drawingml/2006/main" lang="en-US" sz="2400" b="1" dirty="0">
+            <a:endParaRPr lang="en-US" sz="2400" b="1" dirty="0">
               <a:latin typeface="Segoe UI" panose="020B0502040204020203" pitchFamily="34" charset="0"/>
               <a:cs typeface="Segoe UI" panose="020B0502040204020203" pitchFamily="34" charset="0"/>
             </a:endParaRPr>
@@ -5841,35 +5821,31 @@
           </a:bodyPr>
           <a:lstStyle/>
           <a:p>
-            <a:r xmlns:a="http://schemas.openxmlformats.org/drawingml/2006/main">
+            <a:r>
               <a:rPr lang="en" sz="2000" b="1" dirty="0"/>
               <a:t>Power BI Services </a:t>
             </a:r>
-            <a:r xmlns:a="http://schemas.openxmlformats.org/drawingml/2006/main">
+            <a:r>
               <a:rPr lang="en" sz="2000" dirty="0"/>
-              <a:t>session </a:t>
-            </a:r>
-            <a:r xmlns:a="http://schemas.openxmlformats.org/drawingml/2006/main">
-              <a:rPr lang="en" sz="2000" dirty="0"/>
-              <a:t>, navigate to the shared workspace, click </a:t>
-            </a:r>
-            <a:r xmlns:a="http://schemas.openxmlformats.org/drawingml/2006/main">
+              <a:t>session , navigate to the shared workspace, click </a:t>
+            </a:r>
+            <a:r>
               <a:rPr lang="en" sz="2000" b="1" dirty="0"/>
               <a:t>... </a:t>
             </a:r>
-            <a:r xmlns:a="http://schemas.openxmlformats.org/drawingml/2006/main">
+            <a:r>
               <a:rPr lang="en" sz="2000" dirty="0"/>
               <a:t>, and then choose </a:t>
             </a:r>
-            <a:r xmlns:a="http://schemas.openxmlformats.org/drawingml/2006/main">
+            <a:r>
               <a:rPr lang="en" sz="2000" b="1" dirty="0" err="1"/>
               <a:t>DataFlow </a:t>
             </a:r>
-            <a:r xmlns:a="http://schemas.openxmlformats.org/drawingml/2006/main">
+            <a:r>
               <a:rPr lang="en" sz="2000" dirty="0"/>
               <a:t>.</a:t>
             </a:r>
-            <a:endParaRPr xmlns:a="http://schemas.openxmlformats.org/drawingml/2006/main" lang="en-US" sz="2000" dirty="0"/>
+            <a:endParaRPr lang="en-US" sz="2000" dirty="0"/>
           </a:p>
         </p:txBody>
       </p:sp>
@@ -5925,28 +5901,28 @@
           </a:bodyPr>
           <a:lstStyle/>
           <a:p>
-            <a:r xmlns:a="http://schemas.openxmlformats.org/drawingml/2006/main">
+            <a:r>
               <a:rPr lang="en" sz="2400" b="1" dirty="0" err="1" smtClean="0">
                 <a:latin typeface="Segoe UI" panose="020B0502040204020203" pitchFamily="34" charset="0"/>
                 <a:cs typeface="Segoe UI" panose="020B0502040204020203" pitchFamily="34" charset="0"/>
               </a:rPr>
               <a:t>Working </a:t>
             </a:r>
-            <a:r xmlns:a="http://schemas.openxmlformats.org/drawingml/2006/main">
+            <a:r>
               <a:rPr lang="en" sz="2400" b="1" dirty="0" smtClean="0">
                 <a:latin typeface="Segoe UI" panose="020B0502040204020203" pitchFamily="34" charset="0"/>
                 <a:cs typeface="Segoe UI" panose="020B0502040204020203" pitchFamily="34" charset="0"/>
               </a:rPr>
               <a:t>with </a:t>
             </a:r>
-            <a:r xmlns:a="http://schemas.openxmlformats.org/drawingml/2006/main">
+            <a:r>
               <a:rPr lang="en" sz="2400" b="1" dirty="0" err="1" smtClean="0">
                 <a:latin typeface="Segoe UI" panose="020B0502040204020203" pitchFamily="34" charset="0"/>
                 <a:cs typeface="Segoe UI" panose="020B0502040204020203" pitchFamily="34" charset="0"/>
               </a:rPr>
               <a:t>Dataflows</a:t>
             </a:r>
-            <a:endParaRPr xmlns:a="http://schemas.openxmlformats.org/drawingml/2006/main" lang="en-US" sz="2400" b="1" dirty="0">
+            <a:endParaRPr lang="en-US" sz="2400" b="1" dirty="0">
               <a:latin typeface="Segoe UI" panose="020B0502040204020203" pitchFamily="34" charset="0"/>
               <a:cs typeface="Segoe UI" panose="020B0502040204020203" pitchFamily="34" charset="0"/>
             </a:endParaRPr>
@@ -6066,19 +6042,19 @@
           </a:bodyPr>
           <a:lstStyle/>
           <a:p>
-            <a:r xmlns:a="http://schemas.openxmlformats.org/drawingml/2006/main">
+            <a:r>
               <a:rPr lang="en" sz="2000" dirty="0"/>
               <a:t>Note that the environment is similar to </a:t>
             </a:r>
-            <a:r xmlns:a="http://schemas.openxmlformats.org/drawingml/2006/main">
+            <a:r>
               <a:rPr lang="en" sz="2000" b="1" dirty="0"/>
               <a:t>Power BI Desktop </a:t>
             </a:r>
-            <a:r xmlns:a="http://schemas.openxmlformats.org/drawingml/2006/main">
+            <a:r>
               <a:rPr lang="en" sz="2000" dirty="0"/>
               <a:t>.</a:t>
             </a:r>
-            <a:endParaRPr xmlns:a="http://schemas.openxmlformats.org/drawingml/2006/main" lang="en-US" sz="2000" dirty="0"/>
+            <a:endParaRPr lang="en-US" sz="2000" dirty="0"/>
           </a:p>
         </p:txBody>
       </p:sp>
